--- a/Day21/DockerAndKubernetes_Training-Day21.pptx
+++ b/Day21/DockerAndKubernetes_Training-Day21.pptx
@@ -5,20 +5,14 @@
     <p:sldMasterId id="2147483880" r:id="rId1"/>
   </p:sldMasterIdLst>
   <p:notesMasterIdLst>
-    <p:notesMasterId r:id="rId13"/>
+    <p:notesMasterId r:id="rId7"/>
   </p:notesMasterIdLst>
   <p:sldIdLst>
     <p:sldId id="439" r:id="rId2"/>
     <p:sldId id="449" r:id="rId3"/>
     <p:sldId id="268" r:id="rId4"/>
     <p:sldId id="269" r:id="rId5"/>
-    <p:sldId id="270" r:id="rId6"/>
-    <p:sldId id="271" r:id="rId7"/>
-    <p:sldId id="272" r:id="rId8"/>
-    <p:sldId id="273" r:id="rId9"/>
-    <p:sldId id="403" r:id="rId10"/>
-    <p:sldId id="404" r:id="rId11"/>
-    <p:sldId id="451" r:id="rId12"/>
+    <p:sldId id="451" r:id="rId6"/>
   </p:sldIdLst>
   <p:sldSz cx="12192000" cy="6858000"/>
   <p:notesSz cx="6858000" cy="9144000"/>
@@ -3972,7 +3966,7 @@
           <a:p>
             <a:fld id="{B09F413D-6E72-4B8A-80ED-A580F7C91B71}" type="datetimeFigureOut">
               <a:rPr lang="en-IN" smtClean="0"/>
-              <a:t>03-05-2023</a:t>
+              <a:t>04-05-2023</a:t>
             </a:fld>
             <a:endParaRPr lang="en-IN"/>
           </a:p>
@@ -4575,7 +4569,7 @@
           <a:p>
             <a:fld id="{12E8600E-B0EE-4521-BF40-4B72FBA06775}" type="datetimeFigureOut">
               <a:rPr lang="en-IN" smtClean="0"/>
-              <a:t>03-05-2023</a:t>
+              <a:t>04-05-2023</a:t>
             </a:fld>
             <a:endParaRPr lang="en-IN"/>
           </a:p>
@@ -5664,7 +5658,7 @@
             <a:fld id="{49F3E739-D457-46E5-B626-C9B182A007EE}" type="datetimeFigureOut">
               <a:rPr lang="en-US" smtClean="0"/>
               <a:pPr/>
-              <a:t>5/3/2023</a:t>
+              <a:t>5/4/2023</a:t>
             </a:fld>
             <a:endParaRPr lang="en-US"/>
           </a:p>
@@ -6646,7 +6640,7 @@
             <a:fld id="{49F3E739-D457-46E5-B626-C9B182A007EE}" type="datetimeFigureOut">
               <a:rPr lang="en-US" smtClean="0"/>
               <a:pPr/>
-              <a:t>5/3/2023</a:t>
+              <a:t>5/4/2023</a:t>
             </a:fld>
             <a:endParaRPr lang="en-US"/>
           </a:p>
@@ -7782,7 +7776,7 @@
             <a:fld id="{49F3E739-D457-46E5-B626-C9B182A007EE}" type="datetimeFigureOut">
               <a:rPr lang="en-US" smtClean="0"/>
               <a:pPr/>
-              <a:t>5/3/2023</a:t>
+              <a:t>5/4/2023</a:t>
             </a:fld>
             <a:endParaRPr lang="en-US"/>
           </a:p>
@@ -8817,7 +8811,7 @@
             <a:fld id="{49F3E739-D457-46E5-B626-C9B182A007EE}" type="datetimeFigureOut">
               <a:rPr lang="en-US" smtClean="0"/>
               <a:pPr/>
-              <a:t>5/3/2023</a:t>
+              <a:t>5/4/2023</a:t>
             </a:fld>
             <a:endParaRPr lang="en-US"/>
           </a:p>
@@ -9479,7 +9473,7 @@
             <a:fld id="{49F3E739-D457-46E5-B626-C9B182A007EE}" type="datetimeFigureOut">
               <a:rPr lang="en-US" smtClean="0"/>
               <a:pPr/>
-              <a:t>5/3/2023</a:t>
+              <a:t>5/4/2023</a:t>
             </a:fld>
             <a:endParaRPr lang="en-US"/>
           </a:p>
@@ -10342,7 +10336,7 @@
             <a:fld id="{49F3E739-D457-46E5-B626-C9B182A007EE}" type="datetimeFigureOut">
               <a:rPr lang="en-US" smtClean="0"/>
               <a:pPr/>
-              <a:t>5/3/2023</a:t>
+              <a:t>5/4/2023</a:t>
             </a:fld>
             <a:endParaRPr lang="en-US"/>
           </a:p>
@@ -10533,7 +10527,7 @@
           <a:p>
             <a:fld id="{12E8600E-B0EE-4521-BF40-4B72FBA06775}" type="datetimeFigureOut">
               <a:rPr lang="en-IN" smtClean="0"/>
-              <a:t>03-05-2023</a:t>
+              <a:t>04-05-2023</a:t>
             </a:fld>
             <a:endParaRPr lang="en-IN"/>
           </a:p>
@@ -11505,7 +11499,7 @@
           <a:p>
             <a:fld id="{12E8600E-B0EE-4521-BF40-4B72FBA06775}" type="datetimeFigureOut">
               <a:rPr lang="en-IN" smtClean="0"/>
-              <a:t>03-05-2023</a:t>
+              <a:t>04-05-2023</a:t>
             </a:fld>
             <a:endParaRPr lang="en-IN"/>
           </a:p>
@@ -11716,7 +11710,7 @@
           <a:p>
             <a:fld id="{12E8600E-B0EE-4521-BF40-4B72FBA06775}" type="datetimeFigureOut">
               <a:rPr lang="en-IN" smtClean="0"/>
-              <a:t>03-05-2023</a:t>
+              <a:t>04-05-2023</a:t>
             </a:fld>
             <a:endParaRPr lang="en-IN"/>
           </a:p>
@@ -12750,7 +12744,7 @@
           <a:p>
             <a:fld id="{12E8600E-B0EE-4521-BF40-4B72FBA06775}" type="datetimeFigureOut">
               <a:rPr lang="en-IN" smtClean="0"/>
-              <a:t>03-05-2023</a:t>
+              <a:t>04-05-2023</a:t>
             </a:fld>
             <a:endParaRPr lang="en-IN"/>
           </a:p>
@@ -13022,7 +13016,7 @@
           <a:p>
             <a:fld id="{12E8600E-B0EE-4521-BF40-4B72FBA06775}" type="datetimeFigureOut">
               <a:rPr lang="en-IN" smtClean="0"/>
-              <a:t>03-05-2023</a:t>
+              <a:t>04-05-2023</a:t>
             </a:fld>
             <a:endParaRPr lang="en-IN"/>
           </a:p>
@@ -13433,7 +13427,7 @@
             <a:fld id="{49F3E739-D457-46E5-B626-C9B182A007EE}" type="datetimeFigureOut">
               <a:rPr lang="en-US" smtClean="0"/>
               <a:pPr/>
-              <a:t>5/3/2023</a:t>
+              <a:t>5/4/2023</a:t>
             </a:fld>
             <a:endParaRPr lang="en-US"/>
           </a:p>
@@ -13561,7 +13555,7 @@
           <a:p>
             <a:fld id="{12E8600E-B0EE-4521-BF40-4B72FBA06775}" type="datetimeFigureOut">
               <a:rPr lang="en-IN" smtClean="0"/>
-              <a:t>03-05-2023</a:t>
+              <a:t>04-05-2023</a:t>
             </a:fld>
             <a:endParaRPr lang="en-IN"/>
           </a:p>
@@ -13656,7 +13650,7 @@
           <a:p>
             <a:fld id="{12E8600E-B0EE-4521-BF40-4B72FBA06775}" type="datetimeFigureOut">
               <a:rPr lang="en-IN" smtClean="0"/>
-              <a:t>03-05-2023</a:t>
+              <a:t>04-05-2023</a:t>
             </a:fld>
             <a:endParaRPr lang="en-IN"/>
           </a:p>
@@ -14737,7 +14731,7 @@
           <a:p>
             <a:fld id="{12E8600E-B0EE-4521-BF40-4B72FBA06775}" type="datetimeFigureOut">
               <a:rPr lang="en-IN" smtClean="0"/>
-              <a:t>03-05-2023</a:t>
+              <a:t>04-05-2023</a:t>
             </a:fld>
             <a:endParaRPr lang="en-IN"/>
           </a:p>
@@ -15846,7 +15840,7 @@
             <a:fld id="{49F3E739-D457-46E5-B626-C9B182A007EE}" type="datetimeFigureOut">
               <a:rPr lang="en-US" smtClean="0"/>
               <a:pPr/>
-              <a:t>5/3/2023</a:t>
+              <a:t>5/4/2023</a:t>
             </a:fld>
             <a:endParaRPr lang="en-US"/>
           </a:p>
@@ -16845,7 +16839,7 @@
             <a:fld id="{49F3E739-D457-46E5-B626-C9B182A007EE}" type="datetimeFigureOut">
               <a:rPr lang="en-US" smtClean="0"/>
               <a:pPr/>
-              <a:t>5/3/2023</a:t>
+              <a:t>5/4/2023</a:t>
             </a:fld>
             <a:endParaRPr lang="en-US"/>
           </a:p>
@@ -17494,1071 +17488,6 @@
 </p:sld>
 </file>
 
-<file path=ppt/slides/slide10.xml><?xml version="1.0" encoding="utf-8"?>
-<p:sld xmlns:a="http://schemas.openxmlformats.org/drawingml/2006/main" xmlns:r="http://schemas.openxmlformats.org/officeDocument/2006/relationships" xmlns:p="http://schemas.openxmlformats.org/presentationml/2006/main">
-  <p:cSld>
-    <p:spTree>
-      <p:nvGrpSpPr>
-        <p:cNvPr id="1" name=""/>
-        <p:cNvGrpSpPr/>
-        <p:nvPr/>
-      </p:nvGrpSpPr>
-      <p:grpSpPr>
-        <a:xfrm>
-          <a:off x="0" y="0"/>
-          <a:ext cx="0" cy="0"/>
-          <a:chOff x="0" y="0"/>
-          <a:chExt cx="0" cy="0"/>
-        </a:xfrm>
-      </p:grpSpPr>
-      <p:sp>
-        <p:nvSpPr>
-          <p:cNvPr id="2" name="Title 1">
-            <a:extLst>
-              <a:ext uri="{FF2B5EF4-FFF2-40B4-BE49-F238E27FC236}">
-                <a16:creationId xmlns:a16="http://schemas.microsoft.com/office/drawing/2014/main" id="{97BC34CC-2191-086A-75CD-07624340C7B3}"/>
-              </a:ext>
-            </a:extLst>
-          </p:cNvPr>
-          <p:cNvSpPr>
-            <a:spLocks noGrp="1"/>
-          </p:cNvSpPr>
-          <p:nvPr>
-            <p:ph type="title"/>
-          </p:nvPr>
-        </p:nvSpPr>
-        <p:spPr>
-          <a:xfrm>
-            <a:off x="702365" y="973668"/>
-            <a:ext cx="9727096" cy="706964"/>
-          </a:xfrm>
-        </p:spPr>
-        <p:txBody>
-          <a:bodyPr/>
-          <a:lstStyle/>
-          <a:p>
-            <a:r>
-              <a:rPr lang="en-US" sz="2300" dirty="0"/>
-              <a:t>KUBERNETES – WORKER NODE – CONTAINER RUNTIME ARCHITECTURE</a:t>
-            </a:r>
-            <a:endParaRPr lang="en-IN" sz="2300" dirty="0"/>
-          </a:p>
-        </p:txBody>
-      </p:sp>
-      <p:sp>
-        <p:nvSpPr>
-          <p:cNvPr id="6" name="Content Placeholder 2">
-            <a:extLst>
-              <a:ext uri="{FF2B5EF4-FFF2-40B4-BE49-F238E27FC236}">
-                <a16:creationId xmlns:a16="http://schemas.microsoft.com/office/drawing/2014/main" id="{B7C7AC3E-A7EB-D2ED-024A-50A63CD03467}"/>
-              </a:ext>
-            </a:extLst>
-          </p:cNvPr>
-          <p:cNvSpPr>
-            <a:spLocks noGrp="1"/>
-          </p:cNvSpPr>
-          <p:nvPr>
-            <p:ph idx="1"/>
-          </p:nvPr>
-        </p:nvSpPr>
-        <p:spPr>
-          <a:xfrm>
-            <a:off x="5232914" y="2487942"/>
-            <a:ext cx="6853070" cy="4264072"/>
-          </a:xfrm>
-        </p:spPr>
-        <p:txBody>
-          <a:bodyPr>
-            <a:normAutofit/>
-          </a:bodyPr>
-          <a:lstStyle/>
-          <a:p>
-            <a:r>
-              <a:rPr lang="en-US" dirty="0"/>
-              <a:t>Container Runtime is required for running of a container</a:t>
-            </a:r>
-          </a:p>
-          <a:p>
-            <a:r>
-              <a:rPr lang="en-US" dirty="0"/>
-              <a:t>Responsible for pulling images from container registries, running container, allocating &amp; isolating container resources and manage lifecycle of container on a host</a:t>
-            </a:r>
-          </a:p>
-          <a:p>
-            <a:r>
-              <a:rPr lang="en-IN" dirty="0"/>
-              <a:t>Container runtime interface (CRI): it is a set of APIs that allows Kubernetes to interact with different container runtimes</a:t>
-            </a:r>
-          </a:p>
-          <a:p>
-            <a:r>
-              <a:rPr lang="en-IN" dirty="0"/>
-              <a:t>CRI defines the API for creating, starting, stopping &amp; deleting containers. It manage images and container network</a:t>
-            </a:r>
-          </a:p>
-          <a:p>
-            <a:r>
-              <a:rPr lang="en-IN" dirty="0"/>
-              <a:t>Open Container initiative (OCI): It is set of standard for container format and runtime</a:t>
-            </a:r>
-          </a:p>
-        </p:txBody>
-      </p:sp>
-      <p:pic>
-        <p:nvPicPr>
-          <p:cNvPr id="8" name="Picture 7">
-            <a:extLst>
-              <a:ext uri="{FF2B5EF4-FFF2-40B4-BE49-F238E27FC236}">
-                <a16:creationId xmlns:a16="http://schemas.microsoft.com/office/drawing/2014/main" id="{0AE9C95D-7777-D9DC-8FD4-5246711E0227}"/>
-              </a:ext>
-            </a:extLst>
-          </p:cNvPr>
-          <p:cNvPicPr>
-            <a:picLocks noChangeAspect="1"/>
-          </p:cNvPicPr>
-          <p:nvPr/>
-        </p:nvPicPr>
-        <p:blipFill>
-          <a:blip r:embed="rId2">
-            <a:extLst>
-              <a:ext uri="{28A0092B-C50C-407E-A947-70E740481C1C}">
-                <a14:useLocalDpi xmlns:a14="http://schemas.microsoft.com/office/drawing/2010/main" val="0"/>
-              </a:ext>
-            </a:extLst>
-          </a:blip>
-          <a:stretch>
-            <a:fillRect/>
-          </a:stretch>
-        </p:blipFill>
-        <p:spPr>
-          <a:xfrm>
-            <a:off x="-198782" y="2319130"/>
-            <a:ext cx="5431696" cy="4264072"/>
-          </a:xfrm>
-          <a:prstGeom prst="rect">
-            <a:avLst/>
-          </a:prstGeom>
-        </p:spPr>
-      </p:pic>
-    </p:spTree>
-    <p:extLst>
-      <p:ext uri="{BB962C8B-B14F-4D97-AF65-F5344CB8AC3E}">
-        <p14:creationId xmlns:p14="http://schemas.microsoft.com/office/powerpoint/2010/main" val="2926524775"/>
-      </p:ext>
-    </p:extLst>
-  </p:cSld>
-  <p:clrMapOvr>
-    <a:masterClrMapping/>
-  </p:clrMapOvr>
-  <p:timing>
-    <p:tnLst>
-      <p:par>
-        <p:cTn id="1" dur="indefinite" restart="never" nodeType="tmRoot">
-          <p:childTnLst>
-            <p:seq concurrent="1" nextAc="seek">
-              <p:cTn id="2" dur="indefinite" nodeType="mainSeq">
-                <p:childTnLst>
-                  <p:par>
-                    <p:cTn id="3" fill="hold">
-                      <p:stCondLst>
-                        <p:cond delay="indefinite"/>
-                      </p:stCondLst>
-                      <p:childTnLst>
-                        <p:par>
-                          <p:cTn id="4" fill="hold">
-                            <p:stCondLst>
-                              <p:cond delay="0"/>
-                            </p:stCondLst>
-                            <p:childTnLst>
-                              <p:par>
-                                <p:cTn id="5" presetID="10" presetClass="entr" presetSubtype="0" fill="hold" grpId="0" nodeType="clickEffect">
-                                  <p:stCondLst>
-                                    <p:cond delay="0"/>
-                                  </p:stCondLst>
-                                  <p:childTnLst>
-                                    <p:set>
-                                      <p:cBhvr>
-                                        <p:cTn id="6" dur="1" fill="hold">
-                                          <p:stCondLst>
-                                            <p:cond delay="0"/>
-                                          </p:stCondLst>
-                                        </p:cTn>
-                                        <p:tgtEl>
-                                          <p:spTgt spid="2"/>
-                                        </p:tgtEl>
-                                        <p:attrNameLst>
-                                          <p:attrName>style.visibility</p:attrName>
-                                        </p:attrNameLst>
-                                      </p:cBhvr>
-                                      <p:to>
-                                        <p:strVal val="visible"/>
-                                      </p:to>
-                                    </p:set>
-                                    <p:animEffect transition="in" filter="fade">
-                                      <p:cBhvr>
-                                        <p:cTn id="7" dur="500"/>
-                                        <p:tgtEl>
-                                          <p:spTgt spid="2"/>
-                                        </p:tgtEl>
-                                      </p:cBhvr>
-                                    </p:animEffect>
-                                  </p:childTnLst>
-                                </p:cTn>
-                              </p:par>
-                            </p:childTnLst>
-                          </p:cTn>
-                        </p:par>
-                      </p:childTnLst>
-                    </p:cTn>
-                  </p:par>
-                  <p:par>
-                    <p:cTn id="8" fill="hold">
-                      <p:stCondLst>
-                        <p:cond delay="indefinite"/>
-                      </p:stCondLst>
-                      <p:childTnLst>
-                        <p:par>
-                          <p:cTn id="9" fill="hold">
-                            <p:stCondLst>
-                              <p:cond delay="0"/>
-                            </p:stCondLst>
-                            <p:childTnLst>
-                              <p:par>
-                                <p:cTn id="10" presetID="2" presetClass="entr" presetSubtype="4" fill="hold" nodeType="clickEffect">
-                                  <p:stCondLst>
-                                    <p:cond delay="0"/>
-                                  </p:stCondLst>
-                                  <p:childTnLst>
-                                    <p:set>
-                                      <p:cBhvr>
-                                        <p:cTn id="11" dur="1" fill="hold">
-                                          <p:stCondLst>
-                                            <p:cond delay="0"/>
-                                          </p:stCondLst>
-                                        </p:cTn>
-                                        <p:tgtEl>
-                                          <p:spTgt spid="8"/>
-                                        </p:tgtEl>
-                                        <p:attrNameLst>
-                                          <p:attrName>style.visibility</p:attrName>
-                                        </p:attrNameLst>
-                                      </p:cBhvr>
-                                      <p:to>
-                                        <p:strVal val="visible"/>
-                                      </p:to>
-                                    </p:set>
-                                    <p:anim calcmode="lin" valueType="num">
-                                      <p:cBhvr additive="base">
-                                        <p:cTn id="12" dur="500" fill="hold"/>
-                                        <p:tgtEl>
-                                          <p:spTgt spid="8"/>
-                                        </p:tgtEl>
-                                        <p:attrNameLst>
-                                          <p:attrName>ppt_x</p:attrName>
-                                        </p:attrNameLst>
-                                      </p:cBhvr>
-                                      <p:tavLst>
-                                        <p:tav tm="0">
-                                          <p:val>
-                                            <p:strVal val="#ppt_x"/>
-                                          </p:val>
-                                        </p:tav>
-                                        <p:tav tm="100000">
-                                          <p:val>
-                                            <p:strVal val="#ppt_x"/>
-                                          </p:val>
-                                        </p:tav>
-                                      </p:tavLst>
-                                    </p:anim>
-                                    <p:anim calcmode="lin" valueType="num">
-                                      <p:cBhvr additive="base">
-                                        <p:cTn id="13" dur="500" fill="hold"/>
-                                        <p:tgtEl>
-                                          <p:spTgt spid="8"/>
-                                        </p:tgtEl>
-                                        <p:attrNameLst>
-                                          <p:attrName>ppt_y</p:attrName>
-                                        </p:attrNameLst>
-                                      </p:cBhvr>
-                                      <p:tavLst>
-                                        <p:tav tm="0">
-                                          <p:val>
-                                            <p:strVal val="1+#ppt_h/2"/>
-                                          </p:val>
-                                        </p:tav>
-                                        <p:tav tm="100000">
-                                          <p:val>
-                                            <p:strVal val="#ppt_y"/>
-                                          </p:val>
-                                        </p:tav>
-                                      </p:tavLst>
-                                    </p:anim>
-                                  </p:childTnLst>
-                                </p:cTn>
-                              </p:par>
-                            </p:childTnLst>
-                          </p:cTn>
-                        </p:par>
-                      </p:childTnLst>
-                    </p:cTn>
-                  </p:par>
-                  <p:par>
-                    <p:cTn id="14" fill="hold">
-                      <p:stCondLst>
-                        <p:cond delay="indefinite"/>
-                      </p:stCondLst>
-                      <p:childTnLst>
-                        <p:par>
-                          <p:cTn id="15" fill="hold">
-                            <p:stCondLst>
-                              <p:cond delay="0"/>
-                            </p:stCondLst>
-                            <p:childTnLst>
-                              <p:par>
-                                <p:cTn id="16" presetID="42" presetClass="entr" presetSubtype="0" fill="hold" grpId="0" nodeType="clickEffect">
-                                  <p:stCondLst>
-                                    <p:cond delay="0"/>
-                                  </p:stCondLst>
-                                  <p:childTnLst>
-                                    <p:set>
-                                      <p:cBhvr>
-                                        <p:cTn id="17" dur="1" fill="hold">
-                                          <p:stCondLst>
-                                            <p:cond delay="0"/>
-                                          </p:stCondLst>
-                                        </p:cTn>
-                                        <p:tgtEl>
-                                          <p:spTgt spid="6">
-                                            <p:txEl>
-                                              <p:pRg st="0" end="0"/>
-                                            </p:txEl>
-                                          </p:spTgt>
-                                        </p:tgtEl>
-                                        <p:attrNameLst>
-                                          <p:attrName>style.visibility</p:attrName>
-                                        </p:attrNameLst>
-                                      </p:cBhvr>
-                                      <p:to>
-                                        <p:strVal val="visible"/>
-                                      </p:to>
-                                    </p:set>
-                                    <p:animEffect transition="in" filter="fade">
-                                      <p:cBhvr>
-                                        <p:cTn id="18" dur="1000"/>
-                                        <p:tgtEl>
-                                          <p:spTgt spid="6">
-                                            <p:txEl>
-                                              <p:pRg st="0" end="0"/>
-                                            </p:txEl>
-                                          </p:spTgt>
-                                        </p:tgtEl>
-                                      </p:cBhvr>
-                                    </p:animEffect>
-                                    <p:anim calcmode="lin" valueType="num">
-                                      <p:cBhvr>
-                                        <p:cTn id="19" dur="1000" fill="hold"/>
-                                        <p:tgtEl>
-                                          <p:spTgt spid="6">
-                                            <p:txEl>
-                                              <p:pRg st="0" end="0"/>
-                                            </p:txEl>
-                                          </p:spTgt>
-                                        </p:tgtEl>
-                                        <p:attrNameLst>
-                                          <p:attrName>ppt_x</p:attrName>
-                                        </p:attrNameLst>
-                                      </p:cBhvr>
-                                      <p:tavLst>
-                                        <p:tav tm="0">
-                                          <p:val>
-                                            <p:strVal val="#ppt_x"/>
-                                          </p:val>
-                                        </p:tav>
-                                        <p:tav tm="100000">
-                                          <p:val>
-                                            <p:strVal val="#ppt_x"/>
-                                          </p:val>
-                                        </p:tav>
-                                      </p:tavLst>
-                                    </p:anim>
-                                    <p:anim calcmode="lin" valueType="num">
-                                      <p:cBhvr>
-                                        <p:cTn id="20" dur="1000" fill="hold"/>
-                                        <p:tgtEl>
-                                          <p:spTgt spid="6">
-                                            <p:txEl>
-                                              <p:pRg st="0" end="0"/>
-                                            </p:txEl>
-                                          </p:spTgt>
-                                        </p:tgtEl>
-                                        <p:attrNameLst>
-                                          <p:attrName>ppt_y</p:attrName>
-                                        </p:attrNameLst>
-                                      </p:cBhvr>
-                                      <p:tavLst>
-                                        <p:tav tm="0">
-                                          <p:val>
-                                            <p:strVal val="#ppt_y+.1"/>
-                                          </p:val>
-                                        </p:tav>
-                                        <p:tav tm="100000">
-                                          <p:val>
-                                            <p:strVal val="#ppt_y"/>
-                                          </p:val>
-                                        </p:tav>
-                                      </p:tavLst>
-                                    </p:anim>
-                                  </p:childTnLst>
-                                </p:cTn>
-                              </p:par>
-                            </p:childTnLst>
-                          </p:cTn>
-                        </p:par>
-                      </p:childTnLst>
-                    </p:cTn>
-                  </p:par>
-                  <p:par>
-                    <p:cTn id="21" fill="hold">
-                      <p:stCondLst>
-                        <p:cond delay="indefinite"/>
-                      </p:stCondLst>
-                      <p:childTnLst>
-                        <p:par>
-                          <p:cTn id="22" fill="hold">
-                            <p:stCondLst>
-                              <p:cond delay="0"/>
-                            </p:stCondLst>
-                            <p:childTnLst>
-                              <p:par>
-                                <p:cTn id="23" presetID="42" presetClass="entr" presetSubtype="0" fill="hold" grpId="0" nodeType="clickEffect">
-                                  <p:stCondLst>
-                                    <p:cond delay="0"/>
-                                  </p:stCondLst>
-                                  <p:childTnLst>
-                                    <p:set>
-                                      <p:cBhvr>
-                                        <p:cTn id="24" dur="1" fill="hold">
-                                          <p:stCondLst>
-                                            <p:cond delay="0"/>
-                                          </p:stCondLst>
-                                        </p:cTn>
-                                        <p:tgtEl>
-                                          <p:spTgt spid="6">
-                                            <p:txEl>
-                                              <p:pRg st="1" end="1"/>
-                                            </p:txEl>
-                                          </p:spTgt>
-                                        </p:tgtEl>
-                                        <p:attrNameLst>
-                                          <p:attrName>style.visibility</p:attrName>
-                                        </p:attrNameLst>
-                                      </p:cBhvr>
-                                      <p:to>
-                                        <p:strVal val="visible"/>
-                                      </p:to>
-                                    </p:set>
-                                    <p:animEffect transition="in" filter="fade">
-                                      <p:cBhvr>
-                                        <p:cTn id="25" dur="1000"/>
-                                        <p:tgtEl>
-                                          <p:spTgt spid="6">
-                                            <p:txEl>
-                                              <p:pRg st="1" end="1"/>
-                                            </p:txEl>
-                                          </p:spTgt>
-                                        </p:tgtEl>
-                                      </p:cBhvr>
-                                    </p:animEffect>
-                                    <p:anim calcmode="lin" valueType="num">
-                                      <p:cBhvr>
-                                        <p:cTn id="26" dur="1000" fill="hold"/>
-                                        <p:tgtEl>
-                                          <p:spTgt spid="6">
-                                            <p:txEl>
-                                              <p:pRg st="1" end="1"/>
-                                            </p:txEl>
-                                          </p:spTgt>
-                                        </p:tgtEl>
-                                        <p:attrNameLst>
-                                          <p:attrName>ppt_x</p:attrName>
-                                        </p:attrNameLst>
-                                      </p:cBhvr>
-                                      <p:tavLst>
-                                        <p:tav tm="0">
-                                          <p:val>
-                                            <p:strVal val="#ppt_x"/>
-                                          </p:val>
-                                        </p:tav>
-                                        <p:tav tm="100000">
-                                          <p:val>
-                                            <p:strVal val="#ppt_x"/>
-                                          </p:val>
-                                        </p:tav>
-                                      </p:tavLst>
-                                    </p:anim>
-                                    <p:anim calcmode="lin" valueType="num">
-                                      <p:cBhvr>
-                                        <p:cTn id="27" dur="1000" fill="hold"/>
-                                        <p:tgtEl>
-                                          <p:spTgt spid="6">
-                                            <p:txEl>
-                                              <p:pRg st="1" end="1"/>
-                                            </p:txEl>
-                                          </p:spTgt>
-                                        </p:tgtEl>
-                                        <p:attrNameLst>
-                                          <p:attrName>ppt_y</p:attrName>
-                                        </p:attrNameLst>
-                                      </p:cBhvr>
-                                      <p:tavLst>
-                                        <p:tav tm="0">
-                                          <p:val>
-                                            <p:strVal val="#ppt_y+.1"/>
-                                          </p:val>
-                                        </p:tav>
-                                        <p:tav tm="100000">
-                                          <p:val>
-                                            <p:strVal val="#ppt_y"/>
-                                          </p:val>
-                                        </p:tav>
-                                      </p:tavLst>
-                                    </p:anim>
-                                  </p:childTnLst>
-                                </p:cTn>
-                              </p:par>
-                            </p:childTnLst>
-                          </p:cTn>
-                        </p:par>
-                      </p:childTnLst>
-                    </p:cTn>
-                  </p:par>
-                  <p:par>
-                    <p:cTn id="28" fill="hold">
-                      <p:stCondLst>
-                        <p:cond delay="indefinite"/>
-                      </p:stCondLst>
-                      <p:childTnLst>
-                        <p:par>
-                          <p:cTn id="29" fill="hold">
-                            <p:stCondLst>
-                              <p:cond delay="0"/>
-                            </p:stCondLst>
-                            <p:childTnLst>
-                              <p:par>
-                                <p:cTn id="30" presetID="42" presetClass="entr" presetSubtype="0" fill="hold" grpId="0" nodeType="clickEffect">
-                                  <p:stCondLst>
-                                    <p:cond delay="0"/>
-                                  </p:stCondLst>
-                                  <p:childTnLst>
-                                    <p:set>
-                                      <p:cBhvr>
-                                        <p:cTn id="31" dur="1" fill="hold">
-                                          <p:stCondLst>
-                                            <p:cond delay="0"/>
-                                          </p:stCondLst>
-                                        </p:cTn>
-                                        <p:tgtEl>
-                                          <p:spTgt spid="6">
-                                            <p:txEl>
-                                              <p:pRg st="2" end="2"/>
-                                            </p:txEl>
-                                          </p:spTgt>
-                                        </p:tgtEl>
-                                        <p:attrNameLst>
-                                          <p:attrName>style.visibility</p:attrName>
-                                        </p:attrNameLst>
-                                      </p:cBhvr>
-                                      <p:to>
-                                        <p:strVal val="visible"/>
-                                      </p:to>
-                                    </p:set>
-                                    <p:animEffect transition="in" filter="fade">
-                                      <p:cBhvr>
-                                        <p:cTn id="32" dur="1000"/>
-                                        <p:tgtEl>
-                                          <p:spTgt spid="6">
-                                            <p:txEl>
-                                              <p:pRg st="2" end="2"/>
-                                            </p:txEl>
-                                          </p:spTgt>
-                                        </p:tgtEl>
-                                      </p:cBhvr>
-                                    </p:animEffect>
-                                    <p:anim calcmode="lin" valueType="num">
-                                      <p:cBhvr>
-                                        <p:cTn id="33" dur="1000" fill="hold"/>
-                                        <p:tgtEl>
-                                          <p:spTgt spid="6">
-                                            <p:txEl>
-                                              <p:pRg st="2" end="2"/>
-                                            </p:txEl>
-                                          </p:spTgt>
-                                        </p:tgtEl>
-                                        <p:attrNameLst>
-                                          <p:attrName>ppt_x</p:attrName>
-                                        </p:attrNameLst>
-                                      </p:cBhvr>
-                                      <p:tavLst>
-                                        <p:tav tm="0">
-                                          <p:val>
-                                            <p:strVal val="#ppt_x"/>
-                                          </p:val>
-                                        </p:tav>
-                                        <p:tav tm="100000">
-                                          <p:val>
-                                            <p:strVal val="#ppt_x"/>
-                                          </p:val>
-                                        </p:tav>
-                                      </p:tavLst>
-                                    </p:anim>
-                                    <p:anim calcmode="lin" valueType="num">
-                                      <p:cBhvr>
-                                        <p:cTn id="34" dur="1000" fill="hold"/>
-                                        <p:tgtEl>
-                                          <p:spTgt spid="6">
-                                            <p:txEl>
-                                              <p:pRg st="2" end="2"/>
-                                            </p:txEl>
-                                          </p:spTgt>
-                                        </p:tgtEl>
-                                        <p:attrNameLst>
-                                          <p:attrName>ppt_y</p:attrName>
-                                        </p:attrNameLst>
-                                      </p:cBhvr>
-                                      <p:tavLst>
-                                        <p:tav tm="0">
-                                          <p:val>
-                                            <p:strVal val="#ppt_y+.1"/>
-                                          </p:val>
-                                        </p:tav>
-                                        <p:tav tm="100000">
-                                          <p:val>
-                                            <p:strVal val="#ppt_y"/>
-                                          </p:val>
-                                        </p:tav>
-                                      </p:tavLst>
-                                    </p:anim>
-                                  </p:childTnLst>
-                                </p:cTn>
-                              </p:par>
-                            </p:childTnLst>
-                          </p:cTn>
-                        </p:par>
-                      </p:childTnLst>
-                    </p:cTn>
-                  </p:par>
-                  <p:par>
-                    <p:cTn id="35" fill="hold">
-                      <p:stCondLst>
-                        <p:cond delay="indefinite"/>
-                      </p:stCondLst>
-                      <p:childTnLst>
-                        <p:par>
-                          <p:cTn id="36" fill="hold">
-                            <p:stCondLst>
-                              <p:cond delay="0"/>
-                            </p:stCondLst>
-                            <p:childTnLst>
-                              <p:par>
-                                <p:cTn id="37" presetID="42" presetClass="entr" presetSubtype="0" fill="hold" grpId="0" nodeType="clickEffect">
-                                  <p:stCondLst>
-                                    <p:cond delay="0"/>
-                                  </p:stCondLst>
-                                  <p:childTnLst>
-                                    <p:set>
-                                      <p:cBhvr>
-                                        <p:cTn id="38" dur="1" fill="hold">
-                                          <p:stCondLst>
-                                            <p:cond delay="0"/>
-                                          </p:stCondLst>
-                                        </p:cTn>
-                                        <p:tgtEl>
-                                          <p:spTgt spid="6">
-                                            <p:txEl>
-                                              <p:pRg st="3" end="3"/>
-                                            </p:txEl>
-                                          </p:spTgt>
-                                        </p:tgtEl>
-                                        <p:attrNameLst>
-                                          <p:attrName>style.visibility</p:attrName>
-                                        </p:attrNameLst>
-                                      </p:cBhvr>
-                                      <p:to>
-                                        <p:strVal val="visible"/>
-                                      </p:to>
-                                    </p:set>
-                                    <p:animEffect transition="in" filter="fade">
-                                      <p:cBhvr>
-                                        <p:cTn id="39" dur="1000"/>
-                                        <p:tgtEl>
-                                          <p:spTgt spid="6">
-                                            <p:txEl>
-                                              <p:pRg st="3" end="3"/>
-                                            </p:txEl>
-                                          </p:spTgt>
-                                        </p:tgtEl>
-                                      </p:cBhvr>
-                                    </p:animEffect>
-                                    <p:anim calcmode="lin" valueType="num">
-                                      <p:cBhvr>
-                                        <p:cTn id="40" dur="1000" fill="hold"/>
-                                        <p:tgtEl>
-                                          <p:spTgt spid="6">
-                                            <p:txEl>
-                                              <p:pRg st="3" end="3"/>
-                                            </p:txEl>
-                                          </p:spTgt>
-                                        </p:tgtEl>
-                                        <p:attrNameLst>
-                                          <p:attrName>ppt_x</p:attrName>
-                                        </p:attrNameLst>
-                                      </p:cBhvr>
-                                      <p:tavLst>
-                                        <p:tav tm="0">
-                                          <p:val>
-                                            <p:strVal val="#ppt_x"/>
-                                          </p:val>
-                                        </p:tav>
-                                        <p:tav tm="100000">
-                                          <p:val>
-                                            <p:strVal val="#ppt_x"/>
-                                          </p:val>
-                                        </p:tav>
-                                      </p:tavLst>
-                                    </p:anim>
-                                    <p:anim calcmode="lin" valueType="num">
-                                      <p:cBhvr>
-                                        <p:cTn id="41" dur="1000" fill="hold"/>
-                                        <p:tgtEl>
-                                          <p:spTgt spid="6">
-                                            <p:txEl>
-                                              <p:pRg st="3" end="3"/>
-                                            </p:txEl>
-                                          </p:spTgt>
-                                        </p:tgtEl>
-                                        <p:attrNameLst>
-                                          <p:attrName>ppt_y</p:attrName>
-                                        </p:attrNameLst>
-                                      </p:cBhvr>
-                                      <p:tavLst>
-                                        <p:tav tm="0">
-                                          <p:val>
-                                            <p:strVal val="#ppt_y+.1"/>
-                                          </p:val>
-                                        </p:tav>
-                                        <p:tav tm="100000">
-                                          <p:val>
-                                            <p:strVal val="#ppt_y"/>
-                                          </p:val>
-                                        </p:tav>
-                                      </p:tavLst>
-                                    </p:anim>
-                                  </p:childTnLst>
-                                </p:cTn>
-                              </p:par>
-                            </p:childTnLst>
-                          </p:cTn>
-                        </p:par>
-                      </p:childTnLst>
-                    </p:cTn>
-                  </p:par>
-                  <p:par>
-                    <p:cTn id="42" fill="hold">
-                      <p:stCondLst>
-                        <p:cond delay="indefinite"/>
-                      </p:stCondLst>
-                      <p:childTnLst>
-                        <p:par>
-                          <p:cTn id="43" fill="hold">
-                            <p:stCondLst>
-                              <p:cond delay="0"/>
-                            </p:stCondLst>
-                            <p:childTnLst>
-                              <p:par>
-                                <p:cTn id="44" presetID="42" presetClass="entr" presetSubtype="0" fill="hold" grpId="0" nodeType="clickEffect">
-                                  <p:stCondLst>
-                                    <p:cond delay="0"/>
-                                  </p:stCondLst>
-                                  <p:childTnLst>
-                                    <p:set>
-                                      <p:cBhvr>
-                                        <p:cTn id="45" dur="1" fill="hold">
-                                          <p:stCondLst>
-                                            <p:cond delay="0"/>
-                                          </p:stCondLst>
-                                        </p:cTn>
-                                        <p:tgtEl>
-                                          <p:spTgt spid="6">
-                                            <p:txEl>
-                                              <p:pRg st="4" end="4"/>
-                                            </p:txEl>
-                                          </p:spTgt>
-                                        </p:tgtEl>
-                                        <p:attrNameLst>
-                                          <p:attrName>style.visibility</p:attrName>
-                                        </p:attrNameLst>
-                                      </p:cBhvr>
-                                      <p:to>
-                                        <p:strVal val="visible"/>
-                                      </p:to>
-                                    </p:set>
-                                    <p:animEffect transition="in" filter="fade">
-                                      <p:cBhvr>
-                                        <p:cTn id="46" dur="1000"/>
-                                        <p:tgtEl>
-                                          <p:spTgt spid="6">
-                                            <p:txEl>
-                                              <p:pRg st="4" end="4"/>
-                                            </p:txEl>
-                                          </p:spTgt>
-                                        </p:tgtEl>
-                                      </p:cBhvr>
-                                    </p:animEffect>
-                                    <p:anim calcmode="lin" valueType="num">
-                                      <p:cBhvr>
-                                        <p:cTn id="47" dur="1000" fill="hold"/>
-                                        <p:tgtEl>
-                                          <p:spTgt spid="6">
-                                            <p:txEl>
-                                              <p:pRg st="4" end="4"/>
-                                            </p:txEl>
-                                          </p:spTgt>
-                                        </p:tgtEl>
-                                        <p:attrNameLst>
-                                          <p:attrName>ppt_x</p:attrName>
-                                        </p:attrNameLst>
-                                      </p:cBhvr>
-                                      <p:tavLst>
-                                        <p:tav tm="0">
-                                          <p:val>
-                                            <p:strVal val="#ppt_x"/>
-                                          </p:val>
-                                        </p:tav>
-                                        <p:tav tm="100000">
-                                          <p:val>
-                                            <p:strVal val="#ppt_x"/>
-                                          </p:val>
-                                        </p:tav>
-                                      </p:tavLst>
-                                    </p:anim>
-                                    <p:anim calcmode="lin" valueType="num">
-                                      <p:cBhvr>
-                                        <p:cTn id="48" dur="1000" fill="hold"/>
-                                        <p:tgtEl>
-                                          <p:spTgt spid="6">
-                                            <p:txEl>
-                                              <p:pRg st="4" end="4"/>
-                                            </p:txEl>
-                                          </p:spTgt>
-                                        </p:tgtEl>
-                                        <p:attrNameLst>
-                                          <p:attrName>ppt_y</p:attrName>
-                                        </p:attrNameLst>
-                                      </p:cBhvr>
-                                      <p:tavLst>
-                                        <p:tav tm="0">
-                                          <p:val>
-                                            <p:strVal val="#ppt_y+.1"/>
-                                          </p:val>
-                                        </p:tav>
-                                        <p:tav tm="100000">
-                                          <p:val>
-                                            <p:strVal val="#ppt_y"/>
-                                          </p:val>
-                                        </p:tav>
-                                      </p:tavLst>
-                                    </p:anim>
-                                  </p:childTnLst>
-                                </p:cTn>
-                              </p:par>
-                            </p:childTnLst>
-                          </p:cTn>
-                        </p:par>
-                      </p:childTnLst>
-                    </p:cTn>
-                  </p:par>
-                </p:childTnLst>
-              </p:cTn>
-              <p:prevCondLst>
-                <p:cond evt="onPrev" delay="0">
-                  <p:tgtEl>
-                    <p:sldTgt/>
-                  </p:tgtEl>
-                </p:cond>
-              </p:prevCondLst>
-              <p:nextCondLst>
-                <p:cond evt="onNext" delay="0">
-                  <p:tgtEl>
-                    <p:sldTgt/>
-                  </p:tgtEl>
-                </p:cond>
-              </p:nextCondLst>
-            </p:seq>
-          </p:childTnLst>
-        </p:cTn>
-      </p:par>
-    </p:tnLst>
-    <p:bldLst>
-      <p:bldP spid="2" grpId="0"/>
-      <p:bldP spid="6" grpId="0" build="p"/>
-    </p:bldLst>
-  </p:timing>
-</p:sld>
-</file>
-
-<file path=ppt/slides/slide11.xml><?xml version="1.0" encoding="utf-8"?>
-<p:sld xmlns:a="http://schemas.openxmlformats.org/drawingml/2006/main" xmlns:r="http://schemas.openxmlformats.org/officeDocument/2006/relationships" xmlns:p="http://schemas.openxmlformats.org/presentationml/2006/main">
-  <p:cSld>
-    <p:spTree>
-      <p:nvGrpSpPr>
-        <p:cNvPr id="1" name=""/>
-        <p:cNvGrpSpPr/>
-        <p:nvPr/>
-      </p:nvGrpSpPr>
-      <p:grpSpPr>
-        <a:xfrm>
-          <a:off x="0" y="0"/>
-          <a:ext cx="0" cy="0"/>
-          <a:chOff x="0" y="0"/>
-          <a:chExt cx="0" cy="0"/>
-        </a:xfrm>
-      </p:grpSpPr>
-      <p:sp>
-        <p:nvSpPr>
-          <p:cNvPr id="2" name="Title 1">
-            <a:extLst>
-              <a:ext uri="{FF2B5EF4-FFF2-40B4-BE49-F238E27FC236}">
-                <a16:creationId xmlns:a16="http://schemas.microsoft.com/office/drawing/2014/main" id="{13182FD3-6C7D-6C4E-252E-520951EBDC12}"/>
-              </a:ext>
-            </a:extLst>
-          </p:cNvPr>
-          <p:cNvSpPr>
-            <a:spLocks noGrp="1"/>
-          </p:cNvSpPr>
-          <p:nvPr>
-            <p:ph type="title"/>
-          </p:nvPr>
-        </p:nvSpPr>
-        <p:spPr/>
-        <p:txBody>
-          <a:bodyPr/>
-          <a:lstStyle/>
-          <a:p>
-            <a:r>
-              <a:rPr lang="en-US" dirty="0"/>
-              <a:t>Artifacts</a:t>
-            </a:r>
-            <a:endParaRPr lang="en-IN" dirty="0"/>
-          </a:p>
-        </p:txBody>
-      </p:sp>
-      <p:sp>
-        <p:nvSpPr>
-          <p:cNvPr id="3" name="Content Placeholder 2">
-            <a:extLst>
-              <a:ext uri="{FF2B5EF4-FFF2-40B4-BE49-F238E27FC236}">
-                <a16:creationId xmlns:a16="http://schemas.microsoft.com/office/drawing/2014/main" id="{4620B172-CE2B-F43F-757D-B19FF8CC1013}"/>
-              </a:ext>
-            </a:extLst>
-          </p:cNvPr>
-          <p:cNvSpPr>
-            <a:spLocks noGrp="1"/>
-          </p:cNvSpPr>
-          <p:nvPr>
-            <p:ph idx="1"/>
-          </p:nvPr>
-        </p:nvSpPr>
-        <p:spPr>
-          <a:xfrm>
-            <a:off x="1154954" y="2561296"/>
-            <a:ext cx="9845981" cy="3416300"/>
-          </a:xfrm>
-        </p:spPr>
-        <p:txBody>
-          <a:bodyPr>
-            <a:normAutofit/>
-          </a:bodyPr>
-          <a:lstStyle/>
-          <a:p>
-            <a:r>
-              <a:rPr lang="en-IN" dirty="0"/>
-              <a:t>Kubernetes Market Share</a:t>
-            </a:r>
-          </a:p>
-          <a:p>
-            <a:pPr lvl="1">
-              <a:buFont typeface="Wingdings" panose="05000000000000000000" pitchFamily="2" charset="2"/>
-              <a:buChar char="Ø"/>
-            </a:pPr>
-            <a:r>
-              <a:rPr lang="en-IN" dirty="0"/>
-              <a:t>https://newsletter.cote.io/p/kubernetes-marketshare-across-cloud</a:t>
-            </a:r>
-          </a:p>
-          <a:p>
-            <a:r>
-              <a:rPr lang="en-IN" dirty="0"/>
-              <a:t>Docker Swarm Vs Kubernetes</a:t>
-            </a:r>
-          </a:p>
-          <a:p>
-            <a:pPr lvl="1">
-              <a:buFont typeface="Wingdings" panose="05000000000000000000" pitchFamily="2" charset="2"/>
-              <a:buChar char="Ø"/>
-            </a:pPr>
-            <a:r>
-              <a:rPr lang="en-IN" dirty="0"/>
-              <a:t>https://circleci.com/blog/docker-swarm-vs-kubernetes/</a:t>
-            </a:r>
-          </a:p>
-          <a:p>
-            <a:pPr lvl="1">
-              <a:buFont typeface="Wingdings" panose="05000000000000000000" pitchFamily="2" charset="2"/>
-              <a:buChar char="Ø"/>
-            </a:pPr>
-            <a:r>
-              <a:rPr lang="en-IN" dirty="0"/>
-              <a:t>https://www.freecodecamp.org/news/kubernetes-vs-docker-swarm-what-is-the-difference/</a:t>
-            </a:r>
-          </a:p>
-          <a:p>
-            <a:pPr lvl="1">
-              <a:buFont typeface="Wingdings" panose="05000000000000000000" pitchFamily="2" charset="2"/>
-              <a:buChar char="Ø"/>
-            </a:pPr>
-            <a:endParaRPr lang="en-IN" dirty="0"/>
-          </a:p>
-          <a:p>
-            <a:pPr marL="0" indent="0">
-              <a:buNone/>
-            </a:pPr>
-            <a:endParaRPr lang="en-IN" dirty="0"/>
-          </a:p>
-          <a:p>
-            <a:pPr lvl="1"/>
-            <a:endParaRPr lang="en-IN" dirty="0"/>
-          </a:p>
-          <a:p>
-            <a:endParaRPr lang="en-IN" dirty="0"/>
-          </a:p>
-          <a:p>
-            <a:endParaRPr lang="en-IN" dirty="0"/>
-          </a:p>
-        </p:txBody>
-      </p:sp>
-    </p:spTree>
-    <p:extLst>
-      <p:ext uri="{BB962C8B-B14F-4D97-AF65-F5344CB8AC3E}">
-        <p14:creationId xmlns:p14="http://schemas.microsoft.com/office/powerpoint/2010/main" val="2362687603"/>
-      </p:ext>
-    </p:extLst>
-  </p:cSld>
-  <p:clrMapOvr>
-    <a:masterClrMapping/>
-  </p:clrMapOvr>
-</p:sld>
-</file>
-
 <file path=ppt/slides/slide2.xml><?xml version="1.0" encoding="utf-8"?>
 <p:sld xmlns:a="http://schemas.openxmlformats.org/drawingml/2006/main" xmlns:r="http://schemas.openxmlformats.org/officeDocument/2006/relationships" xmlns:p="http://schemas.openxmlformats.org/presentationml/2006/main">
   <p:cSld>
@@ -18637,7 +17566,7 @@
         </p:spPr>
         <p:txBody>
           <a:bodyPr vert="horz" lIns="91440" tIns="45720" rIns="91440" bIns="45720" rtlCol="0">
-            <a:normAutofit fontScale="92500" lnSpcReduction="10000"/>
+            <a:normAutofit/>
           </a:bodyPr>
           <a:lstStyle>
             <a:lvl1pPr marL="342900" indent="-342900" algn="l" defTabSz="457200" rtl="0" eaLnBrk="1" latinLnBrk="0" hangingPunct="1">
@@ -18912,40 +17841,6 @@
               <a:rPr lang="en-US" dirty="0"/>
               <a:t>Docker Swarm Vs Kubernetes</a:t>
             </a:r>
-          </a:p>
-          <a:p>
-            <a:pPr lvl="1"/>
-            <a:r>
-              <a:rPr lang="en-US" dirty="0"/>
-              <a:t>Kubernetes Market Share</a:t>
-            </a:r>
-          </a:p>
-          <a:p>
-            <a:pPr lvl="1"/>
-            <a:r>
-              <a:rPr lang="en-US" dirty="0"/>
-              <a:t>Kubernetes Architecture – High Level Design</a:t>
-            </a:r>
-          </a:p>
-          <a:p>
-            <a:pPr lvl="1"/>
-            <a:r>
-              <a:rPr lang="en-US" dirty="0"/>
-              <a:t>Kubernetes Architecture – Low Level Design</a:t>
-            </a:r>
-          </a:p>
-          <a:p>
-            <a:pPr lvl="1"/>
-            <a:r>
-              <a:rPr lang="en-US" dirty="0"/>
-              <a:t>Kubernetes Components overview</a:t>
-            </a:r>
-          </a:p>
-          <a:p>
-            <a:pPr marL="914400" lvl="2" indent="0">
-              <a:buNone/>
-            </a:pPr>
-            <a:endParaRPr lang="en-US" dirty="0"/>
           </a:p>
           <a:p>
             <a:pPr lvl="1"/>
@@ -20078,7 +18973,7 @@
           <p:cNvPr id="2" name="Title 1">
             <a:extLst>
               <a:ext uri="{FF2B5EF4-FFF2-40B4-BE49-F238E27FC236}">
-                <a16:creationId xmlns:a16="http://schemas.microsoft.com/office/drawing/2014/main" id="{97BC34CC-2191-086A-75CD-07624340C7B3}"/>
+                <a16:creationId xmlns:a16="http://schemas.microsoft.com/office/drawing/2014/main" id="{13182FD3-6C7D-6C4E-252E-520951EBDC12}"/>
               </a:ext>
             </a:extLst>
           </p:cNvPr>
@@ -20089,19 +18984,14 @@
             <p:ph type="title"/>
           </p:nvPr>
         </p:nvSpPr>
-        <p:spPr>
-          <a:xfrm>
-            <a:off x="1154953" y="973668"/>
-            <a:ext cx="9128734" cy="706964"/>
-          </a:xfrm>
-        </p:spPr>
+        <p:spPr/>
         <p:txBody>
           <a:bodyPr/>
           <a:lstStyle/>
           <a:p>
             <a:r>
               <a:rPr lang="en-US" dirty="0"/>
-              <a:t>KUBERNETES – CORE COMPONENTS</a:t>
+              <a:t>Artifacts</a:t>
             </a:r>
             <a:endParaRPr lang="en-IN" dirty="0"/>
           </a:p>
@@ -20112,7 +19002,7 @@
           <p:cNvPr id="3" name="Content Placeholder 2">
             <a:extLst>
               <a:ext uri="{FF2B5EF4-FFF2-40B4-BE49-F238E27FC236}">
-                <a16:creationId xmlns:a16="http://schemas.microsoft.com/office/drawing/2014/main" id="{5188517A-DD37-A765-9F25-8A87477F3848}"/>
+                <a16:creationId xmlns:a16="http://schemas.microsoft.com/office/drawing/2014/main" id="{4620B172-CE2B-F43F-757D-B19FF8CC1013}"/>
               </a:ext>
             </a:extLst>
           </p:cNvPr>
@@ -20125,8 +19015,8 @@
         </p:nvSpPr>
         <p:spPr>
           <a:xfrm>
-            <a:off x="0" y="2345635"/>
-            <a:ext cx="6096000" cy="4386469"/>
+            <a:off x="1154954" y="2561296"/>
+            <a:ext cx="9845981" cy="3416300"/>
           </a:xfrm>
         </p:spPr>
         <p:txBody>
@@ -20136,12 +19026,8 @@
           <a:lstStyle/>
           <a:p>
             <a:r>
-              <a:rPr lang="en-US" sz="2200" b="1" dirty="0"/>
-              <a:t>Control Plane</a:t>
-            </a:r>
-            <a:r>
-              <a:rPr lang="en-US" sz="2200" dirty="0"/>
-              <a:t>: The control plane is responsible for container orchestration and maintaining the desired state of the cluster. It has the following components.</a:t>
+              <a:rPr lang="en-IN" dirty="0"/>
+              <a:t>Kubernetes Market Share</a:t>
             </a:r>
           </a:p>
           <a:p>
@@ -20150,34 +19036,14 @@
               <a:buChar char="Ø"/>
             </a:pPr>
             <a:r>
-              <a:rPr lang="en-US" sz="2200" dirty="0" err="1"/>
-              <a:t>kube-apiserver</a:t>
+              <a:rPr lang="en-IN" dirty="0"/>
+              <a:t>https://newsletter.cote.io/p/kubernetes-marketshare-across-cloud</a:t>
             </a:r>
-            <a:endParaRPr lang="en-US" sz="2200" dirty="0"/>
           </a:p>
           <a:p>
-            <a:pPr lvl="1">
-              <a:buFont typeface="Wingdings" panose="05000000000000000000" pitchFamily="2" charset="2"/>
-              <a:buChar char="Ø"/>
-            </a:pPr>
             <a:r>
-              <a:rPr lang="en-US" sz="2200" dirty="0" err="1"/>
-              <a:t>etcd</a:t>
-            </a:r>
-            <a:endParaRPr lang="en-US" sz="2200" dirty="0"/>
-          </a:p>
-          <a:p>
-            <a:pPr lvl="1">
-              <a:buFont typeface="Wingdings" panose="05000000000000000000" pitchFamily="2" charset="2"/>
-              <a:buChar char="Ø"/>
-            </a:pPr>
-            <a:r>
-              <a:rPr lang="en-US" sz="2200" dirty="0" err="1"/>
-              <a:t>kube</a:t>
-            </a:r>
-            <a:r>
-              <a:rPr lang="en-US" sz="2200" dirty="0"/>
-              <a:t>-scheduler</a:t>
+              <a:rPr lang="en-IN" dirty="0"/>
+              <a:t>Docker Swarm Vs Kubernetes</a:t>
             </a:r>
           </a:p>
           <a:p>
@@ -20186,278 +19052,8 @@
               <a:buChar char="Ø"/>
             </a:pPr>
             <a:r>
-              <a:rPr lang="en-US" sz="2200" dirty="0" err="1"/>
-              <a:t>kube</a:t>
-            </a:r>
-            <a:r>
-              <a:rPr lang="en-US" sz="2200" dirty="0"/>
-              <a:t>-controller-manager</a:t>
-            </a:r>
-          </a:p>
-        </p:txBody>
-      </p:sp>
-      <p:sp>
-        <p:nvSpPr>
-          <p:cNvPr id="4" name="Content Placeholder 2">
-            <a:extLst>
-              <a:ext uri="{FF2B5EF4-FFF2-40B4-BE49-F238E27FC236}">
-                <a16:creationId xmlns:a16="http://schemas.microsoft.com/office/drawing/2014/main" id="{0C60EDED-7418-95F1-6587-AB3D59BE6B98}"/>
-              </a:ext>
-            </a:extLst>
-          </p:cNvPr>
-          <p:cNvSpPr txBox="1">
-            <a:spLocks/>
-          </p:cNvSpPr>
-          <p:nvPr/>
-        </p:nvSpPr>
-        <p:spPr>
-          <a:xfrm>
-            <a:off x="5890591" y="2345635"/>
-            <a:ext cx="6096000" cy="4505739"/>
-          </a:xfrm>
-          <a:prstGeom prst="rect">
-            <a:avLst/>
-          </a:prstGeom>
-        </p:spPr>
-        <p:txBody>
-          <a:bodyPr vert="horz" lIns="91440" tIns="45720" rIns="91440" bIns="45720" rtlCol="0">
-            <a:normAutofit/>
-          </a:bodyPr>
-          <a:lstStyle>
-            <a:lvl1pPr marL="342900" indent="-342900" algn="l" defTabSz="457200" rtl="0" eaLnBrk="1" latinLnBrk="0" hangingPunct="1">
-              <a:spcBef>
-                <a:spcPts val="1000"/>
-              </a:spcBef>
-              <a:spcAft>
-                <a:spcPts val="0"/>
-              </a:spcAft>
-              <a:buClr>
-                <a:schemeClr val="accent1"/>
-              </a:buClr>
-              <a:buSzPct val="80000"/>
-              <a:buFont typeface="Wingdings 3" charset="2"/>
-              <a:buChar char=""/>
-              <a:defRPr sz="1800" b="0" i="0" kern="1200">
-                <a:solidFill>
-                  <a:schemeClr val="tx1">
-                    <a:lumMod val="75000"/>
-                    <a:lumOff val="25000"/>
-                  </a:schemeClr>
-                </a:solidFill>
-                <a:latin typeface="+mn-lt"/>
-                <a:ea typeface="+mn-ea"/>
-                <a:cs typeface="+mn-cs"/>
-              </a:defRPr>
-            </a:lvl1pPr>
-            <a:lvl2pPr marL="742950" indent="-285750" algn="l" defTabSz="457200" rtl="0" eaLnBrk="1" latinLnBrk="0" hangingPunct="1">
-              <a:spcBef>
-                <a:spcPts val="1000"/>
-              </a:spcBef>
-              <a:spcAft>
-                <a:spcPts val="0"/>
-              </a:spcAft>
-              <a:buClr>
-                <a:schemeClr val="accent1"/>
-              </a:buClr>
-              <a:buSzPct val="80000"/>
-              <a:buFont typeface="Wingdings 3" charset="2"/>
-              <a:buChar char=""/>
-              <a:defRPr sz="1600" b="0" i="0" kern="1200">
-                <a:solidFill>
-                  <a:schemeClr val="tx1">
-                    <a:lumMod val="75000"/>
-                    <a:lumOff val="25000"/>
-                  </a:schemeClr>
-                </a:solidFill>
-                <a:latin typeface="+mn-lt"/>
-                <a:ea typeface="+mn-ea"/>
-                <a:cs typeface="+mn-cs"/>
-              </a:defRPr>
-            </a:lvl2pPr>
-            <a:lvl3pPr marL="1143000" indent="-228600" algn="l" defTabSz="457200" rtl="0" eaLnBrk="1" latinLnBrk="0" hangingPunct="1">
-              <a:spcBef>
-                <a:spcPts val="1000"/>
-              </a:spcBef>
-              <a:spcAft>
-                <a:spcPts val="0"/>
-              </a:spcAft>
-              <a:buClr>
-                <a:schemeClr val="accent1"/>
-              </a:buClr>
-              <a:buSzPct val="80000"/>
-              <a:buFont typeface="Wingdings 3" charset="2"/>
-              <a:buChar char=""/>
-              <a:defRPr sz="1400" b="0" i="0" kern="1200">
-                <a:solidFill>
-                  <a:schemeClr val="tx1">
-                    <a:lumMod val="75000"/>
-                    <a:lumOff val="25000"/>
-                  </a:schemeClr>
-                </a:solidFill>
-                <a:latin typeface="+mn-lt"/>
-                <a:ea typeface="+mn-ea"/>
-                <a:cs typeface="+mn-cs"/>
-              </a:defRPr>
-            </a:lvl3pPr>
-            <a:lvl4pPr marL="1600200" indent="-228600" algn="l" defTabSz="457200" rtl="0" eaLnBrk="1" latinLnBrk="0" hangingPunct="1">
-              <a:spcBef>
-                <a:spcPts val="1000"/>
-              </a:spcBef>
-              <a:spcAft>
-                <a:spcPts val="0"/>
-              </a:spcAft>
-              <a:buClr>
-                <a:schemeClr val="accent1"/>
-              </a:buClr>
-              <a:buSzPct val="80000"/>
-              <a:buFont typeface="Wingdings 3" charset="2"/>
-              <a:buChar char=""/>
-              <a:defRPr sz="1200" b="0" i="0" kern="1200">
-                <a:solidFill>
-                  <a:schemeClr val="tx1">
-                    <a:lumMod val="75000"/>
-                    <a:lumOff val="25000"/>
-                  </a:schemeClr>
-                </a:solidFill>
-                <a:latin typeface="+mn-lt"/>
-                <a:ea typeface="+mn-ea"/>
-                <a:cs typeface="+mn-cs"/>
-              </a:defRPr>
-            </a:lvl4pPr>
-            <a:lvl5pPr marL="2057400" indent="-228600" algn="l" defTabSz="457200" rtl="0" eaLnBrk="1" latinLnBrk="0" hangingPunct="1">
-              <a:spcBef>
-                <a:spcPts val="1000"/>
-              </a:spcBef>
-              <a:spcAft>
-                <a:spcPts val="0"/>
-              </a:spcAft>
-              <a:buClr>
-                <a:schemeClr val="accent1"/>
-              </a:buClr>
-              <a:buSzPct val="80000"/>
-              <a:buFont typeface="Wingdings 3" charset="2"/>
-              <a:buChar char=""/>
-              <a:defRPr sz="1200" b="0" i="0" kern="1200">
-                <a:solidFill>
-                  <a:schemeClr val="tx1">
-                    <a:lumMod val="75000"/>
-                    <a:lumOff val="25000"/>
-                  </a:schemeClr>
-                </a:solidFill>
-                <a:latin typeface="+mn-lt"/>
-                <a:ea typeface="+mn-ea"/>
-                <a:cs typeface="+mn-cs"/>
-              </a:defRPr>
-            </a:lvl5pPr>
-            <a:lvl6pPr marL="2514600" indent="-228600" algn="l" defTabSz="457200" rtl="0" eaLnBrk="1" latinLnBrk="0" hangingPunct="1">
-              <a:spcBef>
-                <a:spcPts val="1000"/>
-              </a:spcBef>
-              <a:spcAft>
-                <a:spcPts val="0"/>
-              </a:spcAft>
-              <a:buClr>
-                <a:schemeClr val="accent1"/>
-              </a:buClr>
-              <a:buSzPct val="80000"/>
-              <a:buFont typeface="Wingdings 3" charset="2"/>
-              <a:buChar char=""/>
-              <a:defRPr sz="1200" b="0" i="0" kern="1200">
-                <a:solidFill>
-                  <a:schemeClr val="tx1">
-                    <a:lumMod val="75000"/>
-                    <a:lumOff val="25000"/>
-                  </a:schemeClr>
-                </a:solidFill>
-                <a:latin typeface="+mn-lt"/>
-                <a:ea typeface="+mn-ea"/>
-                <a:cs typeface="+mn-cs"/>
-              </a:defRPr>
-            </a:lvl6pPr>
-            <a:lvl7pPr marL="2971800" indent="-228600" algn="l" defTabSz="457200" rtl="0" eaLnBrk="1" latinLnBrk="0" hangingPunct="1">
-              <a:spcBef>
-                <a:spcPts val="1000"/>
-              </a:spcBef>
-              <a:spcAft>
-                <a:spcPts val="0"/>
-              </a:spcAft>
-              <a:buClr>
-                <a:schemeClr val="accent1"/>
-              </a:buClr>
-              <a:buSzPct val="80000"/>
-              <a:buFont typeface="Wingdings 3" charset="2"/>
-              <a:buChar char=""/>
-              <a:defRPr sz="1200" b="0" i="0" kern="1200">
-                <a:solidFill>
-                  <a:schemeClr val="tx1">
-                    <a:lumMod val="75000"/>
-                    <a:lumOff val="25000"/>
-                  </a:schemeClr>
-                </a:solidFill>
-                <a:latin typeface="+mn-lt"/>
-                <a:ea typeface="+mn-ea"/>
-                <a:cs typeface="+mn-cs"/>
-              </a:defRPr>
-            </a:lvl7pPr>
-            <a:lvl8pPr marL="3429000" indent="-228600" algn="l" defTabSz="457200" rtl="0" eaLnBrk="1" latinLnBrk="0" hangingPunct="1">
-              <a:spcBef>
-                <a:spcPts val="1000"/>
-              </a:spcBef>
-              <a:spcAft>
-                <a:spcPts val="0"/>
-              </a:spcAft>
-              <a:buClr>
-                <a:schemeClr val="accent1"/>
-              </a:buClr>
-              <a:buSzPct val="80000"/>
-              <a:buFont typeface="Wingdings 3" charset="2"/>
-              <a:buChar char=""/>
-              <a:defRPr sz="1200" b="0" i="0" kern="1200">
-                <a:solidFill>
-                  <a:schemeClr val="tx1">
-                    <a:lumMod val="75000"/>
-                    <a:lumOff val="25000"/>
-                  </a:schemeClr>
-                </a:solidFill>
-                <a:latin typeface="+mn-lt"/>
-                <a:ea typeface="+mn-ea"/>
-                <a:cs typeface="+mn-cs"/>
-              </a:defRPr>
-            </a:lvl8pPr>
-            <a:lvl9pPr marL="3886200" indent="-228600" algn="l" defTabSz="457200" rtl="0" eaLnBrk="1" latinLnBrk="0" hangingPunct="1">
-              <a:spcBef>
-                <a:spcPts val="1000"/>
-              </a:spcBef>
-              <a:spcAft>
-                <a:spcPts val="0"/>
-              </a:spcAft>
-              <a:buClr>
-                <a:schemeClr val="accent1"/>
-              </a:buClr>
-              <a:buSzPct val="80000"/>
-              <a:buFont typeface="Wingdings 3" charset="2"/>
-              <a:buChar char=""/>
-              <a:defRPr sz="1200" b="0" i="0" kern="1200">
-                <a:solidFill>
-                  <a:schemeClr val="tx1">
-                    <a:lumMod val="75000"/>
-                    <a:lumOff val="25000"/>
-                  </a:schemeClr>
-                </a:solidFill>
-                <a:latin typeface="+mn-lt"/>
-                <a:ea typeface="+mn-ea"/>
-                <a:cs typeface="+mn-cs"/>
-              </a:defRPr>
-            </a:lvl9pPr>
-          </a:lstStyle>
-          <a:p>
-            <a:r>
-              <a:rPr lang="en-US" sz="2200" b="1" dirty="0"/>
-              <a:t>Worker Node</a:t>
-            </a:r>
-            <a:r>
-              <a:rPr lang="en-US" sz="2200" dirty="0"/>
-              <a:t>: The Worker nodes are responsible for running containerized applications. The worker Node has the following components.</a:t>
+              <a:rPr lang="en-IN" dirty="0"/>
+              <a:t>https://circleci.com/blog/docker-swarm-vs-kubernetes/</a:t>
             </a:r>
           </a:p>
           <a:p>
@@ -20466,23 +19062,8 @@
               <a:buChar char="Ø"/>
             </a:pPr>
             <a:r>
-              <a:rPr lang="en-US" sz="2200" dirty="0" err="1"/>
-              <a:t>kubelet</a:t>
-            </a:r>
-            <a:endParaRPr lang="en-US" sz="2200" dirty="0"/>
-          </a:p>
-          <a:p>
-            <a:pPr lvl="1">
-              <a:buFont typeface="Wingdings" panose="05000000000000000000" pitchFamily="2" charset="2"/>
-              <a:buChar char="Ø"/>
-            </a:pPr>
-            <a:r>
-              <a:rPr lang="en-US" sz="2200" dirty="0" err="1"/>
-              <a:t>kube</a:t>
-            </a:r>
-            <a:r>
-              <a:rPr lang="en-US" sz="2200" dirty="0"/>
-              <a:t>-proxy</a:t>
+              <a:rPr lang="en-IN" dirty="0"/>
+              <a:t>https://www.freecodecamp.org/news/kubernetes-vs-docker-swarm-what-is-the-difference/</a:t>
             </a:r>
           </a:p>
           <a:p>
@@ -20490,2043 +19071,20 @@
               <a:buFont typeface="Wingdings" panose="05000000000000000000" pitchFamily="2" charset="2"/>
               <a:buChar char="Ø"/>
             </a:pPr>
-            <a:r>
-              <a:rPr lang="en-US" sz="2200" dirty="0"/>
-              <a:t>Container runtime</a:t>
-            </a:r>
             <a:endParaRPr lang="en-IN" dirty="0"/>
           </a:p>
-        </p:txBody>
-      </p:sp>
-    </p:spTree>
-    <p:extLst>
-      <p:ext uri="{BB962C8B-B14F-4D97-AF65-F5344CB8AC3E}">
-        <p14:creationId xmlns:p14="http://schemas.microsoft.com/office/powerpoint/2010/main" val="3128063162"/>
-      </p:ext>
-    </p:extLst>
-  </p:cSld>
-  <p:clrMapOvr>
-    <a:masterClrMapping/>
-  </p:clrMapOvr>
-  <p:timing>
-    <p:tnLst>
-      <p:par>
-        <p:cTn id="1" dur="indefinite" restart="never" nodeType="tmRoot">
-          <p:childTnLst>
-            <p:seq concurrent="1" nextAc="seek">
-              <p:cTn id="2" dur="indefinite" nodeType="mainSeq">
-                <p:childTnLst>
-                  <p:par>
-                    <p:cTn id="3" fill="hold">
-                      <p:stCondLst>
-                        <p:cond delay="indefinite"/>
-                      </p:stCondLst>
-                      <p:childTnLst>
-                        <p:par>
-                          <p:cTn id="4" fill="hold">
-                            <p:stCondLst>
-                              <p:cond delay="0"/>
-                            </p:stCondLst>
-                            <p:childTnLst>
-                              <p:par>
-                                <p:cTn id="5" presetID="10" presetClass="entr" presetSubtype="0" fill="hold" grpId="0" nodeType="clickEffect">
-                                  <p:stCondLst>
-                                    <p:cond delay="0"/>
-                                  </p:stCondLst>
-                                  <p:childTnLst>
-                                    <p:set>
-                                      <p:cBhvr>
-                                        <p:cTn id="6" dur="1" fill="hold">
-                                          <p:stCondLst>
-                                            <p:cond delay="0"/>
-                                          </p:stCondLst>
-                                        </p:cTn>
-                                        <p:tgtEl>
-                                          <p:spTgt spid="2"/>
-                                        </p:tgtEl>
-                                        <p:attrNameLst>
-                                          <p:attrName>style.visibility</p:attrName>
-                                        </p:attrNameLst>
-                                      </p:cBhvr>
-                                      <p:to>
-                                        <p:strVal val="visible"/>
-                                      </p:to>
-                                    </p:set>
-                                    <p:animEffect transition="in" filter="fade">
-                                      <p:cBhvr>
-                                        <p:cTn id="7" dur="500"/>
-                                        <p:tgtEl>
-                                          <p:spTgt spid="2"/>
-                                        </p:tgtEl>
-                                      </p:cBhvr>
-                                    </p:animEffect>
-                                  </p:childTnLst>
-                                </p:cTn>
-                              </p:par>
-                            </p:childTnLst>
-                          </p:cTn>
-                        </p:par>
-                      </p:childTnLst>
-                    </p:cTn>
-                  </p:par>
-                  <p:par>
-                    <p:cTn id="8" fill="hold">
-                      <p:stCondLst>
-                        <p:cond delay="indefinite"/>
-                      </p:stCondLst>
-                      <p:childTnLst>
-                        <p:par>
-                          <p:cTn id="9" fill="hold">
-                            <p:stCondLst>
-                              <p:cond delay="0"/>
-                            </p:stCondLst>
-                            <p:childTnLst>
-                              <p:par>
-                                <p:cTn id="10" presetID="2" presetClass="entr" presetSubtype="4" fill="hold" grpId="0" nodeType="clickEffect">
-                                  <p:stCondLst>
-                                    <p:cond delay="0"/>
-                                  </p:stCondLst>
-                                  <p:childTnLst>
-                                    <p:set>
-                                      <p:cBhvr>
-                                        <p:cTn id="11" dur="1" fill="hold">
-                                          <p:stCondLst>
-                                            <p:cond delay="0"/>
-                                          </p:stCondLst>
-                                        </p:cTn>
-                                        <p:tgtEl>
-                                          <p:spTgt spid="3">
-                                            <p:txEl>
-                                              <p:pRg st="0" end="0"/>
-                                            </p:txEl>
-                                          </p:spTgt>
-                                        </p:tgtEl>
-                                        <p:attrNameLst>
-                                          <p:attrName>style.visibility</p:attrName>
-                                        </p:attrNameLst>
-                                      </p:cBhvr>
-                                      <p:to>
-                                        <p:strVal val="visible"/>
-                                      </p:to>
-                                    </p:set>
-                                    <p:anim calcmode="lin" valueType="num">
-                                      <p:cBhvr additive="base">
-                                        <p:cTn id="12" dur="500" fill="hold"/>
-                                        <p:tgtEl>
-                                          <p:spTgt spid="3">
-                                            <p:txEl>
-                                              <p:pRg st="0" end="0"/>
-                                            </p:txEl>
-                                          </p:spTgt>
-                                        </p:tgtEl>
-                                        <p:attrNameLst>
-                                          <p:attrName>ppt_x</p:attrName>
-                                        </p:attrNameLst>
-                                      </p:cBhvr>
-                                      <p:tavLst>
-                                        <p:tav tm="0">
-                                          <p:val>
-                                            <p:strVal val="#ppt_x"/>
-                                          </p:val>
-                                        </p:tav>
-                                        <p:tav tm="100000">
-                                          <p:val>
-                                            <p:strVal val="#ppt_x"/>
-                                          </p:val>
-                                        </p:tav>
-                                      </p:tavLst>
-                                    </p:anim>
-                                    <p:anim calcmode="lin" valueType="num">
-                                      <p:cBhvr additive="base">
-                                        <p:cTn id="13" dur="500" fill="hold"/>
-                                        <p:tgtEl>
-                                          <p:spTgt spid="3">
-                                            <p:txEl>
-                                              <p:pRg st="0" end="0"/>
-                                            </p:txEl>
-                                          </p:spTgt>
-                                        </p:tgtEl>
-                                        <p:attrNameLst>
-                                          <p:attrName>ppt_y</p:attrName>
-                                        </p:attrNameLst>
-                                      </p:cBhvr>
-                                      <p:tavLst>
-                                        <p:tav tm="0">
-                                          <p:val>
-                                            <p:strVal val="1+#ppt_h/2"/>
-                                          </p:val>
-                                        </p:tav>
-                                        <p:tav tm="100000">
-                                          <p:val>
-                                            <p:strVal val="#ppt_y"/>
-                                          </p:val>
-                                        </p:tav>
-                                      </p:tavLst>
-                                    </p:anim>
-                                  </p:childTnLst>
-                                </p:cTn>
-                              </p:par>
-                              <p:par>
-                                <p:cTn id="14" presetID="2" presetClass="entr" presetSubtype="4" fill="hold" grpId="0" nodeType="withEffect">
-                                  <p:stCondLst>
-                                    <p:cond delay="0"/>
-                                  </p:stCondLst>
-                                  <p:childTnLst>
-                                    <p:set>
-                                      <p:cBhvr>
-                                        <p:cTn id="15" dur="1" fill="hold">
-                                          <p:stCondLst>
-                                            <p:cond delay="0"/>
-                                          </p:stCondLst>
-                                        </p:cTn>
-                                        <p:tgtEl>
-                                          <p:spTgt spid="3">
-                                            <p:txEl>
-                                              <p:pRg st="1" end="1"/>
-                                            </p:txEl>
-                                          </p:spTgt>
-                                        </p:tgtEl>
-                                        <p:attrNameLst>
-                                          <p:attrName>style.visibility</p:attrName>
-                                        </p:attrNameLst>
-                                      </p:cBhvr>
-                                      <p:to>
-                                        <p:strVal val="visible"/>
-                                      </p:to>
-                                    </p:set>
-                                    <p:anim calcmode="lin" valueType="num">
-                                      <p:cBhvr additive="base">
-                                        <p:cTn id="16" dur="500" fill="hold"/>
-                                        <p:tgtEl>
-                                          <p:spTgt spid="3">
-                                            <p:txEl>
-                                              <p:pRg st="1" end="1"/>
-                                            </p:txEl>
-                                          </p:spTgt>
-                                        </p:tgtEl>
-                                        <p:attrNameLst>
-                                          <p:attrName>ppt_x</p:attrName>
-                                        </p:attrNameLst>
-                                      </p:cBhvr>
-                                      <p:tavLst>
-                                        <p:tav tm="0">
-                                          <p:val>
-                                            <p:strVal val="#ppt_x"/>
-                                          </p:val>
-                                        </p:tav>
-                                        <p:tav tm="100000">
-                                          <p:val>
-                                            <p:strVal val="#ppt_x"/>
-                                          </p:val>
-                                        </p:tav>
-                                      </p:tavLst>
-                                    </p:anim>
-                                    <p:anim calcmode="lin" valueType="num">
-                                      <p:cBhvr additive="base">
-                                        <p:cTn id="17" dur="500" fill="hold"/>
-                                        <p:tgtEl>
-                                          <p:spTgt spid="3">
-                                            <p:txEl>
-                                              <p:pRg st="1" end="1"/>
-                                            </p:txEl>
-                                          </p:spTgt>
-                                        </p:tgtEl>
-                                        <p:attrNameLst>
-                                          <p:attrName>ppt_y</p:attrName>
-                                        </p:attrNameLst>
-                                      </p:cBhvr>
-                                      <p:tavLst>
-                                        <p:tav tm="0">
-                                          <p:val>
-                                            <p:strVal val="1+#ppt_h/2"/>
-                                          </p:val>
-                                        </p:tav>
-                                        <p:tav tm="100000">
-                                          <p:val>
-                                            <p:strVal val="#ppt_y"/>
-                                          </p:val>
-                                        </p:tav>
-                                      </p:tavLst>
-                                    </p:anim>
-                                  </p:childTnLst>
-                                </p:cTn>
-                              </p:par>
-                              <p:par>
-                                <p:cTn id="18" presetID="2" presetClass="entr" presetSubtype="4" fill="hold" grpId="0" nodeType="withEffect">
-                                  <p:stCondLst>
-                                    <p:cond delay="0"/>
-                                  </p:stCondLst>
-                                  <p:childTnLst>
-                                    <p:set>
-                                      <p:cBhvr>
-                                        <p:cTn id="19" dur="1" fill="hold">
-                                          <p:stCondLst>
-                                            <p:cond delay="0"/>
-                                          </p:stCondLst>
-                                        </p:cTn>
-                                        <p:tgtEl>
-                                          <p:spTgt spid="3">
-                                            <p:txEl>
-                                              <p:pRg st="2" end="2"/>
-                                            </p:txEl>
-                                          </p:spTgt>
-                                        </p:tgtEl>
-                                        <p:attrNameLst>
-                                          <p:attrName>style.visibility</p:attrName>
-                                        </p:attrNameLst>
-                                      </p:cBhvr>
-                                      <p:to>
-                                        <p:strVal val="visible"/>
-                                      </p:to>
-                                    </p:set>
-                                    <p:anim calcmode="lin" valueType="num">
-                                      <p:cBhvr additive="base">
-                                        <p:cTn id="20" dur="500" fill="hold"/>
-                                        <p:tgtEl>
-                                          <p:spTgt spid="3">
-                                            <p:txEl>
-                                              <p:pRg st="2" end="2"/>
-                                            </p:txEl>
-                                          </p:spTgt>
-                                        </p:tgtEl>
-                                        <p:attrNameLst>
-                                          <p:attrName>ppt_x</p:attrName>
-                                        </p:attrNameLst>
-                                      </p:cBhvr>
-                                      <p:tavLst>
-                                        <p:tav tm="0">
-                                          <p:val>
-                                            <p:strVal val="#ppt_x"/>
-                                          </p:val>
-                                        </p:tav>
-                                        <p:tav tm="100000">
-                                          <p:val>
-                                            <p:strVal val="#ppt_x"/>
-                                          </p:val>
-                                        </p:tav>
-                                      </p:tavLst>
-                                    </p:anim>
-                                    <p:anim calcmode="lin" valueType="num">
-                                      <p:cBhvr additive="base">
-                                        <p:cTn id="21" dur="500" fill="hold"/>
-                                        <p:tgtEl>
-                                          <p:spTgt spid="3">
-                                            <p:txEl>
-                                              <p:pRg st="2" end="2"/>
-                                            </p:txEl>
-                                          </p:spTgt>
-                                        </p:tgtEl>
-                                        <p:attrNameLst>
-                                          <p:attrName>ppt_y</p:attrName>
-                                        </p:attrNameLst>
-                                      </p:cBhvr>
-                                      <p:tavLst>
-                                        <p:tav tm="0">
-                                          <p:val>
-                                            <p:strVal val="1+#ppt_h/2"/>
-                                          </p:val>
-                                        </p:tav>
-                                        <p:tav tm="100000">
-                                          <p:val>
-                                            <p:strVal val="#ppt_y"/>
-                                          </p:val>
-                                        </p:tav>
-                                      </p:tavLst>
-                                    </p:anim>
-                                  </p:childTnLst>
-                                </p:cTn>
-                              </p:par>
-                              <p:par>
-                                <p:cTn id="22" presetID="2" presetClass="entr" presetSubtype="4" fill="hold" grpId="0" nodeType="withEffect">
-                                  <p:stCondLst>
-                                    <p:cond delay="0"/>
-                                  </p:stCondLst>
-                                  <p:childTnLst>
-                                    <p:set>
-                                      <p:cBhvr>
-                                        <p:cTn id="23" dur="1" fill="hold">
-                                          <p:stCondLst>
-                                            <p:cond delay="0"/>
-                                          </p:stCondLst>
-                                        </p:cTn>
-                                        <p:tgtEl>
-                                          <p:spTgt spid="3">
-                                            <p:txEl>
-                                              <p:pRg st="3" end="3"/>
-                                            </p:txEl>
-                                          </p:spTgt>
-                                        </p:tgtEl>
-                                        <p:attrNameLst>
-                                          <p:attrName>style.visibility</p:attrName>
-                                        </p:attrNameLst>
-                                      </p:cBhvr>
-                                      <p:to>
-                                        <p:strVal val="visible"/>
-                                      </p:to>
-                                    </p:set>
-                                    <p:anim calcmode="lin" valueType="num">
-                                      <p:cBhvr additive="base">
-                                        <p:cTn id="24" dur="500" fill="hold"/>
-                                        <p:tgtEl>
-                                          <p:spTgt spid="3">
-                                            <p:txEl>
-                                              <p:pRg st="3" end="3"/>
-                                            </p:txEl>
-                                          </p:spTgt>
-                                        </p:tgtEl>
-                                        <p:attrNameLst>
-                                          <p:attrName>ppt_x</p:attrName>
-                                        </p:attrNameLst>
-                                      </p:cBhvr>
-                                      <p:tavLst>
-                                        <p:tav tm="0">
-                                          <p:val>
-                                            <p:strVal val="#ppt_x"/>
-                                          </p:val>
-                                        </p:tav>
-                                        <p:tav tm="100000">
-                                          <p:val>
-                                            <p:strVal val="#ppt_x"/>
-                                          </p:val>
-                                        </p:tav>
-                                      </p:tavLst>
-                                    </p:anim>
-                                    <p:anim calcmode="lin" valueType="num">
-                                      <p:cBhvr additive="base">
-                                        <p:cTn id="25" dur="500" fill="hold"/>
-                                        <p:tgtEl>
-                                          <p:spTgt spid="3">
-                                            <p:txEl>
-                                              <p:pRg st="3" end="3"/>
-                                            </p:txEl>
-                                          </p:spTgt>
-                                        </p:tgtEl>
-                                        <p:attrNameLst>
-                                          <p:attrName>ppt_y</p:attrName>
-                                        </p:attrNameLst>
-                                      </p:cBhvr>
-                                      <p:tavLst>
-                                        <p:tav tm="0">
-                                          <p:val>
-                                            <p:strVal val="1+#ppt_h/2"/>
-                                          </p:val>
-                                        </p:tav>
-                                        <p:tav tm="100000">
-                                          <p:val>
-                                            <p:strVal val="#ppt_y"/>
-                                          </p:val>
-                                        </p:tav>
-                                      </p:tavLst>
-                                    </p:anim>
-                                  </p:childTnLst>
-                                </p:cTn>
-                              </p:par>
-                              <p:par>
-                                <p:cTn id="26" presetID="2" presetClass="entr" presetSubtype="4" fill="hold" grpId="0" nodeType="withEffect">
-                                  <p:stCondLst>
-                                    <p:cond delay="0"/>
-                                  </p:stCondLst>
-                                  <p:childTnLst>
-                                    <p:set>
-                                      <p:cBhvr>
-                                        <p:cTn id="27" dur="1" fill="hold">
-                                          <p:stCondLst>
-                                            <p:cond delay="0"/>
-                                          </p:stCondLst>
-                                        </p:cTn>
-                                        <p:tgtEl>
-                                          <p:spTgt spid="3">
-                                            <p:txEl>
-                                              <p:pRg st="4" end="4"/>
-                                            </p:txEl>
-                                          </p:spTgt>
-                                        </p:tgtEl>
-                                        <p:attrNameLst>
-                                          <p:attrName>style.visibility</p:attrName>
-                                        </p:attrNameLst>
-                                      </p:cBhvr>
-                                      <p:to>
-                                        <p:strVal val="visible"/>
-                                      </p:to>
-                                    </p:set>
-                                    <p:anim calcmode="lin" valueType="num">
-                                      <p:cBhvr additive="base">
-                                        <p:cTn id="28" dur="500" fill="hold"/>
-                                        <p:tgtEl>
-                                          <p:spTgt spid="3">
-                                            <p:txEl>
-                                              <p:pRg st="4" end="4"/>
-                                            </p:txEl>
-                                          </p:spTgt>
-                                        </p:tgtEl>
-                                        <p:attrNameLst>
-                                          <p:attrName>ppt_x</p:attrName>
-                                        </p:attrNameLst>
-                                      </p:cBhvr>
-                                      <p:tavLst>
-                                        <p:tav tm="0">
-                                          <p:val>
-                                            <p:strVal val="#ppt_x"/>
-                                          </p:val>
-                                        </p:tav>
-                                        <p:tav tm="100000">
-                                          <p:val>
-                                            <p:strVal val="#ppt_x"/>
-                                          </p:val>
-                                        </p:tav>
-                                      </p:tavLst>
-                                    </p:anim>
-                                    <p:anim calcmode="lin" valueType="num">
-                                      <p:cBhvr additive="base">
-                                        <p:cTn id="29" dur="500" fill="hold"/>
-                                        <p:tgtEl>
-                                          <p:spTgt spid="3">
-                                            <p:txEl>
-                                              <p:pRg st="4" end="4"/>
-                                            </p:txEl>
-                                          </p:spTgt>
-                                        </p:tgtEl>
-                                        <p:attrNameLst>
-                                          <p:attrName>ppt_y</p:attrName>
-                                        </p:attrNameLst>
-                                      </p:cBhvr>
-                                      <p:tavLst>
-                                        <p:tav tm="0">
-                                          <p:val>
-                                            <p:strVal val="1+#ppt_h/2"/>
-                                          </p:val>
-                                        </p:tav>
-                                        <p:tav tm="100000">
-                                          <p:val>
-                                            <p:strVal val="#ppt_y"/>
-                                          </p:val>
-                                        </p:tav>
-                                      </p:tavLst>
-                                    </p:anim>
-                                  </p:childTnLst>
-                                </p:cTn>
-                              </p:par>
-                            </p:childTnLst>
-                          </p:cTn>
-                        </p:par>
-                      </p:childTnLst>
-                    </p:cTn>
-                  </p:par>
-                  <p:par>
-                    <p:cTn id="30" fill="hold">
-                      <p:stCondLst>
-                        <p:cond delay="indefinite"/>
-                      </p:stCondLst>
-                      <p:childTnLst>
-                        <p:par>
-                          <p:cTn id="31" fill="hold">
-                            <p:stCondLst>
-                              <p:cond delay="0"/>
-                            </p:stCondLst>
-                            <p:childTnLst>
-                              <p:par>
-                                <p:cTn id="32" presetID="42" presetClass="entr" presetSubtype="0" fill="hold" grpId="0" nodeType="clickEffect">
-                                  <p:stCondLst>
-                                    <p:cond delay="0"/>
-                                  </p:stCondLst>
-                                  <p:childTnLst>
-                                    <p:set>
-                                      <p:cBhvr>
-                                        <p:cTn id="33" dur="1" fill="hold">
-                                          <p:stCondLst>
-                                            <p:cond delay="0"/>
-                                          </p:stCondLst>
-                                        </p:cTn>
-                                        <p:tgtEl>
-                                          <p:spTgt spid="4"/>
-                                        </p:tgtEl>
-                                        <p:attrNameLst>
-                                          <p:attrName>style.visibility</p:attrName>
-                                        </p:attrNameLst>
-                                      </p:cBhvr>
-                                      <p:to>
-                                        <p:strVal val="visible"/>
-                                      </p:to>
-                                    </p:set>
-                                    <p:animEffect transition="in" filter="fade">
-                                      <p:cBhvr>
-                                        <p:cTn id="34" dur="1000"/>
-                                        <p:tgtEl>
-                                          <p:spTgt spid="4"/>
-                                        </p:tgtEl>
-                                      </p:cBhvr>
-                                    </p:animEffect>
-                                    <p:anim calcmode="lin" valueType="num">
-                                      <p:cBhvr>
-                                        <p:cTn id="35" dur="1000" fill="hold"/>
-                                        <p:tgtEl>
-                                          <p:spTgt spid="4"/>
-                                        </p:tgtEl>
-                                        <p:attrNameLst>
-                                          <p:attrName>ppt_x</p:attrName>
-                                        </p:attrNameLst>
-                                      </p:cBhvr>
-                                      <p:tavLst>
-                                        <p:tav tm="0">
-                                          <p:val>
-                                            <p:strVal val="#ppt_x"/>
-                                          </p:val>
-                                        </p:tav>
-                                        <p:tav tm="100000">
-                                          <p:val>
-                                            <p:strVal val="#ppt_x"/>
-                                          </p:val>
-                                        </p:tav>
-                                      </p:tavLst>
-                                    </p:anim>
-                                    <p:anim calcmode="lin" valueType="num">
-                                      <p:cBhvr>
-                                        <p:cTn id="36" dur="1000" fill="hold"/>
-                                        <p:tgtEl>
-                                          <p:spTgt spid="4"/>
-                                        </p:tgtEl>
-                                        <p:attrNameLst>
-                                          <p:attrName>ppt_y</p:attrName>
-                                        </p:attrNameLst>
-                                      </p:cBhvr>
-                                      <p:tavLst>
-                                        <p:tav tm="0">
-                                          <p:val>
-                                            <p:strVal val="#ppt_y+.1"/>
-                                          </p:val>
-                                        </p:tav>
-                                        <p:tav tm="100000">
-                                          <p:val>
-                                            <p:strVal val="#ppt_y"/>
-                                          </p:val>
-                                        </p:tav>
-                                      </p:tavLst>
-                                    </p:anim>
-                                  </p:childTnLst>
-                                </p:cTn>
-                              </p:par>
-                            </p:childTnLst>
-                          </p:cTn>
-                        </p:par>
-                      </p:childTnLst>
-                    </p:cTn>
-                  </p:par>
-                </p:childTnLst>
-              </p:cTn>
-              <p:prevCondLst>
-                <p:cond evt="onPrev" delay="0">
-                  <p:tgtEl>
-                    <p:sldTgt/>
-                  </p:tgtEl>
-                </p:cond>
-              </p:prevCondLst>
-              <p:nextCondLst>
-                <p:cond evt="onNext" delay="0">
-                  <p:tgtEl>
-                    <p:sldTgt/>
-                  </p:tgtEl>
-                </p:cond>
-              </p:nextCondLst>
-            </p:seq>
-          </p:childTnLst>
-        </p:cTn>
-      </p:par>
-    </p:tnLst>
-    <p:bldLst>
-      <p:bldP spid="2" grpId="0"/>
-      <p:bldP spid="3" grpId="0" build="p"/>
-      <p:bldP spid="4" grpId="0"/>
-    </p:bldLst>
-  </p:timing>
-</p:sld>
-</file>
-
-<file path=ppt/slides/slide6.xml><?xml version="1.0" encoding="utf-8"?>
-<p:sld xmlns:a="http://schemas.openxmlformats.org/drawingml/2006/main" xmlns:r="http://schemas.openxmlformats.org/officeDocument/2006/relationships" xmlns:p="http://schemas.openxmlformats.org/presentationml/2006/main">
-  <p:cSld>
-    <p:spTree>
-      <p:nvGrpSpPr>
-        <p:cNvPr id="1" name=""/>
-        <p:cNvGrpSpPr/>
-        <p:nvPr/>
-      </p:nvGrpSpPr>
-      <p:grpSpPr>
-        <a:xfrm>
-          <a:off x="0" y="0"/>
-          <a:ext cx="0" cy="0"/>
-          <a:chOff x="0" y="0"/>
-          <a:chExt cx="0" cy="0"/>
-        </a:xfrm>
-      </p:grpSpPr>
-      <p:sp>
-        <p:nvSpPr>
-          <p:cNvPr id="2" name="Title 1">
-            <a:extLst>
-              <a:ext uri="{FF2B5EF4-FFF2-40B4-BE49-F238E27FC236}">
-                <a16:creationId xmlns:a16="http://schemas.microsoft.com/office/drawing/2014/main" id="{97BC34CC-2191-086A-75CD-07624340C7B3}"/>
-              </a:ext>
-            </a:extLst>
-          </p:cNvPr>
-          <p:cNvSpPr>
-            <a:spLocks noGrp="1"/>
-          </p:cNvSpPr>
-          <p:nvPr>
-            <p:ph type="title"/>
-          </p:nvPr>
-        </p:nvSpPr>
-        <p:spPr>
-          <a:xfrm>
-            <a:off x="1154953" y="973668"/>
-            <a:ext cx="9128734" cy="706964"/>
-          </a:xfrm>
-        </p:spPr>
-        <p:txBody>
-          <a:bodyPr/>
-          <a:lstStyle/>
           <a:p>
-            <a:r>
-              <a:rPr lang="en-US" sz="2800" dirty="0"/>
-              <a:t>KUBERNETES – CONTROLER NODE ARCHITECTURE</a:t>
-            </a:r>
-            <a:endParaRPr lang="en-IN" sz="2800" dirty="0"/>
-          </a:p>
-        </p:txBody>
-      </p:sp>
-      <p:pic>
-        <p:nvPicPr>
-          <p:cNvPr id="5" name="Picture 4">
-            <a:extLst>
-              <a:ext uri="{FF2B5EF4-FFF2-40B4-BE49-F238E27FC236}">
-                <a16:creationId xmlns:a16="http://schemas.microsoft.com/office/drawing/2014/main" id="{4B875F76-4609-7F18-F034-CC7698C2A8D6}"/>
-              </a:ext>
-            </a:extLst>
-          </p:cNvPr>
-          <p:cNvPicPr>
-            <a:picLocks noChangeAspect="1"/>
-          </p:cNvPicPr>
-          <p:nvPr/>
-        </p:nvPicPr>
-        <p:blipFill>
-          <a:blip r:embed="rId2">
-            <a:extLst>
-              <a:ext uri="{28A0092B-C50C-407E-A947-70E740481C1C}">
-                <a14:useLocalDpi xmlns:a14="http://schemas.microsoft.com/office/drawing/2010/main" val="0"/>
-              </a:ext>
-            </a:extLst>
-          </a:blip>
-          <a:stretch>
-            <a:fillRect/>
-          </a:stretch>
-        </p:blipFill>
-        <p:spPr>
-          <a:xfrm>
-            <a:off x="6096000" y="2332383"/>
-            <a:ext cx="6029738" cy="4525617"/>
-          </a:xfrm>
-          <a:prstGeom prst="rect">
-            <a:avLst/>
-          </a:prstGeom>
-        </p:spPr>
-      </p:pic>
-      <p:sp>
-        <p:nvSpPr>
-          <p:cNvPr id="8" name="Content Placeholder 2">
-            <a:extLst>
-              <a:ext uri="{FF2B5EF4-FFF2-40B4-BE49-F238E27FC236}">
-                <a16:creationId xmlns:a16="http://schemas.microsoft.com/office/drawing/2014/main" id="{493BFCD0-E63A-DD3E-F56E-BD4A56ADBEF5}"/>
-              </a:ext>
-            </a:extLst>
-          </p:cNvPr>
-          <p:cNvSpPr>
-            <a:spLocks noGrp="1"/>
-          </p:cNvSpPr>
-          <p:nvPr>
-            <p:ph idx="1"/>
-          </p:nvPr>
-        </p:nvSpPr>
-        <p:spPr>
-          <a:xfrm>
-            <a:off x="66262" y="2332382"/>
-            <a:ext cx="6029738" cy="4525617"/>
-          </a:xfrm>
-        </p:spPr>
-        <p:txBody>
-          <a:bodyPr>
-            <a:normAutofit/>
-          </a:bodyPr>
-          <a:lstStyle/>
-          <a:p>
-            <a:r>
-              <a:rPr lang="en-US" b="1" dirty="0" err="1"/>
-              <a:t>Kube-apiserver</a:t>
-            </a:r>
-            <a:r>
-              <a:rPr lang="en-US" dirty="0"/>
-              <a:t>: Central hub of K8S cluster &amp; expose all K8S API, responsible for API management, authentication, processing API request &amp; communicate with </a:t>
-            </a:r>
-            <a:r>
-              <a:rPr lang="en-US" dirty="0" err="1"/>
-              <a:t>etcd</a:t>
-            </a:r>
-            <a:endParaRPr lang="en-US" dirty="0"/>
+            <a:pPr marL="0" indent="0">
+              <a:buNone/>
+            </a:pPr>
+            <a:endParaRPr lang="en-IN" dirty="0"/>
           </a:p>
           <a:p>
-            <a:r>
-              <a:rPr lang="en-US" b="1" dirty="0" err="1"/>
-              <a:t>etcd</a:t>
-            </a:r>
-            <a:r>
-              <a:rPr lang="en-US" dirty="0"/>
-              <a:t>: It is brain of K8S cluster, Kubernetes distribute system is managed by </a:t>
-            </a:r>
-            <a:r>
-              <a:rPr lang="en-US" dirty="0" err="1"/>
-              <a:t>etcd</a:t>
-            </a:r>
-            <a:r>
-              <a:rPr lang="en-US" dirty="0"/>
-              <a:t> and it stored data in strongly consistent key value pair</a:t>
-            </a:r>
+            <a:pPr lvl="1"/>
+            <a:endParaRPr lang="en-IN" dirty="0"/>
           </a:p>
           <a:p>
-            <a:r>
-              <a:rPr lang="en-US" b="1" dirty="0" err="1"/>
-              <a:t>Kube</a:t>
-            </a:r>
-            <a:r>
-              <a:rPr lang="en-US" b="1" dirty="0"/>
-              <a:t>-scheduler</a:t>
-            </a:r>
-            <a:r>
-              <a:rPr lang="en-US" dirty="0"/>
-              <a:t>: Responsible for scheduling pods on worker nodes</a:t>
-            </a:r>
-          </a:p>
-          <a:p>
-            <a:r>
-              <a:rPr lang="en-US" b="1" dirty="0" err="1"/>
-              <a:t>Kube</a:t>
-            </a:r>
-            <a:r>
-              <a:rPr lang="en-US" b="1" dirty="0"/>
-              <a:t> controller manger</a:t>
-            </a:r>
-            <a:r>
-              <a:rPr lang="en-US" dirty="0"/>
-              <a:t>: It manages all the K8S controllers. K8S resources/objects like pods, namespaces, jobs, </a:t>
-            </a:r>
-            <a:r>
-              <a:rPr lang="en-US" dirty="0" err="1"/>
-              <a:t>replicaset</a:t>
-            </a:r>
-            <a:r>
-              <a:rPr lang="en-US" dirty="0"/>
-              <a:t> are managed by designated controllers. </a:t>
-            </a:r>
-            <a:r>
-              <a:rPr lang="en-US" dirty="0" err="1"/>
-              <a:t>Kube</a:t>
-            </a:r>
-            <a:r>
-              <a:rPr lang="en-US" dirty="0"/>
-              <a:t>-scheduler also controlled by controller manager</a:t>
-            </a:r>
             <a:endParaRPr lang="en-IN" dirty="0"/>
-          </a:p>
-        </p:txBody>
-      </p:sp>
-    </p:spTree>
-    <p:extLst>
-      <p:ext uri="{BB962C8B-B14F-4D97-AF65-F5344CB8AC3E}">
-        <p14:creationId xmlns:p14="http://schemas.microsoft.com/office/powerpoint/2010/main" val="3407381223"/>
-      </p:ext>
-    </p:extLst>
-  </p:cSld>
-  <p:clrMapOvr>
-    <a:masterClrMapping/>
-  </p:clrMapOvr>
-  <p:timing>
-    <p:tnLst>
-      <p:par>
-        <p:cTn id="1" dur="indefinite" restart="never" nodeType="tmRoot">
-          <p:childTnLst>
-            <p:seq concurrent="1" nextAc="seek">
-              <p:cTn id="2" dur="indefinite" nodeType="mainSeq">
-                <p:childTnLst>
-                  <p:par>
-                    <p:cTn id="3" fill="hold">
-                      <p:stCondLst>
-                        <p:cond delay="indefinite"/>
-                      </p:stCondLst>
-                      <p:childTnLst>
-                        <p:par>
-                          <p:cTn id="4" fill="hold">
-                            <p:stCondLst>
-                              <p:cond delay="0"/>
-                            </p:stCondLst>
-                            <p:childTnLst>
-                              <p:par>
-                                <p:cTn id="5" presetID="10" presetClass="entr" presetSubtype="0" fill="hold" grpId="0" nodeType="clickEffect">
-                                  <p:stCondLst>
-                                    <p:cond delay="0"/>
-                                  </p:stCondLst>
-                                  <p:childTnLst>
-                                    <p:set>
-                                      <p:cBhvr>
-                                        <p:cTn id="6" dur="1" fill="hold">
-                                          <p:stCondLst>
-                                            <p:cond delay="0"/>
-                                          </p:stCondLst>
-                                        </p:cTn>
-                                        <p:tgtEl>
-                                          <p:spTgt spid="2"/>
-                                        </p:tgtEl>
-                                        <p:attrNameLst>
-                                          <p:attrName>style.visibility</p:attrName>
-                                        </p:attrNameLst>
-                                      </p:cBhvr>
-                                      <p:to>
-                                        <p:strVal val="visible"/>
-                                      </p:to>
-                                    </p:set>
-                                    <p:animEffect transition="in" filter="fade">
-                                      <p:cBhvr>
-                                        <p:cTn id="7" dur="500"/>
-                                        <p:tgtEl>
-                                          <p:spTgt spid="2"/>
-                                        </p:tgtEl>
-                                      </p:cBhvr>
-                                    </p:animEffect>
-                                  </p:childTnLst>
-                                </p:cTn>
-                              </p:par>
-                            </p:childTnLst>
-                          </p:cTn>
-                        </p:par>
-                      </p:childTnLst>
-                    </p:cTn>
-                  </p:par>
-                  <p:par>
-                    <p:cTn id="8" fill="hold">
-                      <p:stCondLst>
-                        <p:cond delay="indefinite"/>
-                      </p:stCondLst>
-                      <p:childTnLst>
-                        <p:par>
-                          <p:cTn id="9" fill="hold">
-                            <p:stCondLst>
-                              <p:cond delay="0"/>
-                            </p:stCondLst>
-                            <p:childTnLst>
-                              <p:par>
-                                <p:cTn id="10" presetID="2" presetClass="entr" presetSubtype="4" fill="hold" nodeType="clickEffect">
-                                  <p:stCondLst>
-                                    <p:cond delay="0"/>
-                                  </p:stCondLst>
-                                  <p:childTnLst>
-                                    <p:set>
-                                      <p:cBhvr>
-                                        <p:cTn id="11" dur="1" fill="hold">
-                                          <p:stCondLst>
-                                            <p:cond delay="0"/>
-                                          </p:stCondLst>
-                                        </p:cTn>
-                                        <p:tgtEl>
-                                          <p:spTgt spid="5"/>
-                                        </p:tgtEl>
-                                        <p:attrNameLst>
-                                          <p:attrName>style.visibility</p:attrName>
-                                        </p:attrNameLst>
-                                      </p:cBhvr>
-                                      <p:to>
-                                        <p:strVal val="visible"/>
-                                      </p:to>
-                                    </p:set>
-                                    <p:anim calcmode="lin" valueType="num">
-                                      <p:cBhvr additive="base">
-                                        <p:cTn id="12" dur="500" fill="hold"/>
-                                        <p:tgtEl>
-                                          <p:spTgt spid="5"/>
-                                        </p:tgtEl>
-                                        <p:attrNameLst>
-                                          <p:attrName>ppt_x</p:attrName>
-                                        </p:attrNameLst>
-                                      </p:cBhvr>
-                                      <p:tavLst>
-                                        <p:tav tm="0">
-                                          <p:val>
-                                            <p:strVal val="#ppt_x"/>
-                                          </p:val>
-                                        </p:tav>
-                                        <p:tav tm="100000">
-                                          <p:val>
-                                            <p:strVal val="#ppt_x"/>
-                                          </p:val>
-                                        </p:tav>
-                                      </p:tavLst>
-                                    </p:anim>
-                                    <p:anim calcmode="lin" valueType="num">
-                                      <p:cBhvr additive="base">
-                                        <p:cTn id="13" dur="500" fill="hold"/>
-                                        <p:tgtEl>
-                                          <p:spTgt spid="5"/>
-                                        </p:tgtEl>
-                                        <p:attrNameLst>
-                                          <p:attrName>ppt_y</p:attrName>
-                                        </p:attrNameLst>
-                                      </p:cBhvr>
-                                      <p:tavLst>
-                                        <p:tav tm="0">
-                                          <p:val>
-                                            <p:strVal val="1+#ppt_h/2"/>
-                                          </p:val>
-                                        </p:tav>
-                                        <p:tav tm="100000">
-                                          <p:val>
-                                            <p:strVal val="#ppt_y"/>
-                                          </p:val>
-                                        </p:tav>
-                                      </p:tavLst>
-                                    </p:anim>
-                                  </p:childTnLst>
-                                </p:cTn>
-                              </p:par>
-                            </p:childTnLst>
-                          </p:cTn>
-                        </p:par>
-                      </p:childTnLst>
-                    </p:cTn>
-                  </p:par>
-                  <p:par>
-                    <p:cTn id="14" fill="hold">
-                      <p:stCondLst>
-                        <p:cond delay="indefinite"/>
-                      </p:stCondLst>
-                      <p:childTnLst>
-                        <p:par>
-                          <p:cTn id="15" fill="hold">
-                            <p:stCondLst>
-                              <p:cond delay="0"/>
-                            </p:stCondLst>
-                            <p:childTnLst>
-                              <p:par>
-                                <p:cTn id="16" presetID="2" presetClass="entr" presetSubtype="4" fill="hold" grpId="0" nodeType="clickEffect">
-                                  <p:stCondLst>
-                                    <p:cond delay="0"/>
-                                  </p:stCondLst>
-                                  <p:childTnLst>
-                                    <p:set>
-                                      <p:cBhvr>
-                                        <p:cTn id="17" dur="1" fill="hold">
-                                          <p:stCondLst>
-                                            <p:cond delay="0"/>
-                                          </p:stCondLst>
-                                        </p:cTn>
-                                        <p:tgtEl>
-                                          <p:spTgt spid="8">
-                                            <p:txEl>
-                                              <p:pRg st="0" end="0"/>
-                                            </p:txEl>
-                                          </p:spTgt>
-                                        </p:tgtEl>
-                                        <p:attrNameLst>
-                                          <p:attrName>style.visibility</p:attrName>
-                                        </p:attrNameLst>
-                                      </p:cBhvr>
-                                      <p:to>
-                                        <p:strVal val="visible"/>
-                                      </p:to>
-                                    </p:set>
-                                    <p:anim calcmode="lin" valueType="num">
-                                      <p:cBhvr additive="base">
-                                        <p:cTn id="18" dur="500" fill="hold"/>
-                                        <p:tgtEl>
-                                          <p:spTgt spid="8">
-                                            <p:txEl>
-                                              <p:pRg st="0" end="0"/>
-                                            </p:txEl>
-                                          </p:spTgt>
-                                        </p:tgtEl>
-                                        <p:attrNameLst>
-                                          <p:attrName>ppt_x</p:attrName>
-                                        </p:attrNameLst>
-                                      </p:cBhvr>
-                                      <p:tavLst>
-                                        <p:tav tm="0">
-                                          <p:val>
-                                            <p:strVal val="#ppt_x"/>
-                                          </p:val>
-                                        </p:tav>
-                                        <p:tav tm="100000">
-                                          <p:val>
-                                            <p:strVal val="#ppt_x"/>
-                                          </p:val>
-                                        </p:tav>
-                                      </p:tavLst>
-                                    </p:anim>
-                                    <p:anim calcmode="lin" valueType="num">
-                                      <p:cBhvr additive="base">
-                                        <p:cTn id="19" dur="500" fill="hold"/>
-                                        <p:tgtEl>
-                                          <p:spTgt spid="8">
-                                            <p:txEl>
-                                              <p:pRg st="0" end="0"/>
-                                            </p:txEl>
-                                          </p:spTgt>
-                                        </p:tgtEl>
-                                        <p:attrNameLst>
-                                          <p:attrName>ppt_y</p:attrName>
-                                        </p:attrNameLst>
-                                      </p:cBhvr>
-                                      <p:tavLst>
-                                        <p:tav tm="0">
-                                          <p:val>
-                                            <p:strVal val="1+#ppt_h/2"/>
-                                          </p:val>
-                                        </p:tav>
-                                        <p:tav tm="100000">
-                                          <p:val>
-                                            <p:strVal val="#ppt_y"/>
-                                          </p:val>
-                                        </p:tav>
-                                      </p:tavLst>
-                                    </p:anim>
-                                  </p:childTnLst>
-                                </p:cTn>
-                              </p:par>
-                            </p:childTnLst>
-                          </p:cTn>
-                        </p:par>
-                      </p:childTnLst>
-                    </p:cTn>
-                  </p:par>
-                  <p:par>
-                    <p:cTn id="20" fill="hold">
-                      <p:stCondLst>
-                        <p:cond delay="indefinite"/>
-                      </p:stCondLst>
-                      <p:childTnLst>
-                        <p:par>
-                          <p:cTn id="21" fill="hold">
-                            <p:stCondLst>
-                              <p:cond delay="0"/>
-                            </p:stCondLst>
-                            <p:childTnLst>
-                              <p:par>
-                                <p:cTn id="22" presetID="2" presetClass="entr" presetSubtype="4" fill="hold" grpId="0" nodeType="clickEffect">
-                                  <p:stCondLst>
-                                    <p:cond delay="0"/>
-                                  </p:stCondLst>
-                                  <p:childTnLst>
-                                    <p:set>
-                                      <p:cBhvr>
-                                        <p:cTn id="23" dur="1" fill="hold">
-                                          <p:stCondLst>
-                                            <p:cond delay="0"/>
-                                          </p:stCondLst>
-                                        </p:cTn>
-                                        <p:tgtEl>
-                                          <p:spTgt spid="8">
-                                            <p:txEl>
-                                              <p:pRg st="1" end="1"/>
-                                            </p:txEl>
-                                          </p:spTgt>
-                                        </p:tgtEl>
-                                        <p:attrNameLst>
-                                          <p:attrName>style.visibility</p:attrName>
-                                        </p:attrNameLst>
-                                      </p:cBhvr>
-                                      <p:to>
-                                        <p:strVal val="visible"/>
-                                      </p:to>
-                                    </p:set>
-                                    <p:anim calcmode="lin" valueType="num">
-                                      <p:cBhvr additive="base">
-                                        <p:cTn id="24" dur="500" fill="hold"/>
-                                        <p:tgtEl>
-                                          <p:spTgt spid="8">
-                                            <p:txEl>
-                                              <p:pRg st="1" end="1"/>
-                                            </p:txEl>
-                                          </p:spTgt>
-                                        </p:tgtEl>
-                                        <p:attrNameLst>
-                                          <p:attrName>ppt_x</p:attrName>
-                                        </p:attrNameLst>
-                                      </p:cBhvr>
-                                      <p:tavLst>
-                                        <p:tav tm="0">
-                                          <p:val>
-                                            <p:strVal val="#ppt_x"/>
-                                          </p:val>
-                                        </p:tav>
-                                        <p:tav tm="100000">
-                                          <p:val>
-                                            <p:strVal val="#ppt_x"/>
-                                          </p:val>
-                                        </p:tav>
-                                      </p:tavLst>
-                                    </p:anim>
-                                    <p:anim calcmode="lin" valueType="num">
-                                      <p:cBhvr additive="base">
-                                        <p:cTn id="25" dur="500" fill="hold"/>
-                                        <p:tgtEl>
-                                          <p:spTgt spid="8">
-                                            <p:txEl>
-                                              <p:pRg st="1" end="1"/>
-                                            </p:txEl>
-                                          </p:spTgt>
-                                        </p:tgtEl>
-                                        <p:attrNameLst>
-                                          <p:attrName>ppt_y</p:attrName>
-                                        </p:attrNameLst>
-                                      </p:cBhvr>
-                                      <p:tavLst>
-                                        <p:tav tm="0">
-                                          <p:val>
-                                            <p:strVal val="1+#ppt_h/2"/>
-                                          </p:val>
-                                        </p:tav>
-                                        <p:tav tm="100000">
-                                          <p:val>
-                                            <p:strVal val="#ppt_y"/>
-                                          </p:val>
-                                        </p:tav>
-                                      </p:tavLst>
-                                    </p:anim>
-                                  </p:childTnLst>
-                                </p:cTn>
-                              </p:par>
-                            </p:childTnLst>
-                          </p:cTn>
-                        </p:par>
-                      </p:childTnLst>
-                    </p:cTn>
-                  </p:par>
-                  <p:par>
-                    <p:cTn id="26" fill="hold">
-                      <p:stCondLst>
-                        <p:cond delay="indefinite"/>
-                      </p:stCondLst>
-                      <p:childTnLst>
-                        <p:par>
-                          <p:cTn id="27" fill="hold">
-                            <p:stCondLst>
-                              <p:cond delay="0"/>
-                            </p:stCondLst>
-                            <p:childTnLst>
-                              <p:par>
-                                <p:cTn id="28" presetID="2" presetClass="entr" presetSubtype="4" fill="hold" grpId="0" nodeType="clickEffect">
-                                  <p:stCondLst>
-                                    <p:cond delay="0"/>
-                                  </p:stCondLst>
-                                  <p:childTnLst>
-                                    <p:set>
-                                      <p:cBhvr>
-                                        <p:cTn id="29" dur="1" fill="hold">
-                                          <p:stCondLst>
-                                            <p:cond delay="0"/>
-                                          </p:stCondLst>
-                                        </p:cTn>
-                                        <p:tgtEl>
-                                          <p:spTgt spid="8">
-                                            <p:txEl>
-                                              <p:pRg st="2" end="2"/>
-                                            </p:txEl>
-                                          </p:spTgt>
-                                        </p:tgtEl>
-                                        <p:attrNameLst>
-                                          <p:attrName>style.visibility</p:attrName>
-                                        </p:attrNameLst>
-                                      </p:cBhvr>
-                                      <p:to>
-                                        <p:strVal val="visible"/>
-                                      </p:to>
-                                    </p:set>
-                                    <p:anim calcmode="lin" valueType="num">
-                                      <p:cBhvr additive="base">
-                                        <p:cTn id="30" dur="500" fill="hold"/>
-                                        <p:tgtEl>
-                                          <p:spTgt spid="8">
-                                            <p:txEl>
-                                              <p:pRg st="2" end="2"/>
-                                            </p:txEl>
-                                          </p:spTgt>
-                                        </p:tgtEl>
-                                        <p:attrNameLst>
-                                          <p:attrName>ppt_x</p:attrName>
-                                        </p:attrNameLst>
-                                      </p:cBhvr>
-                                      <p:tavLst>
-                                        <p:tav tm="0">
-                                          <p:val>
-                                            <p:strVal val="#ppt_x"/>
-                                          </p:val>
-                                        </p:tav>
-                                        <p:tav tm="100000">
-                                          <p:val>
-                                            <p:strVal val="#ppt_x"/>
-                                          </p:val>
-                                        </p:tav>
-                                      </p:tavLst>
-                                    </p:anim>
-                                    <p:anim calcmode="lin" valueType="num">
-                                      <p:cBhvr additive="base">
-                                        <p:cTn id="31" dur="500" fill="hold"/>
-                                        <p:tgtEl>
-                                          <p:spTgt spid="8">
-                                            <p:txEl>
-                                              <p:pRg st="2" end="2"/>
-                                            </p:txEl>
-                                          </p:spTgt>
-                                        </p:tgtEl>
-                                        <p:attrNameLst>
-                                          <p:attrName>ppt_y</p:attrName>
-                                        </p:attrNameLst>
-                                      </p:cBhvr>
-                                      <p:tavLst>
-                                        <p:tav tm="0">
-                                          <p:val>
-                                            <p:strVal val="1+#ppt_h/2"/>
-                                          </p:val>
-                                        </p:tav>
-                                        <p:tav tm="100000">
-                                          <p:val>
-                                            <p:strVal val="#ppt_y"/>
-                                          </p:val>
-                                        </p:tav>
-                                      </p:tavLst>
-                                    </p:anim>
-                                  </p:childTnLst>
-                                </p:cTn>
-                              </p:par>
-                            </p:childTnLst>
-                          </p:cTn>
-                        </p:par>
-                      </p:childTnLst>
-                    </p:cTn>
-                  </p:par>
-                  <p:par>
-                    <p:cTn id="32" fill="hold">
-                      <p:stCondLst>
-                        <p:cond delay="indefinite"/>
-                      </p:stCondLst>
-                      <p:childTnLst>
-                        <p:par>
-                          <p:cTn id="33" fill="hold">
-                            <p:stCondLst>
-                              <p:cond delay="0"/>
-                            </p:stCondLst>
-                            <p:childTnLst>
-                              <p:par>
-                                <p:cTn id="34" presetID="2" presetClass="entr" presetSubtype="4" fill="hold" grpId="0" nodeType="clickEffect">
-                                  <p:stCondLst>
-                                    <p:cond delay="0"/>
-                                  </p:stCondLst>
-                                  <p:childTnLst>
-                                    <p:set>
-                                      <p:cBhvr>
-                                        <p:cTn id="35" dur="1" fill="hold">
-                                          <p:stCondLst>
-                                            <p:cond delay="0"/>
-                                          </p:stCondLst>
-                                        </p:cTn>
-                                        <p:tgtEl>
-                                          <p:spTgt spid="8">
-                                            <p:txEl>
-                                              <p:pRg st="3" end="3"/>
-                                            </p:txEl>
-                                          </p:spTgt>
-                                        </p:tgtEl>
-                                        <p:attrNameLst>
-                                          <p:attrName>style.visibility</p:attrName>
-                                        </p:attrNameLst>
-                                      </p:cBhvr>
-                                      <p:to>
-                                        <p:strVal val="visible"/>
-                                      </p:to>
-                                    </p:set>
-                                    <p:anim calcmode="lin" valueType="num">
-                                      <p:cBhvr additive="base">
-                                        <p:cTn id="36" dur="500" fill="hold"/>
-                                        <p:tgtEl>
-                                          <p:spTgt spid="8">
-                                            <p:txEl>
-                                              <p:pRg st="3" end="3"/>
-                                            </p:txEl>
-                                          </p:spTgt>
-                                        </p:tgtEl>
-                                        <p:attrNameLst>
-                                          <p:attrName>ppt_x</p:attrName>
-                                        </p:attrNameLst>
-                                      </p:cBhvr>
-                                      <p:tavLst>
-                                        <p:tav tm="0">
-                                          <p:val>
-                                            <p:strVal val="#ppt_x"/>
-                                          </p:val>
-                                        </p:tav>
-                                        <p:tav tm="100000">
-                                          <p:val>
-                                            <p:strVal val="#ppt_x"/>
-                                          </p:val>
-                                        </p:tav>
-                                      </p:tavLst>
-                                    </p:anim>
-                                    <p:anim calcmode="lin" valueType="num">
-                                      <p:cBhvr additive="base">
-                                        <p:cTn id="37" dur="500" fill="hold"/>
-                                        <p:tgtEl>
-                                          <p:spTgt spid="8">
-                                            <p:txEl>
-                                              <p:pRg st="3" end="3"/>
-                                            </p:txEl>
-                                          </p:spTgt>
-                                        </p:tgtEl>
-                                        <p:attrNameLst>
-                                          <p:attrName>ppt_y</p:attrName>
-                                        </p:attrNameLst>
-                                      </p:cBhvr>
-                                      <p:tavLst>
-                                        <p:tav tm="0">
-                                          <p:val>
-                                            <p:strVal val="1+#ppt_h/2"/>
-                                          </p:val>
-                                        </p:tav>
-                                        <p:tav tm="100000">
-                                          <p:val>
-                                            <p:strVal val="#ppt_y"/>
-                                          </p:val>
-                                        </p:tav>
-                                      </p:tavLst>
-                                    </p:anim>
-                                  </p:childTnLst>
-                                </p:cTn>
-                              </p:par>
-                            </p:childTnLst>
-                          </p:cTn>
-                        </p:par>
-                      </p:childTnLst>
-                    </p:cTn>
-                  </p:par>
-                </p:childTnLst>
-              </p:cTn>
-              <p:prevCondLst>
-                <p:cond evt="onPrev" delay="0">
-                  <p:tgtEl>
-                    <p:sldTgt/>
-                  </p:tgtEl>
-                </p:cond>
-              </p:prevCondLst>
-              <p:nextCondLst>
-                <p:cond evt="onNext" delay="0">
-                  <p:tgtEl>
-                    <p:sldTgt/>
-                  </p:tgtEl>
-                </p:cond>
-              </p:nextCondLst>
-            </p:seq>
-          </p:childTnLst>
-        </p:cTn>
-      </p:par>
-    </p:tnLst>
-    <p:bldLst>
-      <p:bldP spid="2" grpId="0"/>
-      <p:bldP spid="8" grpId="0" build="p"/>
-    </p:bldLst>
-  </p:timing>
-</p:sld>
-</file>
-
-<file path=ppt/slides/slide7.xml><?xml version="1.0" encoding="utf-8"?>
-<p:sld xmlns:a="http://schemas.openxmlformats.org/drawingml/2006/main" xmlns:r="http://schemas.openxmlformats.org/officeDocument/2006/relationships" xmlns:p="http://schemas.openxmlformats.org/presentationml/2006/main">
-  <p:cSld>
-    <p:spTree>
-      <p:nvGrpSpPr>
-        <p:cNvPr id="1" name=""/>
-        <p:cNvGrpSpPr/>
-        <p:nvPr/>
-      </p:nvGrpSpPr>
-      <p:grpSpPr>
-        <a:xfrm>
-          <a:off x="0" y="0"/>
-          <a:ext cx="0" cy="0"/>
-          <a:chOff x="0" y="0"/>
-          <a:chExt cx="0" cy="0"/>
-        </a:xfrm>
-      </p:grpSpPr>
-      <p:sp>
-        <p:nvSpPr>
-          <p:cNvPr id="2" name="Title 1">
-            <a:extLst>
-              <a:ext uri="{FF2B5EF4-FFF2-40B4-BE49-F238E27FC236}">
-                <a16:creationId xmlns:a16="http://schemas.microsoft.com/office/drawing/2014/main" id="{97BC34CC-2191-086A-75CD-07624340C7B3}"/>
-              </a:ext>
-            </a:extLst>
-          </p:cNvPr>
-          <p:cNvSpPr>
-            <a:spLocks noGrp="1"/>
-          </p:cNvSpPr>
-          <p:nvPr>
-            <p:ph type="title"/>
-          </p:nvPr>
-        </p:nvSpPr>
-        <p:spPr>
-          <a:xfrm>
-            <a:off x="636104" y="973668"/>
-            <a:ext cx="9647583" cy="706964"/>
-          </a:xfrm>
-        </p:spPr>
-        <p:txBody>
-          <a:bodyPr/>
-          <a:lstStyle/>
-          <a:p>
-            <a:r>
-              <a:rPr lang="en-US" sz="2200" dirty="0"/>
-              <a:t>KUBERNETES – CONTROLER NODE – CONTROLER/ETCD ARCHITECTURE</a:t>
-            </a:r>
-            <a:endParaRPr lang="en-IN" sz="2200" dirty="0"/>
-          </a:p>
-        </p:txBody>
-      </p:sp>
-      <p:pic>
-        <p:nvPicPr>
-          <p:cNvPr id="11" name="Picture 10">
-            <a:extLst>
-              <a:ext uri="{FF2B5EF4-FFF2-40B4-BE49-F238E27FC236}">
-                <a16:creationId xmlns:a16="http://schemas.microsoft.com/office/drawing/2014/main" id="{3F312D08-8656-E706-A197-CADD59A21879}"/>
-              </a:ext>
-            </a:extLst>
-          </p:cNvPr>
-          <p:cNvPicPr>
-            <a:picLocks noChangeAspect="1"/>
-          </p:cNvPicPr>
-          <p:nvPr/>
-        </p:nvPicPr>
-        <p:blipFill>
-          <a:blip r:embed="rId2">
-            <a:extLst>
-              <a:ext uri="{28A0092B-C50C-407E-A947-70E740481C1C}">
-                <a14:useLocalDpi xmlns:a14="http://schemas.microsoft.com/office/drawing/2010/main" val="0"/>
-              </a:ext>
-            </a:extLst>
-          </a:blip>
-          <a:stretch>
-            <a:fillRect/>
-          </a:stretch>
-        </p:blipFill>
-        <p:spPr>
-          <a:xfrm>
-            <a:off x="528883" y="2261430"/>
-            <a:ext cx="5686387" cy="4596570"/>
-          </a:xfrm>
-          <a:prstGeom prst="rect">
-            <a:avLst/>
-          </a:prstGeom>
-        </p:spPr>
-      </p:pic>
-      <p:pic>
-        <p:nvPicPr>
-          <p:cNvPr id="13" name="Picture 12">
-            <a:extLst>
-              <a:ext uri="{FF2B5EF4-FFF2-40B4-BE49-F238E27FC236}">
-                <a16:creationId xmlns:a16="http://schemas.microsoft.com/office/drawing/2014/main" id="{EB3A986B-A3D6-C9AA-BAEE-5C4C30654BEF}"/>
-              </a:ext>
-            </a:extLst>
-          </p:cNvPr>
-          <p:cNvPicPr>
-            <a:picLocks noChangeAspect="1"/>
-          </p:cNvPicPr>
-          <p:nvPr/>
-        </p:nvPicPr>
-        <p:blipFill>
-          <a:blip r:embed="rId3">
-            <a:extLst>
-              <a:ext uri="{28A0092B-C50C-407E-A947-70E740481C1C}">
-                <a14:useLocalDpi xmlns:a14="http://schemas.microsoft.com/office/drawing/2010/main" val="0"/>
-              </a:ext>
-            </a:extLst>
-          </a:blip>
-          <a:stretch>
-            <a:fillRect/>
-          </a:stretch>
-        </p:blipFill>
-        <p:spPr>
-          <a:xfrm>
-            <a:off x="6293578" y="2261430"/>
-            <a:ext cx="5686387" cy="4503804"/>
-          </a:xfrm>
-          <a:prstGeom prst="rect">
-            <a:avLst/>
-          </a:prstGeom>
-        </p:spPr>
-      </p:pic>
-    </p:spTree>
-    <p:extLst>
-      <p:ext uri="{BB962C8B-B14F-4D97-AF65-F5344CB8AC3E}">
-        <p14:creationId xmlns:p14="http://schemas.microsoft.com/office/powerpoint/2010/main" val="1205312705"/>
-      </p:ext>
-    </p:extLst>
-  </p:cSld>
-  <p:clrMapOvr>
-    <a:masterClrMapping/>
-  </p:clrMapOvr>
-  <p:timing>
-    <p:tnLst>
-      <p:par>
-        <p:cTn id="1" dur="indefinite" restart="never" nodeType="tmRoot">
-          <p:childTnLst>
-            <p:seq concurrent="1" nextAc="seek">
-              <p:cTn id="2" dur="indefinite" nodeType="mainSeq">
-                <p:childTnLst>
-                  <p:par>
-                    <p:cTn id="3" fill="hold">
-                      <p:stCondLst>
-                        <p:cond delay="indefinite"/>
-                      </p:stCondLst>
-                      <p:childTnLst>
-                        <p:par>
-                          <p:cTn id="4" fill="hold">
-                            <p:stCondLst>
-                              <p:cond delay="0"/>
-                            </p:stCondLst>
-                            <p:childTnLst>
-                              <p:par>
-                                <p:cTn id="5" presetID="10" presetClass="entr" presetSubtype="0" fill="hold" grpId="0" nodeType="clickEffect">
-                                  <p:stCondLst>
-                                    <p:cond delay="0"/>
-                                  </p:stCondLst>
-                                  <p:childTnLst>
-                                    <p:set>
-                                      <p:cBhvr>
-                                        <p:cTn id="6" dur="1" fill="hold">
-                                          <p:stCondLst>
-                                            <p:cond delay="0"/>
-                                          </p:stCondLst>
-                                        </p:cTn>
-                                        <p:tgtEl>
-                                          <p:spTgt spid="2"/>
-                                        </p:tgtEl>
-                                        <p:attrNameLst>
-                                          <p:attrName>style.visibility</p:attrName>
-                                        </p:attrNameLst>
-                                      </p:cBhvr>
-                                      <p:to>
-                                        <p:strVal val="visible"/>
-                                      </p:to>
-                                    </p:set>
-                                    <p:animEffect transition="in" filter="fade">
-                                      <p:cBhvr>
-                                        <p:cTn id="7" dur="500"/>
-                                        <p:tgtEl>
-                                          <p:spTgt spid="2"/>
-                                        </p:tgtEl>
-                                      </p:cBhvr>
-                                    </p:animEffect>
-                                  </p:childTnLst>
-                                </p:cTn>
-                              </p:par>
-                            </p:childTnLst>
-                          </p:cTn>
-                        </p:par>
-                      </p:childTnLst>
-                    </p:cTn>
-                  </p:par>
-                  <p:par>
-                    <p:cTn id="8" fill="hold">
-                      <p:stCondLst>
-                        <p:cond delay="indefinite"/>
-                      </p:stCondLst>
-                      <p:childTnLst>
-                        <p:par>
-                          <p:cTn id="9" fill="hold">
-                            <p:stCondLst>
-                              <p:cond delay="0"/>
-                            </p:stCondLst>
-                            <p:childTnLst>
-                              <p:par>
-                                <p:cTn id="10" presetID="2" presetClass="entr" presetSubtype="4" fill="hold" nodeType="clickEffect">
-                                  <p:stCondLst>
-                                    <p:cond delay="0"/>
-                                  </p:stCondLst>
-                                  <p:childTnLst>
-                                    <p:set>
-                                      <p:cBhvr>
-                                        <p:cTn id="11" dur="1" fill="hold">
-                                          <p:stCondLst>
-                                            <p:cond delay="0"/>
-                                          </p:stCondLst>
-                                        </p:cTn>
-                                        <p:tgtEl>
-                                          <p:spTgt spid="11"/>
-                                        </p:tgtEl>
-                                        <p:attrNameLst>
-                                          <p:attrName>style.visibility</p:attrName>
-                                        </p:attrNameLst>
-                                      </p:cBhvr>
-                                      <p:to>
-                                        <p:strVal val="visible"/>
-                                      </p:to>
-                                    </p:set>
-                                    <p:anim calcmode="lin" valueType="num">
-                                      <p:cBhvr additive="base">
-                                        <p:cTn id="12" dur="500" fill="hold"/>
-                                        <p:tgtEl>
-                                          <p:spTgt spid="11"/>
-                                        </p:tgtEl>
-                                        <p:attrNameLst>
-                                          <p:attrName>ppt_x</p:attrName>
-                                        </p:attrNameLst>
-                                      </p:cBhvr>
-                                      <p:tavLst>
-                                        <p:tav tm="0">
-                                          <p:val>
-                                            <p:strVal val="#ppt_x"/>
-                                          </p:val>
-                                        </p:tav>
-                                        <p:tav tm="100000">
-                                          <p:val>
-                                            <p:strVal val="#ppt_x"/>
-                                          </p:val>
-                                        </p:tav>
-                                      </p:tavLst>
-                                    </p:anim>
-                                    <p:anim calcmode="lin" valueType="num">
-                                      <p:cBhvr additive="base">
-                                        <p:cTn id="13" dur="500" fill="hold"/>
-                                        <p:tgtEl>
-                                          <p:spTgt spid="11"/>
-                                        </p:tgtEl>
-                                        <p:attrNameLst>
-                                          <p:attrName>ppt_y</p:attrName>
-                                        </p:attrNameLst>
-                                      </p:cBhvr>
-                                      <p:tavLst>
-                                        <p:tav tm="0">
-                                          <p:val>
-                                            <p:strVal val="1+#ppt_h/2"/>
-                                          </p:val>
-                                        </p:tav>
-                                        <p:tav tm="100000">
-                                          <p:val>
-                                            <p:strVal val="#ppt_y"/>
-                                          </p:val>
-                                        </p:tav>
-                                      </p:tavLst>
-                                    </p:anim>
-                                  </p:childTnLst>
-                                </p:cTn>
-                              </p:par>
-                            </p:childTnLst>
-                          </p:cTn>
-                        </p:par>
-                      </p:childTnLst>
-                    </p:cTn>
-                  </p:par>
-                  <p:par>
-                    <p:cTn id="14" fill="hold">
-                      <p:stCondLst>
-                        <p:cond delay="indefinite"/>
-                      </p:stCondLst>
-                      <p:childTnLst>
-                        <p:par>
-                          <p:cTn id="15" fill="hold">
-                            <p:stCondLst>
-                              <p:cond delay="0"/>
-                            </p:stCondLst>
-                            <p:childTnLst>
-                              <p:par>
-                                <p:cTn id="16" presetID="42" presetClass="entr" presetSubtype="0" fill="hold" nodeType="clickEffect">
-                                  <p:stCondLst>
-                                    <p:cond delay="0"/>
-                                  </p:stCondLst>
-                                  <p:childTnLst>
-                                    <p:set>
-                                      <p:cBhvr>
-                                        <p:cTn id="17" dur="1" fill="hold">
-                                          <p:stCondLst>
-                                            <p:cond delay="0"/>
-                                          </p:stCondLst>
-                                        </p:cTn>
-                                        <p:tgtEl>
-                                          <p:spTgt spid="13"/>
-                                        </p:tgtEl>
-                                        <p:attrNameLst>
-                                          <p:attrName>style.visibility</p:attrName>
-                                        </p:attrNameLst>
-                                      </p:cBhvr>
-                                      <p:to>
-                                        <p:strVal val="visible"/>
-                                      </p:to>
-                                    </p:set>
-                                    <p:animEffect transition="in" filter="fade">
-                                      <p:cBhvr>
-                                        <p:cTn id="18" dur="1000"/>
-                                        <p:tgtEl>
-                                          <p:spTgt spid="13"/>
-                                        </p:tgtEl>
-                                      </p:cBhvr>
-                                    </p:animEffect>
-                                    <p:anim calcmode="lin" valueType="num">
-                                      <p:cBhvr>
-                                        <p:cTn id="19" dur="1000" fill="hold"/>
-                                        <p:tgtEl>
-                                          <p:spTgt spid="13"/>
-                                        </p:tgtEl>
-                                        <p:attrNameLst>
-                                          <p:attrName>ppt_x</p:attrName>
-                                        </p:attrNameLst>
-                                      </p:cBhvr>
-                                      <p:tavLst>
-                                        <p:tav tm="0">
-                                          <p:val>
-                                            <p:strVal val="#ppt_x"/>
-                                          </p:val>
-                                        </p:tav>
-                                        <p:tav tm="100000">
-                                          <p:val>
-                                            <p:strVal val="#ppt_x"/>
-                                          </p:val>
-                                        </p:tav>
-                                      </p:tavLst>
-                                    </p:anim>
-                                    <p:anim calcmode="lin" valueType="num">
-                                      <p:cBhvr>
-                                        <p:cTn id="20" dur="1000" fill="hold"/>
-                                        <p:tgtEl>
-                                          <p:spTgt spid="13"/>
-                                        </p:tgtEl>
-                                        <p:attrNameLst>
-                                          <p:attrName>ppt_y</p:attrName>
-                                        </p:attrNameLst>
-                                      </p:cBhvr>
-                                      <p:tavLst>
-                                        <p:tav tm="0">
-                                          <p:val>
-                                            <p:strVal val="#ppt_y+.1"/>
-                                          </p:val>
-                                        </p:tav>
-                                        <p:tav tm="100000">
-                                          <p:val>
-                                            <p:strVal val="#ppt_y"/>
-                                          </p:val>
-                                        </p:tav>
-                                      </p:tavLst>
-                                    </p:anim>
-                                  </p:childTnLst>
-                                </p:cTn>
-                              </p:par>
-                            </p:childTnLst>
-                          </p:cTn>
-                        </p:par>
-                      </p:childTnLst>
-                    </p:cTn>
-                  </p:par>
-                </p:childTnLst>
-              </p:cTn>
-              <p:prevCondLst>
-                <p:cond evt="onPrev" delay="0">
-                  <p:tgtEl>
-                    <p:sldTgt/>
-                  </p:tgtEl>
-                </p:cond>
-              </p:prevCondLst>
-              <p:nextCondLst>
-                <p:cond evt="onNext" delay="0">
-                  <p:tgtEl>
-                    <p:sldTgt/>
-                  </p:tgtEl>
-                </p:cond>
-              </p:nextCondLst>
-            </p:seq>
-          </p:childTnLst>
-        </p:cTn>
-      </p:par>
-    </p:tnLst>
-    <p:bldLst>
-      <p:bldP spid="2" grpId="0"/>
-    </p:bldLst>
-  </p:timing>
-</p:sld>
-</file>
-
-<file path=ppt/slides/slide8.xml><?xml version="1.0" encoding="utf-8"?>
-<p:sld xmlns:a="http://schemas.openxmlformats.org/drawingml/2006/main" xmlns:r="http://schemas.openxmlformats.org/officeDocument/2006/relationships" xmlns:p="http://schemas.openxmlformats.org/presentationml/2006/main">
-  <p:cSld>
-    <p:spTree>
-      <p:nvGrpSpPr>
-        <p:cNvPr id="1" name=""/>
-        <p:cNvGrpSpPr/>
-        <p:nvPr/>
-      </p:nvGrpSpPr>
-      <p:grpSpPr>
-        <a:xfrm>
-          <a:off x="0" y="0"/>
-          <a:ext cx="0" cy="0"/>
-          <a:chOff x="0" y="0"/>
-          <a:chExt cx="0" cy="0"/>
-        </a:xfrm>
-      </p:grpSpPr>
-      <p:sp>
-        <p:nvSpPr>
-          <p:cNvPr id="2" name="Title 1">
-            <a:extLst>
-              <a:ext uri="{FF2B5EF4-FFF2-40B4-BE49-F238E27FC236}">
-                <a16:creationId xmlns:a16="http://schemas.microsoft.com/office/drawing/2014/main" id="{97BC34CC-2191-086A-75CD-07624340C7B3}"/>
-              </a:ext>
-            </a:extLst>
-          </p:cNvPr>
-          <p:cNvSpPr>
-            <a:spLocks noGrp="1"/>
-          </p:cNvSpPr>
-          <p:nvPr>
-            <p:ph type="title"/>
-          </p:nvPr>
-        </p:nvSpPr>
-        <p:spPr>
-          <a:xfrm>
-            <a:off x="1154953" y="973668"/>
-            <a:ext cx="9128734" cy="706964"/>
-          </a:xfrm>
-        </p:spPr>
-        <p:txBody>
-          <a:bodyPr/>
-          <a:lstStyle/>
-          <a:p>
-            <a:r>
-              <a:rPr lang="en-US" sz="2600" dirty="0"/>
-              <a:t>KUBERNETES – WORKER NODE – KUBELET ARCHITECTURE</a:t>
-            </a:r>
-            <a:endParaRPr lang="en-IN" sz="2600" dirty="0"/>
-          </a:p>
-        </p:txBody>
-      </p:sp>
-      <p:pic>
-        <p:nvPicPr>
-          <p:cNvPr id="5" name="Picture 4">
-            <a:extLst>
-              <a:ext uri="{FF2B5EF4-FFF2-40B4-BE49-F238E27FC236}">
-                <a16:creationId xmlns:a16="http://schemas.microsoft.com/office/drawing/2014/main" id="{7B62E6B8-12C2-7B8F-BC12-C188C5462D22}"/>
-              </a:ext>
-            </a:extLst>
-          </p:cNvPr>
-          <p:cNvPicPr>
-            <a:picLocks noChangeAspect="1"/>
-          </p:cNvPicPr>
-          <p:nvPr/>
-        </p:nvPicPr>
-        <p:blipFill>
-          <a:blip r:embed="rId2">
-            <a:extLst>
-              <a:ext uri="{28A0092B-C50C-407E-A947-70E740481C1C}">
-                <a14:useLocalDpi xmlns:a14="http://schemas.microsoft.com/office/drawing/2010/main" val="0"/>
-              </a:ext>
-            </a:extLst>
-          </a:blip>
-          <a:stretch>
-            <a:fillRect/>
-          </a:stretch>
-        </p:blipFill>
-        <p:spPr>
-          <a:xfrm>
-            <a:off x="0" y="2319129"/>
-            <a:ext cx="4252251" cy="4538871"/>
-          </a:xfrm>
-          <a:prstGeom prst="rect">
-            <a:avLst/>
-          </a:prstGeom>
-        </p:spPr>
-      </p:pic>
-      <p:sp>
-        <p:nvSpPr>
-          <p:cNvPr id="6" name="Content Placeholder 2">
-            <a:extLst>
-              <a:ext uri="{FF2B5EF4-FFF2-40B4-BE49-F238E27FC236}">
-                <a16:creationId xmlns:a16="http://schemas.microsoft.com/office/drawing/2014/main" id="{B7C7AC3E-A7EB-D2ED-024A-50A63CD03467}"/>
-              </a:ext>
-            </a:extLst>
-          </p:cNvPr>
-          <p:cNvSpPr>
-            <a:spLocks noGrp="1"/>
-          </p:cNvSpPr>
-          <p:nvPr>
-            <p:ph idx="1"/>
-          </p:nvPr>
-        </p:nvSpPr>
-        <p:spPr>
-          <a:xfrm>
-            <a:off x="4252251" y="2468032"/>
-            <a:ext cx="7939749" cy="4264072"/>
-          </a:xfrm>
-        </p:spPr>
-        <p:txBody>
-          <a:bodyPr>
-            <a:normAutofit lnSpcReduction="10000"/>
-          </a:bodyPr>
-          <a:lstStyle/>
-          <a:p>
-            <a:r>
-              <a:rPr lang="en-US" dirty="0" err="1"/>
-              <a:t>Kubelet</a:t>
-            </a:r>
-            <a:r>
-              <a:rPr lang="en-US" dirty="0"/>
-              <a:t> is an agent component that runs on every node in cluster, run as daemon &amp; managed by system.</a:t>
-            </a:r>
-          </a:p>
-          <a:p>
-            <a:r>
-              <a:rPr lang="en-US" dirty="0"/>
-              <a:t>Responsible for registering worker node with API server</a:t>
-            </a:r>
-          </a:p>
-          <a:p>
-            <a:r>
-              <a:rPr lang="en-US" dirty="0"/>
-              <a:t>Create, modify &amp; delete containers for the pod</a:t>
-            </a:r>
-          </a:p>
-          <a:p>
-            <a:r>
-              <a:rPr lang="en-US" dirty="0"/>
-              <a:t>Responsible for liveliness, readiness &amp; startup probe</a:t>
-            </a:r>
-          </a:p>
-          <a:p>
-            <a:r>
-              <a:rPr lang="en-US" dirty="0"/>
-              <a:t>Responsible for mounting volumes &amp; required operations on host</a:t>
-            </a:r>
-          </a:p>
-          <a:p>
-            <a:r>
-              <a:rPr lang="en-US" dirty="0"/>
-              <a:t>Collect and report node and pod status via API server</a:t>
-            </a:r>
-          </a:p>
-          <a:p>
-            <a:r>
-              <a:rPr lang="en-US" dirty="0"/>
-              <a:t>Working with </a:t>
-            </a:r>
-            <a:r>
-              <a:rPr lang="en-US" dirty="0" err="1"/>
-              <a:t>podSpec</a:t>
-            </a:r>
-            <a:r>
-              <a:rPr lang="en-US" dirty="0"/>
-              <a:t> (pod specification– YAML/JSON) from API server</a:t>
-            </a:r>
-          </a:p>
-          <a:p>
-            <a:r>
-              <a:rPr lang="en-US" dirty="0" err="1"/>
-              <a:t>podSpec</a:t>
-            </a:r>
-            <a:r>
-              <a:rPr lang="en-US" dirty="0"/>
-              <a:t> defines the container configuration item that run inside the pod, their resources – CPU &amp; Memory limits, environment variables, volumes &amp; labels</a:t>
-            </a:r>
           </a:p>
           <a:p>
             <a:endParaRPr lang="en-IN" dirty="0"/>
@@ -22536,1934 +19094,13 @@
     </p:spTree>
     <p:extLst>
       <p:ext uri="{BB962C8B-B14F-4D97-AF65-F5344CB8AC3E}">
-        <p14:creationId xmlns:p14="http://schemas.microsoft.com/office/powerpoint/2010/main" val="4089268528"/>
+        <p14:creationId xmlns:p14="http://schemas.microsoft.com/office/powerpoint/2010/main" val="2362687603"/>
       </p:ext>
     </p:extLst>
   </p:cSld>
   <p:clrMapOvr>
     <a:masterClrMapping/>
   </p:clrMapOvr>
-  <p:timing>
-    <p:tnLst>
-      <p:par>
-        <p:cTn id="1" dur="indefinite" restart="never" nodeType="tmRoot">
-          <p:childTnLst>
-            <p:seq concurrent="1" nextAc="seek">
-              <p:cTn id="2" dur="indefinite" nodeType="mainSeq">
-                <p:childTnLst>
-                  <p:par>
-                    <p:cTn id="3" fill="hold">
-                      <p:stCondLst>
-                        <p:cond delay="indefinite"/>
-                      </p:stCondLst>
-                      <p:childTnLst>
-                        <p:par>
-                          <p:cTn id="4" fill="hold">
-                            <p:stCondLst>
-                              <p:cond delay="0"/>
-                            </p:stCondLst>
-                            <p:childTnLst>
-                              <p:par>
-                                <p:cTn id="5" presetID="10" presetClass="entr" presetSubtype="0" fill="hold" grpId="0" nodeType="clickEffect">
-                                  <p:stCondLst>
-                                    <p:cond delay="0"/>
-                                  </p:stCondLst>
-                                  <p:childTnLst>
-                                    <p:set>
-                                      <p:cBhvr>
-                                        <p:cTn id="6" dur="1" fill="hold">
-                                          <p:stCondLst>
-                                            <p:cond delay="0"/>
-                                          </p:stCondLst>
-                                        </p:cTn>
-                                        <p:tgtEl>
-                                          <p:spTgt spid="2"/>
-                                        </p:tgtEl>
-                                        <p:attrNameLst>
-                                          <p:attrName>style.visibility</p:attrName>
-                                        </p:attrNameLst>
-                                      </p:cBhvr>
-                                      <p:to>
-                                        <p:strVal val="visible"/>
-                                      </p:to>
-                                    </p:set>
-                                    <p:animEffect transition="in" filter="fade">
-                                      <p:cBhvr>
-                                        <p:cTn id="7" dur="500"/>
-                                        <p:tgtEl>
-                                          <p:spTgt spid="2"/>
-                                        </p:tgtEl>
-                                      </p:cBhvr>
-                                    </p:animEffect>
-                                  </p:childTnLst>
-                                </p:cTn>
-                              </p:par>
-                            </p:childTnLst>
-                          </p:cTn>
-                        </p:par>
-                      </p:childTnLst>
-                    </p:cTn>
-                  </p:par>
-                  <p:par>
-                    <p:cTn id="8" fill="hold">
-                      <p:stCondLst>
-                        <p:cond delay="indefinite"/>
-                      </p:stCondLst>
-                      <p:childTnLst>
-                        <p:par>
-                          <p:cTn id="9" fill="hold">
-                            <p:stCondLst>
-                              <p:cond delay="0"/>
-                            </p:stCondLst>
-                            <p:childTnLst>
-                              <p:par>
-                                <p:cTn id="10" presetID="2" presetClass="entr" presetSubtype="4" fill="hold" nodeType="clickEffect">
-                                  <p:stCondLst>
-                                    <p:cond delay="0"/>
-                                  </p:stCondLst>
-                                  <p:childTnLst>
-                                    <p:set>
-                                      <p:cBhvr>
-                                        <p:cTn id="11" dur="1" fill="hold">
-                                          <p:stCondLst>
-                                            <p:cond delay="0"/>
-                                          </p:stCondLst>
-                                        </p:cTn>
-                                        <p:tgtEl>
-                                          <p:spTgt spid="5"/>
-                                        </p:tgtEl>
-                                        <p:attrNameLst>
-                                          <p:attrName>style.visibility</p:attrName>
-                                        </p:attrNameLst>
-                                      </p:cBhvr>
-                                      <p:to>
-                                        <p:strVal val="visible"/>
-                                      </p:to>
-                                    </p:set>
-                                    <p:anim calcmode="lin" valueType="num">
-                                      <p:cBhvr additive="base">
-                                        <p:cTn id="12" dur="500" fill="hold"/>
-                                        <p:tgtEl>
-                                          <p:spTgt spid="5"/>
-                                        </p:tgtEl>
-                                        <p:attrNameLst>
-                                          <p:attrName>ppt_x</p:attrName>
-                                        </p:attrNameLst>
-                                      </p:cBhvr>
-                                      <p:tavLst>
-                                        <p:tav tm="0">
-                                          <p:val>
-                                            <p:strVal val="#ppt_x"/>
-                                          </p:val>
-                                        </p:tav>
-                                        <p:tav tm="100000">
-                                          <p:val>
-                                            <p:strVal val="#ppt_x"/>
-                                          </p:val>
-                                        </p:tav>
-                                      </p:tavLst>
-                                    </p:anim>
-                                    <p:anim calcmode="lin" valueType="num">
-                                      <p:cBhvr additive="base">
-                                        <p:cTn id="13" dur="500" fill="hold"/>
-                                        <p:tgtEl>
-                                          <p:spTgt spid="5"/>
-                                        </p:tgtEl>
-                                        <p:attrNameLst>
-                                          <p:attrName>ppt_y</p:attrName>
-                                        </p:attrNameLst>
-                                      </p:cBhvr>
-                                      <p:tavLst>
-                                        <p:tav tm="0">
-                                          <p:val>
-                                            <p:strVal val="1+#ppt_h/2"/>
-                                          </p:val>
-                                        </p:tav>
-                                        <p:tav tm="100000">
-                                          <p:val>
-                                            <p:strVal val="#ppt_y"/>
-                                          </p:val>
-                                        </p:tav>
-                                      </p:tavLst>
-                                    </p:anim>
-                                  </p:childTnLst>
-                                </p:cTn>
-                              </p:par>
-                            </p:childTnLst>
-                          </p:cTn>
-                        </p:par>
-                      </p:childTnLst>
-                    </p:cTn>
-                  </p:par>
-                  <p:par>
-                    <p:cTn id="14" fill="hold">
-                      <p:stCondLst>
-                        <p:cond delay="indefinite"/>
-                      </p:stCondLst>
-                      <p:childTnLst>
-                        <p:par>
-                          <p:cTn id="15" fill="hold">
-                            <p:stCondLst>
-                              <p:cond delay="0"/>
-                            </p:stCondLst>
-                            <p:childTnLst>
-                              <p:par>
-                                <p:cTn id="16" presetID="42" presetClass="entr" presetSubtype="0" fill="hold" grpId="0" nodeType="clickEffect">
-                                  <p:stCondLst>
-                                    <p:cond delay="0"/>
-                                  </p:stCondLst>
-                                  <p:childTnLst>
-                                    <p:set>
-                                      <p:cBhvr>
-                                        <p:cTn id="17" dur="1" fill="hold">
-                                          <p:stCondLst>
-                                            <p:cond delay="0"/>
-                                          </p:stCondLst>
-                                        </p:cTn>
-                                        <p:tgtEl>
-                                          <p:spTgt spid="6">
-                                            <p:txEl>
-                                              <p:pRg st="0" end="0"/>
-                                            </p:txEl>
-                                          </p:spTgt>
-                                        </p:tgtEl>
-                                        <p:attrNameLst>
-                                          <p:attrName>style.visibility</p:attrName>
-                                        </p:attrNameLst>
-                                      </p:cBhvr>
-                                      <p:to>
-                                        <p:strVal val="visible"/>
-                                      </p:to>
-                                    </p:set>
-                                    <p:animEffect transition="in" filter="fade">
-                                      <p:cBhvr>
-                                        <p:cTn id="18" dur="1000"/>
-                                        <p:tgtEl>
-                                          <p:spTgt spid="6">
-                                            <p:txEl>
-                                              <p:pRg st="0" end="0"/>
-                                            </p:txEl>
-                                          </p:spTgt>
-                                        </p:tgtEl>
-                                      </p:cBhvr>
-                                    </p:animEffect>
-                                    <p:anim calcmode="lin" valueType="num">
-                                      <p:cBhvr>
-                                        <p:cTn id="19" dur="1000" fill="hold"/>
-                                        <p:tgtEl>
-                                          <p:spTgt spid="6">
-                                            <p:txEl>
-                                              <p:pRg st="0" end="0"/>
-                                            </p:txEl>
-                                          </p:spTgt>
-                                        </p:tgtEl>
-                                        <p:attrNameLst>
-                                          <p:attrName>ppt_x</p:attrName>
-                                        </p:attrNameLst>
-                                      </p:cBhvr>
-                                      <p:tavLst>
-                                        <p:tav tm="0">
-                                          <p:val>
-                                            <p:strVal val="#ppt_x"/>
-                                          </p:val>
-                                        </p:tav>
-                                        <p:tav tm="100000">
-                                          <p:val>
-                                            <p:strVal val="#ppt_x"/>
-                                          </p:val>
-                                        </p:tav>
-                                      </p:tavLst>
-                                    </p:anim>
-                                    <p:anim calcmode="lin" valueType="num">
-                                      <p:cBhvr>
-                                        <p:cTn id="20" dur="1000" fill="hold"/>
-                                        <p:tgtEl>
-                                          <p:spTgt spid="6">
-                                            <p:txEl>
-                                              <p:pRg st="0" end="0"/>
-                                            </p:txEl>
-                                          </p:spTgt>
-                                        </p:tgtEl>
-                                        <p:attrNameLst>
-                                          <p:attrName>ppt_y</p:attrName>
-                                        </p:attrNameLst>
-                                      </p:cBhvr>
-                                      <p:tavLst>
-                                        <p:tav tm="0">
-                                          <p:val>
-                                            <p:strVal val="#ppt_y+.1"/>
-                                          </p:val>
-                                        </p:tav>
-                                        <p:tav tm="100000">
-                                          <p:val>
-                                            <p:strVal val="#ppt_y"/>
-                                          </p:val>
-                                        </p:tav>
-                                      </p:tavLst>
-                                    </p:anim>
-                                  </p:childTnLst>
-                                </p:cTn>
-                              </p:par>
-                            </p:childTnLst>
-                          </p:cTn>
-                        </p:par>
-                      </p:childTnLst>
-                    </p:cTn>
-                  </p:par>
-                  <p:par>
-                    <p:cTn id="21" fill="hold">
-                      <p:stCondLst>
-                        <p:cond delay="indefinite"/>
-                      </p:stCondLst>
-                      <p:childTnLst>
-                        <p:par>
-                          <p:cTn id="22" fill="hold">
-                            <p:stCondLst>
-                              <p:cond delay="0"/>
-                            </p:stCondLst>
-                            <p:childTnLst>
-                              <p:par>
-                                <p:cTn id="23" presetID="42" presetClass="entr" presetSubtype="0" fill="hold" grpId="0" nodeType="clickEffect">
-                                  <p:stCondLst>
-                                    <p:cond delay="0"/>
-                                  </p:stCondLst>
-                                  <p:childTnLst>
-                                    <p:set>
-                                      <p:cBhvr>
-                                        <p:cTn id="24" dur="1" fill="hold">
-                                          <p:stCondLst>
-                                            <p:cond delay="0"/>
-                                          </p:stCondLst>
-                                        </p:cTn>
-                                        <p:tgtEl>
-                                          <p:spTgt spid="6">
-                                            <p:txEl>
-                                              <p:pRg st="1" end="1"/>
-                                            </p:txEl>
-                                          </p:spTgt>
-                                        </p:tgtEl>
-                                        <p:attrNameLst>
-                                          <p:attrName>style.visibility</p:attrName>
-                                        </p:attrNameLst>
-                                      </p:cBhvr>
-                                      <p:to>
-                                        <p:strVal val="visible"/>
-                                      </p:to>
-                                    </p:set>
-                                    <p:animEffect transition="in" filter="fade">
-                                      <p:cBhvr>
-                                        <p:cTn id="25" dur="1000"/>
-                                        <p:tgtEl>
-                                          <p:spTgt spid="6">
-                                            <p:txEl>
-                                              <p:pRg st="1" end="1"/>
-                                            </p:txEl>
-                                          </p:spTgt>
-                                        </p:tgtEl>
-                                      </p:cBhvr>
-                                    </p:animEffect>
-                                    <p:anim calcmode="lin" valueType="num">
-                                      <p:cBhvr>
-                                        <p:cTn id="26" dur="1000" fill="hold"/>
-                                        <p:tgtEl>
-                                          <p:spTgt spid="6">
-                                            <p:txEl>
-                                              <p:pRg st="1" end="1"/>
-                                            </p:txEl>
-                                          </p:spTgt>
-                                        </p:tgtEl>
-                                        <p:attrNameLst>
-                                          <p:attrName>ppt_x</p:attrName>
-                                        </p:attrNameLst>
-                                      </p:cBhvr>
-                                      <p:tavLst>
-                                        <p:tav tm="0">
-                                          <p:val>
-                                            <p:strVal val="#ppt_x"/>
-                                          </p:val>
-                                        </p:tav>
-                                        <p:tav tm="100000">
-                                          <p:val>
-                                            <p:strVal val="#ppt_x"/>
-                                          </p:val>
-                                        </p:tav>
-                                      </p:tavLst>
-                                    </p:anim>
-                                    <p:anim calcmode="lin" valueType="num">
-                                      <p:cBhvr>
-                                        <p:cTn id="27" dur="1000" fill="hold"/>
-                                        <p:tgtEl>
-                                          <p:spTgt spid="6">
-                                            <p:txEl>
-                                              <p:pRg st="1" end="1"/>
-                                            </p:txEl>
-                                          </p:spTgt>
-                                        </p:tgtEl>
-                                        <p:attrNameLst>
-                                          <p:attrName>ppt_y</p:attrName>
-                                        </p:attrNameLst>
-                                      </p:cBhvr>
-                                      <p:tavLst>
-                                        <p:tav tm="0">
-                                          <p:val>
-                                            <p:strVal val="#ppt_y+.1"/>
-                                          </p:val>
-                                        </p:tav>
-                                        <p:tav tm="100000">
-                                          <p:val>
-                                            <p:strVal val="#ppt_y"/>
-                                          </p:val>
-                                        </p:tav>
-                                      </p:tavLst>
-                                    </p:anim>
-                                  </p:childTnLst>
-                                </p:cTn>
-                              </p:par>
-                            </p:childTnLst>
-                          </p:cTn>
-                        </p:par>
-                      </p:childTnLst>
-                    </p:cTn>
-                  </p:par>
-                  <p:par>
-                    <p:cTn id="28" fill="hold">
-                      <p:stCondLst>
-                        <p:cond delay="indefinite"/>
-                      </p:stCondLst>
-                      <p:childTnLst>
-                        <p:par>
-                          <p:cTn id="29" fill="hold">
-                            <p:stCondLst>
-                              <p:cond delay="0"/>
-                            </p:stCondLst>
-                            <p:childTnLst>
-                              <p:par>
-                                <p:cTn id="30" presetID="42" presetClass="entr" presetSubtype="0" fill="hold" grpId="0" nodeType="clickEffect">
-                                  <p:stCondLst>
-                                    <p:cond delay="0"/>
-                                  </p:stCondLst>
-                                  <p:childTnLst>
-                                    <p:set>
-                                      <p:cBhvr>
-                                        <p:cTn id="31" dur="1" fill="hold">
-                                          <p:stCondLst>
-                                            <p:cond delay="0"/>
-                                          </p:stCondLst>
-                                        </p:cTn>
-                                        <p:tgtEl>
-                                          <p:spTgt spid="6">
-                                            <p:txEl>
-                                              <p:pRg st="2" end="2"/>
-                                            </p:txEl>
-                                          </p:spTgt>
-                                        </p:tgtEl>
-                                        <p:attrNameLst>
-                                          <p:attrName>style.visibility</p:attrName>
-                                        </p:attrNameLst>
-                                      </p:cBhvr>
-                                      <p:to>
-                                        <p:strVal val="visible"/>
-                                      </p:to>
-                                    </p:set>
-                                    <p:animEffect transition="in" filter="fade">
-                                      <p:cBhvr>
-                                        <p:cTn id="32" dur="1000"/>
-                                        <p:tgtEl>
-                                          <p:spTgt spid="6">
-                                            <p:txEl>
-                                              <p:pRg st="2" end="2"/>
-                                            </p:txEl>
-                                          </p:spTgt>
-                                        </p:tgtEl>
-                                      </p:cBhvr>
-                                    </p:animEffect>
-                                    <p:anim calcmode="lin" valueType="num">
-                                      <p:cBhvr>
-                                        <p:cTn id="33" dur="1000" fill="hold"/>
-                                        <p:tgtEl>
-                                          <p:spTgt spid="6">
-                                            <p:txEl>
-                                              <p:pRg st="2" end="2"/>
-                                            </p:txEl>
-                                          </p:spTgt>
-                                        </p:tgtEl>
-                                        <p:attrNameLst>
-                                          <p:attrName>ppt_x</p:attrName>
-                                        </p:attrNameLst>
-                                      </p:cBhvr>
-                                      <p:tavLst>
-                                        <p:tav tm="0">
-                                          <p:val>
-                                            <p:strVal val="#ppt_x"/>
-                                          </p:val>
-                                        </p:tav>
-                                        <p:tav tm="100000">
-                                          <p:val>
-                                            <p:strVal val="#ppt_x"/>
-                                          </p:val>
-                                        </p:tav>
-                                      </p:tavLst>
-                                    </p:anim>
-                                    <p:anim calcmode="lin" valueType="num">
-                                      <p:cBhvr>
-                                        <p:cTn id="34" dur="1000" fill="hold"/>
-                                        <p:tgtEl>
-                                          <p:spTgt spid="6">
-                                            <p:txEl>
-                                              <p:pRg st="2" end="2"/>
-                                            </p:txEl>
-                                          </p:spTgt>
-                                        </p:tgtEl>
-                                        <p:attrNameLst>
-                                          <p:attrName>ppt_y</p:attrName>
-                                        </p:attrNameLst>
-                                      </p:cBhvr>
-                                      <p:tavLst>
-                                        <p:tav tm="0">
-                                          <p:val>
-                                            <p:strVal val="#ppt_y+.1"/>
-                                          </p:val>
-                                        </p:tav>
-                                        <p:tav tm="100000">
-                                          <p:val>
-                                            <p:strVal val="#ppt_y"/>
-                                          </p:val>
-                                        </p:tav>
-                                      </p:tavLst>
-                                    </p:anim>
-                                  </p:childTnLst>
-                                </p:cTn>
-                              </p:par>
-                            </p:childTnLst>
-                          </p:cTn>
-                        </p:par>
-                      </p:childTnLst>
-                    </p:cTn>
-                  </p:par>
-                  <p:par>
-                    <p:cTn id="35" fill="hold">
-                      <p:stCondLst>
-                        <p:cond delay="indefinite"/>
-                      </p:stCondLst>
-                      <p:childTnLst>
-                        <p:par>
-                          <p:cTn id="36" fill="hold">
-                            <p:stCondLst>
-                              <p:cond delay="0"/>
-                            </p:stCondLst>
-                            <p:childTnLst>
-                              <p:par>
-                                <p:cTn id="37" presetID="42" presetClass="entr" presetSubtype="0" fill="hold" grpId="0" nodeType="clickEffect">
-                                  <p:stCondLst>
-                                    <p:cond delay="0"/>
-                                  </p:stCondLst>
-                                  <p:childTnLst>
-                                    <p:set>
-                                      <p:cBhvr>
-                                        <p:cTn id="38" dur="1" fill="hold">
-                                          <p:stCondLst>
-                                            <p:cond delay="0"/>
-                                          </p:stCondLst>
-                                        </p:cTn>
-                                        <p:tgtEl>
-                                          <p:spTgt spid="6">
-                                            <p:txEl>
-                                              <p:pRg st="3" end="3"/>
-                                            </p:txEl>
-                                          </p:spTgt>
-                                        </p:tgtEl>
-                                        <p:attrNameLst>
-                                          <p:attrName>style.visibility</p:attrName>
-                                        </p:attrNameLst>
-                                      </p:cBhvr>
-                                      <p:to>
-                                        <p:strVal val="visible"/>
-                                      </p:to>
-                                    </p:set>
-                                    <p:animEffect transition="in" filter="fade">
-                                      <p:cBhvr>
-                                        <p:cTn id="39" dur="1000"/>
-                                        <p:tgtEl>
-                                          <p:spTgt spid="6">
-                                            <p:txEl>
-                                              <p:pRg st="3" end="3"/>
-                                            </p:txEl>
-                                          </p:spTgt>
-                                        </p:tgtEl>
-                                      </p:cBhvr>
-                                    </p:animEffect>
-                                    <p:anim calcmode="lin" valueType="num">
-                                      <p:cBhvr>
-                                        <p:cTn id="40" dur="1000" fill="hold"/>
-                                        <p:tgtEl>
-                                          <p:spTgt spid="6">
-                                            <p:txEl>
-                                              <p:pRg st="3" end="3"/>
-                                            </p:txEl>
-                                          </p:spTgt>
-                                        </p:tgtEl>
-                                        <p:attrNameLst>
-                                          <p:attrName>ppt_x</p:attrName>
-                                        </p:attrNameLst>
-                                      </p:cBhvr>
-                                      <p:tavLst>
-                                        <p:tav tm="0">
-                                          <p:val>
-                                            <p:strVal val="#ppt_x"/>
-                                          </p:val>
-                                        </p:tav>
-                                        <p:tav tm="100000">
-                                          <p:val>
-                                            <p:strVal val="#ppt_x"/>
-                                          </p:val>
-                                        </p:tav>
-                                      </p:tavLst>
-                                    </p:anim>
-                                    <p:anim calcmode="lin" valueType="num">
-                                      <p:cBhvr>
-                                        <p:cTn id="41" dur="1000" fill="hold"/>
-                                        <p:tgtEl>
-                                          <p:spTgt spid="6">
-                                            <p:txEl>
-                                              <p:pRg st="3" end="3"/>
-                                            </p:txEl>
-                                          </p:spTgt>
-                                        </p:tgtEl>
-                                        <p:attrNameLst>
-                                          <p:attrName>ppt_y</p:attrName>
-                                        </p:attrNameLst>
-                                      </p:cBhvr>
-                                      <p:tavLst>
-                                        <p:tav tm="0">
-                                          <p:val>
-                                            <p:strVal val="#ppt_y+.1"/>
-                                          </p:val>
-                                        </p:tav>
-                                        <p:tav tm="100000">
-                                          <p:val>
-                                            <p:strVal val="#ppt_y"/>
-                                          </p:val>
-                                        </p:tav>
-                                      </p:tavLst>
-                                    </p:anim>
-                                  </p:childTnLst>
-                                </p:cTn>
-                              </p:par>
-                            </p:childTnLst>
-                          </p:cTn>
-                        </p:par>
-                      </p:childTnLst>
-                    </p:cTn>
-                  </p:par>
-                  <p:par>
-                    <p:cTn id="42" fill="hold">
-                      <p:stCondLst>
-                        <p:cond delay="indefinite"/>
-                      </p:stCondLst>
-                      <p:childTnLst>
-                        <p:par>
-                          <p:cTn id="43" fill="hold">
-                            <p:stCondLst>
-                              <p:cond delay="0"/>
-                            </p:stCondLst>
-                            <p:childTnLst>
-                              <p:par>
-                                <p:cTn id="44" presetID="42" presetClass="entr" presetSubtype="0" fill="hold" grpId="0" nodeType="clickEffect">
-                                  <p:stCondLst>
-                                    <p:cond delay="0"/>
-                                  </p:stCondLst>
-                                  <p:childTnLst>
-                                    <p:set>
-                                      <p:cBhvr>
-                                        <p:cTn id="45" dur="1" fill="hold">
-                                          <p:stCondLst>
-                                            <p:cond delay="0"/>
-                                          </p:stCondLst>
-                                        </p:cTn>
-                                        <p:tgtEl>
-                                          <p:spTgt spid="6">
-                                            <p:txEl>
-                                              <p:pRg st="4" end="4"/>
-                                            </p:txEl>
-                                          </p:spTgt>
-                                        </p:tgtEl>
-                                        <p:attrNameLst>
-                                          <p:attrName>style.visibility</p:attrName>
-                                        </p:attrNameLst>
-                                      </p:cBhvr>
-                                      <p:to>
-                                        <p:strVal val="visible"/>
-                                      </p:to>
-                                    </p:set>
-                                    <p:animEffect transition="in" filter="fade">
-                                      <p:cBhvr>
-                                        <p:cTn id="46" dur="1000"/>
-                                        <p:tgtEl>
-                                          <p:spTgt spid="6">
-                                            <p:txEl>
-                                              <p:pRg st="4" end="4"/>
-                                            </p:txEl>
-                                          </p:spTgt>
-                                        </p:tgtEl>
-                                      </p:cBhvr>
-                                    </p:animEffect>
-                                    <p:anim calcmode="lin" valueType="num">
-                                      <p:cBhvr>
-                                        <p:cTn id="47" dur="1000" fill="hold"/>
-                                        <p:tgtEl>
-                                          <p:spTgt spid="6">
-                                            <p:txEl>
-                                              <p:pRg st="4" end="4"/>
-                                            </p:txEl>
-                                          </p:spTgt>
-                                        </p:tgtEl>
-                                        <p:attrNameLst>
-                                          <p:attrName>ppt_x</p:attrName>
-                                        </p:attrNameLst>
-                                      </p:cBhvr>
-                                      <p:tavLst>
-                                        <p:tav tm="0">
-                                          <p:val>
-                                            <p:strVal val="#ppt_x"/>
-                                          </p:val>
-                                        </p:tav>
-                                        <p:tav tm="100000">
-                                          <p:val>
-                                            <p:strVal val="#ppt_x"/>
-                                          </p:val>
-                                        </p:tav>
-                                      </p:tavLst>
-                                    </p:anim>
-                                    <p:anim calcmode="lin" valueType="num">
-                                      <p:cBhvr>
-                                        <p:cTn id="48" dur="1000" fill="hold"/>
-                                        <p:tgtEl>
-                                          <p:spTgt spid="6">
-                                            <p:txEl>
-                                              <p:pRg st="4" end="4"/>
-                                            </p:txEl>
-                                          </p:spTgt>
-                                        </p:tgtEl>
-                                        <p:attrNameLst>
-                                          <p:attrName>ppt_y</p:attrName>
-                                        </p:attrNameLst>
-                                      </p:cBhvr>
-                                      <p:tavLst>
-                                        <p:tav tm="0">
-                                          <p:val>
-                                            <p:strVal val="#ppt_y+.1"/>
-                                          </p:val>
-                                        </p:tav>
-                                        <p:tav tm="100000">
-                                          <p:val>
-                                            <p:strVal val="#ppt_y"/>
-                                          </p:val>
-                                        </p:tav>
-                                      </p:tavLst>
-                                    </p:anim>
-                                  </p:childTnLst>
-                                </p:cTn>
-                              </p:par>
-                            </p:childTnLst>
-                          </p:cTn>
-                        </p:par>
-                      </p:childTnLst>
-                    </p:cTn>
-                  </p:par>
-                  <p:par>
-                    <p:cTn id="49" fill="hold">
-                      <p:stCondLst>
-                        <p:cond delay="indefinite"/>
-                      </p:stCondLst>
-                      <p:childTnLst>
-                        <p:par>
-                          <p:cTn id="50" fill="hold">
-                            <p:stCondLst>
-                              <p:cond delay="0"/>
-                            </p:stCondLst>
-                            <p:childTnLst>
-                              <p:par>
-                                <p:cTn id="51" presetID="42" presetClass="entr" presetSubtype="0" fill="hold" grpId="0" nodeType="clickEffect">
-                                  <p:stCondLst>
-                                    <p:cond delay="0"/>
-                                  </p:stCondLst>
-                                  <p:childTnLst>
-                                    <p:set>
-                                      <p:cBhvr>
-                                        <p:cTn id="52" dur="1" fill="hold">
-                                          <p:stCondLst>
-                                            <p:cond delay="0"/>
-                                          </p:stCondLst>
-                                        </p:cTn>
-                                        <p:tgtEl>
-                                          <p:spTgt spid="6">
-                                            <p:txEl>
-                                              <p:pRg st="5" end="5"/>
-                                            </p:txEl>
-                                          </p:spTgt>
-                                        </p:tgtEl>
-                                        <p:attrNameLst>
-                                          <p:attrName>style.visibility</p:attrName>
-                                        </p:attrNameLst>
-                                      </p:cBhvr>
-                                      <p:to>
-                                        <p:strVal val="visible"/>
-                                      </p:to>
-                                    </p:set>
-                                    <p:animEffect transition="in" filter="fade">
-                                      <p:cBhvr>
-                                        <p:cTn id="53" dur="1000"/>
-                                        <p:tgtEl>
-                                          <p:spTgt spid="6">
-                                            <p:txEl>
-                                              <p:pRg st="5" end="5"/>
-                                            </p:txEl>
-                                          </p:spTgt>
-                                        </p:tgtEl>
-                                      </p:cBhvr>
-                                    </p:animEffect>
-                                    <p:anim calcmode="lin" valueType="num">
-                                      <p:cBhvr>
-                                        <p:cTn id="54" dur="1000" fill="hold"/>
-                                        <p:tgtEl>
-                                          <p:spTgt spid="6">
-                                            <p:txEl>
-                                              <p:pRg st="5" end="5"/>
-                                            </p:txEl>
-                                          </p:spTgt>
-                                        </p:tgtEl>
-                                        <p:attrNameLst>
-                                          <p:attrName>ppt_x</p:attrName>
-                                        </p:attrNameLst>
-                                      </p:cBhvr>
-                                      <p:tavLst>
-                                        <p:tav tm="0">
-                                          <p:val>
-                                            <p:strVal val="#ppt_x"/>
-                                          </p:val>
-                                        </p:tav>
-                                        <p:tav tm="100000">
-                                          <p:val>
-                                            <p:strVal val="#ppt_x"/>
-                                          </p:val>
-                                        </p:tav>
-                                      </p:tavLst>
-                                    </p:anim>
-                                    <p:anim calcmode="lin" valueType="num">
-                                      <p:cBhvr>
-                                        <p:cTn id="55" dur="1000" fill="hold"/>
-                                        <p:tgtEl>
-                                          <p:spTgt spid="6">
-                                            <p:txEl>
-                                              <p:pRg st="5" end="5"/>
-                                            </p:txEl>
-                                          </p:spTgt>
-                                        </p:tgtEl>
-                                        <p:attrNameLst>
-                                          <p:attrName>ppt_y</p:attrName>
-                                        </p:attrNameLst>
-                                      </p:cBhvr>
-                                      <p:tavLst>
-                                        <p:tav tm="0">
-                                          <p:val>
-                                            <p:strVal val="#ppt_y+.1"/>
-                                          </p:val>
-                                        </p:tav>
-                                        <p:tav tm="100000">
-                                          <p:val>
-                                            <p:strVal val="#ppt_y"/>
-                                          </p:val>
-                                        </p:tav>
-                                      </p:tavLst>
-                                    </p:anim>
-                                  </p:childTnLst>
-                                </p:cTn>
-                              </p:par>
-                            </p:childTnLst>
-                          </p:cTn>
-                        </p:par>
-                      </p:childTnLst>
-                    </p:cTn>
-                  </p:par>
-                  <p:par>
-                    <p:cTn id="56" fill="hold">
-                      <p:stCondLst>
-                        <p:cond delay="indefinite"/>
-                      </p:stCondLst>
-                      <p:childTnLst>
-                        <p:par>
-                          <p:cTn id="57" fill="hold">
-                            <p:stCondLst>
-                              <p:cond delay="0"/>
-                            </p:stCondLst>
-                            <p:childTnLst>
-                              <p:par>
-                                <p:cTn id="58" presetID="42" presetClass="entr" presetSubtype="0" fill="hold" grpId="0" nodeType="clickEffect">
-                                  <p:stCondLst>
-                                    <p:cond delay="0"/>
-                                  </p:stCondLst>
-                                  <p:childTnLst>
-                                    <p:set>
-                                      <p:cBhvr>
-                                        <p:cTn id="59" dur="1" fill="hold">
-                                          <p:stCondLst>
-                                            <p:cond delay="0"/>
-                                          </p:stCondLst>
-                                        </p:cTn>
-                                        <p:tgtEl>
-                                          <p:spTgt spid="6">
-                                            <p:txEl>
-                                              <p:pRg st="6" end="6"/>
-                                            </p:txEl>
-                                          </p:spTgt>
-                                        </p:tgtEl>
-                                        <p:attrNameLst>
-                                          <p:attrName>style.visibility</p:attrName>
-                                        </p:attrNameLst>
-                                      </p:cBhvr>
-                                      <p:to>
-                                        <p:strVal val="visible"/>
-                                      </p:to>
-                                    </p:set>
-                                    <p:animEffect transition="in" filter="fade">
-                                      <p:cBhvr>
-                                        <p:cTn id="60" dur="1000"/>
-                                        <p:tgtEl>
-                                          <p:spTgt spid="6">
-                                            <p:txEl>
-                                              <p:pRg st="6" end="6"/>
-                                            </p:txEl>
-                                          </p:spTgt>
-                                        </p:tgtEl>
-                                      </p:cBhvr>
-                                    </p:animEffect>
-                                    <p:anim calcmode="lin" valueType="num">
-                                      <p:cBhvr>
-                                        <p:cTn id="61" dur="1000" fill="hold"/>
-                                        <p:tgtEl>
-                                          <p:spTgt spid="6">
-                                            <p:txEl>
-                                              <p:pRg st="6" end="6"/>
-                                            </p:txEl>
-                                          </p:spTgt>
-                                        </p:tgtEl>
-                                        <p:attrNameLst>
-                                          <p:attrName>ppt_x</p:attrName>
-                                        </p:attrNameLst>
-                                      </p:cBhvr>
-                                      <p:tavLst>
-                                        <p:tav tm="0">
-                                          <p:val>
-                                            <p:strVal val="#ppt_x"/>
-                                          </p:val>
-                                        </p:tav>
-                                        <p:tav tm="100000">
-                                          <p:val>
-                                            <p:strVal val="#ppt_x"/>
-                                          </p:val>
-                                        </p:tav>
-                                      </p:tavLst>
-                                    </p:anim>
-                                    <p:anim calcmode="lin" valueType="num">
-                                      <p:cBhvr>
-                                        <p:cTn id="62" dur="1000" fill="hold"/>
-                                        <p:tgtEl>
-                                          <p:spTgt spid="6">
-                                            <p:txEl>
-                                              <p:pRg st="6" end="6"/>
-                                            </p:txEl>
-                                          </p:spTgt>
-                                        </p:tgtEl>
-                                        <p:attrNameLst>
-                                          <p:attrName>ppt_y</p:attrName>
-                                        </p:attrNameLst>
-                                      </p:cBhvr>
-                                      <p:tavLst>
-                                        <p:tav tm="0">
-                                          <p:val>
-                                            <p:strVal val="#ppt_y+.1"/>
-                                          </p:val>
-                                        </p:tav>
-                                        <p:tav tm="100000">
-                                          <p:val>
-                                            <p:strVal val="#ppt_y"/>
-                                          </p:val>
-                                        </p:tav>
-                                      </p:tavLst>
-                                    </p:anim>
-                                  </p:childTnLst>
-                                </p:cTn>
-                              </p:par>
-                            </p:childTnLst>
-                          </p:cTn>
-                        </p:par>
-                      </p:childTnLst>
-                    </p:cTn>
-                  </p:par>
-                  <p:par>
-                    <p:cTn id="63" fill="hold">
-                      <p:stCondLst>
-                        <p:cond delay="indefinite"/>
-                      </p:stCondLst>
-                      <p:childTnLst>
-                        <p:par>
-                          <p:cTn id="64" fill="hold">
-                            <p:stCondLst>
-                              <p:cond delay="0"/>
-                            </p:stCondLst>
-                            <p:childTnLst>
-                              <p:par>
-                                <p:cTn id="65" presetID="42" presetClass="entr" presetSubtype="0" fill="hold" grpId="0" nodeType="clickEffect">
-                                  <p:stCondLst>
-                                    <p:cond delay="0"/>
-                                  </p:stCondLst>
-                                  <p:childTnLst>
-                                    <p:set>
-                                      <p:cBhvr>
-                                        <p:cTn id="66" dur="1" fill="hold">
-                                          <p:stCondLst>
-                                            <p:cond delay="0"/>
-                                          </p:stCondLst>
-                                        </p:cTn>
-                                        <p:tgtEl>
-                                          <p:spTgt spid="6">
-                                            <p:txEl>
-                                              <p:pRg st="7" end="7"/>
-                                            </p:txEl>
-                                          </p:spTgt>
-                                        </p:tgtEl>
-                                        <p:attrNameLst>
-                                          <p:attrName>style.visibility</p:attrName>
-                                        </p:attrNameLst>
-                                      </p:cBhvr>
-                                      <p:to>
-                                        <p:strVal val="visible"/>
-                                      </p:to>
-                                    </p:set>
-                                    <p:animEffect transition="in" filter="fade">
-                                      <p:cBhvr>
-                                        <p:cTn id="67" dur="1000"/>
-                                        <p:tgtEl>
-                                          <p:spTgt spid="6">
-                                            <p:txEl>
-                                              <p:pRg st="7" end="7"/>
-                                            </p:txEl>
-                                          </p:spTgt>
-                                        </p:tgtEl>
-                                      </p:cBhvr>
-                                    </p:animEffect>
-                                    <p:anim calcmode="lin" valueType="num">
-                                      <p:cBhvr>
-                                        <p:cTn id="68" dur="1000" fill="hold"/>
-                                        <p:tgtEl>
-                                          <p:spTgt spid="6">
-                                            <p:txEl>
-                                              <p:pRg st="7" end="7"/>
-                                            </p:txEl>
-                                          </p:spTgt>
-                                        </p:tgtEl>
-                                        <p:attrNameLst>
-                                          <p:attrName>ppt_x</p:attrName>
-                                        </p:attrNameLst>
-                                      </p:cBhvr>
-                                      <p:tavLst>
-                                        <p:tav tm="0">
-                                          <p:val>
-                                            <p:strVal val="#ppt_x"/>
-                                          </p:val>
-                                        </p:tav>
-                                        <p:tav tm="100000">
-                                          <p:val>
-                                            <p:strVal val="#ppt_x"/>
-                                          </p:val>
-                                        </p:tav>
-                                      </p:tavLst>
-                                    </p:anim>
-                                    <p:anim calcmode="lin" valueType="num">
-                                      <p:cBhvr>
-                                        <p:cTn id="69" dur="1000" fill="hold"/>
-                                        <p:tgtEl>
-                                          <p:spTgt spid="6">
-                                            <p:txEl>
-                                              <p:pRg st="7" end="7"/>
-                                            </p:txEl>
-                                          </p:spTgt>
-                                        </p:tgtEl>
-                                        <p:attrNameLst>
-                                          <p:attrName>ppt_y</p:attrName>
-                                        </p:attrNameLst>
-                                      </p:cBhvr>
-                                      <p:tavLst>
-                                        <p:tav tm="0">
-                                          <p:val>
-                                            <p:strVal val="#ppt_y+.1"/>
-                                          </p:val>
-                                        </p:tav>
-                                        <p:tav tm="100000">
-                                          <p:val>
-                                            <p:strVal val="#ppt_y"/>
-                                          </p:val>
-                                        </p:tav>
-                                      </p:tavLst>
-                                    </p:anim>
-                                  </p:childTnLst>
-                                </p:cTn>
-                              </p:par>
-                            </p:childTnLst>
-                          </p:cTn>
-                        </p:par>
-                      </p:childTnLst>
-                    </p:cTn>
-                  </p:par>
-                </p:childTnLst>
-              </p:cTn>
-              <p:prevCondLst>
-                <p:cond evt="onPrev" delay="0">
-                  <p:tgtEl>
-                    <p:sldTgt/>
-                  </p:tgtEl>
-                </p:cond>
-              </p:prevCondLst>
-              <p:nextCondLst>
-                <p:cond evt="onNext" delay="0">
-                  <p:tgtEl>
-                    <p:sldTgt/>
-                  </p:tgtEl>
-                </p:cond>
-              </p:nextCondLst>
-            </p:seq>
-          </p:childTnLst>
-        </p:cTn>
-      </p:par>
-    </p:tnLst>
-    <p:bldLst>
-      <p:bldP spid="2" grpId="0"/>
-      <p:bldP spid="6" grpId="0" build="p"/>
-    </p:bldLst>
-  </p:timing>
-</p:sld>
-</file>
-
-<file path=ppt/slides/slide9.xml><?xml version="1.0" encoding="utf-8"?>
-<p:sld xmlns:a="http://schemas.openxmlformats.org/drawingml/2006/main" xmlns:r="http://schemas.openxmlformats.org/officeDocument/2006/relationships" xmlns:p="http://schemas.openxmlformats.org/presentationml/2006/main">
-  <p:cSld>
-    <p:spTree>
-      <p:nvGrpSpPr>
-        <p:cNvPr id="1" name=""/>
-        <p:cNvGrpSpPr/>
-        <p:nvPr/>
-      </p:nvGrpSpPr>
-      <p:grpSpPr>
-        <a:xfrm>
-          <a:off x="0" y="0"/>
-          <a:ext cx="0" cy="0"/>
-          <a:chOff x="0" y="0"/>
-          <a:chExt cx="0" cy="0"/>
-        </a:xfrm>
-      </p:grpSpPr>
-      <p:sp>
-        <p:nvSpPr>
-          <p:cNvPr id="2" name="Title 1">
-            <a:extLst>
-              <a:ext uri="{FF2B5EF4-FFF2-40B4-BE49-F238E27FC236}">
-                <a16:creationId xmlns:a16="http://schemas.microsoft.com/office/drawing/2014/main" id="{97BC34CC-2191-086A-75CD-07624340C7B3}"/>
-              </a:ext>
-            </a:extLst>
-          </p:cNvPr>
-          <p:cNvSpPr>
-            <a:spLocks noGrp="1"/>
-          </p:cNvSpPr>
-          <p:nvPr>
-            <p:ph type="title"/>
-          </p:nvPr>
-        </p:nvSpPr>
-        <p:spPr>
-          <a:xfrm>
-            <a:off x="755374" y="973668"/>
-            <a:ext cx="9851666" cy="706964"/>
-          </a:xfrm>
-        </p:spPr>
-        <p:txBody>
-          <a:bodyPr/>
-          <a:lstStyle/>
-          <a:p>
-            <a:r>
-              <a:rPr lang="en-US" sz="2600" dirty="0"/>
-              <a:t>KUBERNETES – WORKER NODE – KUBEP-ROXY ARCHITECTURE</a:t>
-            </a:r>
-            <a:endParaRPr lang="en-IN" sz="2600" dirty="0"/>
-          </a:p>
-        </p:txBody>
-      </p:sp>
-      <p:sp>
-        <p:nvSpPr>
-          <p:cNvPr id="6" name="Content Placeholder 2">
-            <a:extLst>
-              <a:ext uri="{FF2B5EF4-FFF2-40B4-BE49-F238E27FC236}">
-                <a16:creationId xmlns:a16="http://schemas.microsoft.com/office/drawing/2014/main" id="{B7C7AC3E-A7EB-D2ED-024A-50A63CD03467}"/>
-              </a:ext>
-            </a:extLst>
-          </p:cNvPr>
-          <p:cNvSpPr>
-            <a:spLocks noGrp="1"/>
-          </p:cNvSpPr>
-          <p:nvPr>
-            <p:ph idx="1"/>
-          </p:nvPr>
-        </p:nvSpPr>
-        <p:spPr>
-          <a:xfrm>
-            <a:off x="4386586" y="2416772"/>
-            <a:ext cx="7939749" cy="4264072"/>
-          </a:xfrm>
-        </p:spPr>
-        <p:txBody>
-          <a:bodyPr>
-            <a:normAutofit/>
-          </a:bodyPr>
-          <a:lstStyle/>
-          <a:p>
-            <a:r>
-              <a:rPr lang="en-US" sz="2400" dirty="0" err="1"/>
-              <a:t>Kube</a:t>
-            </a:r>
-            <a:r>
-              <a:rPr lang="en-US" sz="2400" dirty="0"/>
-              <a:t>-proxy is daemon that runs on every node as a </a:t>
-            </a:r>
-            <a:r>
-              <a:rPr lang="en-US" sz="2400" dirty="0" err="1"/>
-              <a:t>daemonset</a:t>
-            </a:r>
-            <a:endParaRPr lang="en-US" sz="2400" dirty="0"/>
-          </a:p>
-          <a:p>
-            <a:r>
-              <a:rPr lang="en-US" sz="2400" dirty="0" err="1"/>
-              <a:t>Kube</a:t>
-            </a:r>
-            <a:r>
-              <a:rPr lang="en-US" sz="2400" dirty="0"/>
-              <a:t>-proxy is responsible for exposing pods services/endpoints both internally and externally</a:t>
-            </a:r>
-          </a:p>
-          <a:p>
-            <a:r>
-              <a:rPr lang="en-US" sz="2400" dirty="0" err="1"/>
-              <a:t>Kube</a:t>
-            </a:r>
-            <a:r>
-              <a:rPr lang="en-US" sz="2400" dirty="0"/>
-              <a:t>-proxy handles service discovery and load balancing</a:t>
-            </a:r>
-          </a:p>
-          <a:p>
-            <a:r>
-              <a:rPr lang="en-US" sz="2400" dirty="0" err="1"/>
-              <a:t>Kube</a:t>
-            </a:r>
-            <a:r>
-              <a:rPr lang="en-US" sz="2400" dirty="0"/>
-              <a:t>-proxy interact with API-server for any change in services (</a:t>
-            </a:r>
-            <a:r>
-              <a:rPr lang="en-US" sz="2400" dirty="0" err="1"/>
-              <a:t>clusterIP</a:t>
-            </a:r>
-            <a:r>
-              <a:rPr lang="en-US" sz="2400" dirty="0"/>
-              <a:t>) &amp; endpoints</a:t>
-            </a:r>
-          </a:p>
-          <a:p>
-            <a:endParaRPr lang="en-IN" sz="2400" dirty="0"/>
-          </a:p>
-        </p:txBody>
-      </p:sp>
-      <p:pic>
-        <p:nvPicPr>
-          <p:cNvPr id="4" name="Picture 3">
-            <a:extLst>
-              <a:ext uri="{FF2B5EF4-FFF2-40B4-BE49-F238E27FC236}">
-                <a16:creationId xmlns:a16="http://schemas.microsoft.com/office/drawing/2014/main" id="{0B3AD577-63E4-DC1A-BC64-91E58795E9CE}"/>
-              </a:ext>
-            </a:extLst>
-          </p:cNvPr>
-          <p:cNvPicPr>
-            <a:picLocks noChangeAspect="1"/>
-          </p:cNvPicPr>
-          <p:nvPr/>
-        </p:nvPicPr>
-        <p:blipFill>
-          <a:blip r:embed="rId2">
-            <a:extLst>
-              <a:ext uri="{28A0092B-C50C-407E-A947-70E740481C1C}">
-                <a14:useLocalDpi xmlns:a14="http://schemas.microsoft.com/office/drawing/2010/main" val="0"/>
-              </a:ext>
-            </a:extLst>
-          </a:blip>
-          <a:stretch>
-            <a:fillRect/>
-          </a:stretch>
-        </p:blipFill>
-        <p:spPr>
-          <a:xfrm>
-            <a:off x="0" y="2279374"/>
-            <a:ext cx="4386586" cy="4578626"/>
-          </a:xfrm>
-          <a:prstGeom prst="rect">
-            <a:avLst/>
-          </a:prstGeom>
-        </p:spPr>
-      </p:pic>
-    </p:spTree>
-    <p:extLst>
-      <p:ext uri="{BB962C8B-B14F-4D97-AF65-F5344CB8AC3E}">
-        <p14:creationId xmlns:p14="http://schemas.microsoft.com/office/powerpoint/2010/main" val="1068814813"/>
-      </p:ext>
-    </p:extLst>
-  </p:cSld>
-  <p:clrMapOvr>
-    <a:masterClrMapping/>
-  </p:clrMapOvr>
-  <p:timing>
-    <p:tnLst>
-      <p:par>
-        <p:cTn id="1" dur="indefinite" restart="never" nodeType="tmRoot">
-          <p:childTnLst>
-            <p:seq concurrent="1" nextAc="seek">
-              <p:cTn id="2" dur="indefinite" nodeType="mainSeq">
-                <p:childTnLst>
-                  <p:par>
-                    <p:cTn id="3" fill="hold">
-                      <p:stCondLst>
-                        <p:cond delay="indefinite"/>
-                      </p:stCondLst>
-                      <p:childTnLst>
-                        <p:par>
-                          <p:cTn id="4" fill="hold">
-                            <p:stCondLst>
-                              <p:cond delay="0"/>
-                            </p:stCondLst>
-                            <p:childTnLst>
-                              <p:par>
-                                <p:cTn id="5" presetID="10" presetClass="entr" presetSubtype="0" fill="hold" grpId="0" nodeType="clickEffect">
-                                  <p:stCondLst>
-                                    <p:cond delay="0"/>
-                                  </p:stCondLst>
-                                  <p:childTnLst>
-                                    <p:set>
-                                      <p:cBhvr>
-                                        <p:cTn id="6" dur="1" fill="hold">
-                                          <p:stCondLst>
-                                            <p:cond delay="0"/>
-                                          </p:stCondLst>
-                                        </p:cTn>
-                                        <p:tgtEl>
-                                          <p:spTgt spid="2"/>
-                                        </p:tgtEl>
-                                        <p:attrNameLst>
-                                          <p:attrName>style.visibility</p:attrName>
-                                        </p:attrNameLst>
-                                      </p:cBhvr>
-                                      <p:to>
-                                        <p:strVal val="visible"/>
-                                      </p:to>
-                                    </p:set>
-                                    <p:animEffect transition="in" filter="fade">
-                                      <p:cBhvr>
-                                        <p:cTn id="7" dur="500"/>
-                                        <p:tgtEl>
-                                          <p:spTgt spid="2"/>
-                                        </p:tgtEl>
-                                      </p:cBhvr>
-                                    </p:animEffect>
-                                  </p:childTnLst>
-                                </p:cTn>
-                              </p:par>
-                            </p:childTnLst>
-                          </p:cTn>
-                        </p:par>
-                      </p:childTnLst>
-                    </p:cTn>
-                  </p:par>
-                  <p:par>
-                    <p:cTn id="8" fill="hold">
-                      <p:stCondLst>
-                        <p:cond delay="indefinite"/>
-                      </p:stCondLst>
-                      <p:childTnLst>
-                        <p:par>
-                          <p:cTn id="9" fill="hold">
-                            <p:stCondLst>
-                              <p:cond delay="0"/>
-                            </p:stCondLst>
-                            <p:childTnLst>
-                              <p:par>
-                                <p:cTn id="10" presetID="2" presetClass="entr" presetSubtype="4" fill="hold" nodeType="clickEffect">
-                                  <p:stCondLst>
-                                    <p:cond delay="0"/>
-                                  </p:stCondLst>
-                                  <p:childTnLst>
-                                    <p:set>
-                                      <p:cBhvr>
-                                        <p:cTn id="11" dur="1" fill="hold">
-                                          <p:stCondLst>
-                                            <p:cond delay="0"/>
-                                          </p:stCondLst>
-                                        </p:cTn>
-                                        <p:tgtEl>
-                                          <p:spTgt spid="4"/>
-                                        </p:tgtEl>
-                                        <p:attrNameLst>
-                                          <p:attrName>style.visibility</p:attrName>
-                                        </p:attrNameLst>
-                                      </p:cBhvr>
-                                      <p:to>
-                                        <p:strVal val="visible"/>
-                                      </p:to>
-                                    </p:set>
-                                    <p:anim calcmode="lin" valueType="num">
-                                      <p:cBhvr additive="base">
-                                        <p:cTn id="12" dur="500" fill="hold"/>
-                                        <p:tgtEl>
-                                          <p:spTgt spid="4"/>
-                                        </p:tgtEl>
-                                        <p:attrNameLst>
-                                          <p:attrName>ppt_x</p:attrName>
-                                        </p:attrNameLst>
-                                      </p:cBhvr>
-                                      <p:tavLst>
-                                        <p:tav tm="0">
-                                          <p:val>
-                                            <p:strVal val="#ppt_x"/>
-                                          </p:val>
-                                        </p:tav>
-                                        <p:tav tm="100000">
-                                          <p:val>
-                                            <p:strVal val="#ppt_x"/>
-                                          </p:val>
-                                        </p:tav>
-                                      </p:tavLst>
-                                    </p:anim>
-                                    <p:anim calcmode="lin" valueType="num">
-                                      <p:cBhvr additive="base">
-                                        <p:cTn id="13" dur="500" fill="hold"/>
-                                        <p:tgtEl>
-                                          <p:spTgt spid="4"/>
-                                        </p:tgtEl>
-                                        <p:attrNameLst>
-                                          <p:attrName>ppt_y</p:attrName>
-                                        </p:attrNameLst>
-                                      </p:cBhvr>
-                                      <p:tavLst>
-                                        <p:tav tm="0">
-                                          <p:val>
-                                            <p:strVal val="1+#ppt_h/2"/>
-                                          </p:val>
-                                        </p:tav>
-                                        <p:tav tm="100000">
-                                          <p:val>
-                                            <p:strVal val="#ppt_y"/>
-                                          </p:val>
-                                        </p:tav>
-                                      </p:tavLst>
-                                    </p:anim>
-                                  </p:childTnLst>
-                                </p:cTn>
-                              </p:par>
-                            </p:childTnLst>
-                          </p:cTn>
-                        </p:par>
-                      </p:childTnLst>
-                    </p:cTn>
-                  </p:par>
-                  <p:par>
-                    <p:cTn id="14" fill="hold">
-                      <p:stCondLst>
-                        <p:cond delay="indefinite"/>
-                      </p:stCondLst>
-                      <p:childTnLst>
-                        <p:par>
-                          <p:cTn id="15" fill="hold">
-                            <p:stCondLst>
-                              <p:cond delay="0"/>
-                            </p:stCondLst>
-                            <p:childTnLst>
-                              <p:par>
-                                <p:cTn id="16" presetID="42" presetClass="entr" presetSubtype="0" fill="hold" grpId="0" nodeType="clickEffect">
-                                  <p:stCondLst>
-                                    <p:cond delay="0"/>
-                                  </p:stCondLst>
-                                  <p:childTnLst>
-                                    <p:set>
-                                      <p:cBhvr>
-                                        <p:cTn id="17" dur="1" fill="hold">
-                                          <p:stCondLst>
-                                            <p:cond delay="0"/>
-                                          </p:stCondLst>
-                                        </p:cTn>
-                                        <p:tgtEl>
-                                          <p:spTgt spid="6">
-                                            <p:txEl>
-                                              <p:pRg st="0" end="0"/>
-                                            </p:txEl>
-                                          </p:spTgt>
-                                        </p:tgtEl>
-                                        <p:attrNameLst>
-                                          <p:attrName>style.visibility</p:attrName>
-                                        </p:attrNameLst>
-                                      </p:cBhvr>
-                                      <p:to>
-                                        <p:strVal val="visible"/>
-                                      </p:to>
-                                    </p:set>
-                                    <p:animEffect transition="in" filter="fade">
-                                      <p:cBhvr>
-                                        <p:cTn id="18" dur="1000"/>
-                                        <p:tgtEl>
-                                          <p:spTgt spid="6">
-                                            <p:txEl>
-                                              <p:pRg st="0" end="0"/>
-                                            </p:txEl>
-                                          </p:spTgt>
-                                        </p:tgtEl>
-                                      </p:cBhvr>
-                                    </p:animEffect>
-                                    <p:anim calcmode="lin" valueType="num">
-                                      <p:cBhvr>
-                                        <p:cTn id="19" dur="1000" fill="hold"/>
-                                        <p:tgtEl>
-                                          <p:spTgt spid="6">
-                                            <p:txEl>
-                                              <p:pRg st="0" end="0"/>
-                                            </p:txEl>
-                                          </p:spTgt>
-                                        </p:tgtEl>
-                                        <p:attrNameLst>
-                                          <p:attrName>ppt_x</p:attrName>
-                                        </p:attrNameLst>
-                                      </p:cBhvr>
-                                      <p:tavLst>
-                                        <p:tav tm="0">
-                                          <p:val>
-                                            <p:strVal val="#ppt_x"/>
-                                          </p:val>
-                                        </p:tav>
-                                        <p:tav tm="100000">
-                                          <p:val>
-                                            <p:strVal val="#ppt_x"/>
-                                          </p:val>
-                                        </p:tav>
-                                      </p:tavLst>
-                                    </p:anim>
-                                    <p:anim calcmode="lin" valueType="num">
-                                      <p:cBhvr>
-                                        <p:cTn id="20" dur="1000" fill="hold"/>
-                                        <p:tgtEl>
-                                          <p:spTgt spid="6">
-                                            <p:txEl>
-                                              <p:pRg st="0" end="0"/>
-                                            </p:txEl>
-                                          </p:spTgt>
-                                        </p:tgtEl>
-                                        <p:attrNameLst>
-                                          <p:attrName>ppt_y</p:attrName>
-                                        </p:attrNameLst>
-                                      </p:cBhvr>
-                                      <p:tavLst>
-                                        <p:tav tm="0">
-                                          <p:val>
-                                            <p:strVal val="#ppt_y+.1"/>
-                                          </p:val>
-                                        </p:tav>
-                                        <p:tav tm="100000">
-                                          <p:val>
-                                            <p:strVal val="#ppt_y"/>
-                                          </p:val>
-                                        </p:tav>
-                                      </p:tavLst>
-                                    </p:anim>
-                                  </p:childTnLst>
-                                </p:cTn>
-                              </p:par>
-                            </p:childTnLst>
-                          </p:cTn>
-                        </p:par>
-                      </p:childTnLst>
-                    </p:cTn>
-                  </p:par>
-                  <p:par>
-                    <p:cTn id="21" fill="hold">
-                      <p:stCondLst>
-                        <p:cond delay="indefinite"/>
-                      </p:stCondLst>
-                      <p:childTnLst>
-                        <p:par>
-                          <p:cTn id="22" fill="hold">
-                            <p:stCondLst>
-                              <p:cond delay="0"/>
-                            </p:stCondLst>
-                            <p:childTnLst>
-                              <p:par>
-                                <p:cTn id="23" presetID="42" presetClass="entr" presetSubtype="0" fill="hold" grpId="0" nodeType="clickEffect">
-                                  <p:stCondLst>
-                                    <p:cond delay="0"/>
-                                  </p:stCondLst>
-                                  <p:childTnLst>
-                                    <p:set>
-                                      <p:cBhvr>
-                                        <p:cTn id="24" dur="1" fill="hold">
-                                          <p:stCondLst>
-                                            <p:cond delay="0"/>
-                                          </p:stCondLst>
-                                        </p:cTn>
-                                        <p:tgtEl>
-                                          <p:spTgt spid="6">
-                                            <p:txEl>
-                                              <p:pRg st="1" end="1"/>
-                                            </p:txEl>
-                                          </p:spTgt>
-                                        </p:tgtEl>
-                                        <p:attrNameLst>
-                                          <p:attrName>style.visibility</p:attrName>
-                                        </p:attrNameLst>
-                                      </p:cBhvr>
-                                      <p:to>
-                                        <p:strVal val="visible"/>
-                                      </p:to>
-                                    </p:set>
-                                    <p:animEffect transition="in" filter="fade">
-                                      <p:cBhvr>
-                                        <p:cTn id="25" dur="1000"/>
-                                        <p:tgtEl>
-                                          <p:spTgt spid="6">
-                                            <p:txEl>
-                                              <p:pRg st="1" end="1"/>
-                                            </p:txEl>
-                                          </p:spTgt>
-                                        </p:tgtEl>
-                                      </p:cBhvr>
-                                    </p:animEffect>
-                                    <p:anim calcmode="lin" valueType="num">
-                                      <p:cBhvr>
-                                        <p:cTn id="26" dur="1000" fill="hold"/>
-                                        <p:tgtEl>
-                                          <p:spTgt spid="6">
-                                            <p:txEl>
-                                              <p:pRg st="1" end="1"/>
-                                            </p:txEl>
-                                          </p:spTgt>
-                                        </p:tgtEl>
-                                        <p:attrNameLst>
-                                          <p:attrName>ppt_x</p:attrName>
-                                        </p:attrNameLst>
-                                      </p:cBhvr>
-                                      <p:tavLst>
-                                        <p:tav tm="0">
-                                          <p:val>
-                                            <p:strVal val="#ppt_x"/>
-                                          </p:val>
-                                        </p:tav>
-                                        <p:tav tm="100000">
-                                          <p:val>
-                                            <p:strVal val="#ppt_x"/>
-                                          </p:val>
-                                        </p:tav>
-                                      </p:tavLst>
-                                    </p:anim>
-                                    <p:anim calcmode="lin" valueType="num">
-                                      <p:cBhvr>
-                                        <p:cTn id="27" dur="1000" fill="hold"/>
-                                        <p:tgtEl>
-                                          <p:spTgt spid="6">
-                                            <p:txEl>
-                                              <p:pRg st="1" end="1"/>
-                                            </p:txEl>
-                                          </p:spTgt>
-                                        </p:tgtEl>
-                                        <p:attrNameLst>
-                                          <p:attrName>ppt_y</p:attrName>
-                                        </p:attrNameLst>
-                                      </p:cBhvr>
-                                      <p:tavLst>
-                                        <p:tav tm="0">
-                                          <p:val>
-                                            <p:strVal val="#ppt_y+.1"/>
-                                          </p:val>
-                                        </p:tav>
-                                        <p:tav tm="100000">
-                                          <p:val>
-                                            <p:strVal val="#ppt_y"/>
-                                          </p:val>
-                                        </p:tav>
-                                      </p:tavLst>
-                                    </p:anim>
-                                  </p:childTnLst>
-                                </p:cTn>
-                              </p:par>
-                            </p:childTnLst>
-                          </p:cTn>
-                        </p:par>
-                      </p:childTnLst>
-                    </p:cTn>
-                  </p:par>
-                  <p:par>
-                    <p:cTn id="28" fill="hold">
-                      <p:stCondLst>
-                        <p:cond delay="indefinite"/>
-                      </p:stCondLst>
-                      <p:childTnLst>
-                        <p:par>
-                          <p:cTn id="29" fill="hold">
-                            <p:stCondLst>
-                              <p:cond delay="0"/>
-                            </p:stCondLst>
-                            <p:childTnLst>
-                              <p:par>
-                                <p:cTn id="30" presetID="42" presetClass="entr" presetSubtype="0" fill="hold" grpId="0" nodeType="clickEffect">
-                                  <p:stCondLst>
-                                    <p:cond delay="0"/>
-                                  </p:stCondLst>
-                                  <p:childTnLst>
-                                    <p:set>
-                                      <p:cBhvr>
-                                        <p:cTn id="31" dur="1" fill="hold">
-                                          <p:stCondLst>
-                                            <p:cond delay="0"/>
-                                          </p:stCondLst>
-                                        </p:cTn>
-                                        <p:tgtEl>
-                                          <p:spTgt spid="6">
-                                            <p:txEl>
-                                              <p:pRg st="2" end="2"/>
-                                            </p:txEl>
-                                          </p:spTgt>
-                                        </p:tgtEl>
-                                        <p:attrNameLst>
-                                          <p:attrName>style.visibility</p:attrName>
-                                        </p:attrNameLst>
-                                      </p:cBhvr>
-                                      <p:to>
-                                        <p:strVal val="visible"/>
-                                      </p:to>
-                                    </p:set>
-                                    <p:animEffect transition="in" filter="fade">
-                                      <p:cBhvr>
-                                        <p:cTn id="32" dur="1000"/>
-                                        <p:tgtEl>
-                                          <p:spTgt spid="6">
-                                            <p:txEl>
-                                              <p:pRg st="2" end="2"/>
-                                            </p:txEl>
-                                          </p:spTgt>
-                                        </p:tgtEl>
-                                      </p:cBhvr>
-                                    </p:animEffect>
-                                    <p:anim calcmode="lin" valueType="num">
-                                      <p:cBhvr>
-                                        <p:cTn id="33" dur="1000" fill="hold"/>
-                                        <p:tgtEl>
-                                          <p:spTgt spid="6">
-                                            <p:txEl>
-                                              <p:pRg st="2" end="2"/>
-                                            </p:txEl>
-                                          </p:spTgt>
-                                        </p:tgtEl>
-                                        <p:attrNameLst>
-                                          <p:attrName>ppt_x</p:attrName>
-                                        </p:attrNameLst>
-                                      </p:cBhvr>
-                                      <p:tavLst>
-                                        <p:tav tm="0">
-                                          <p:val>
-                                            <p:strVal val="#ppt_x"/>
-                                          </p:val>
-                                        </p:tav>
-                                        <p:tav tm="100000">
-                                          <p:val>
-                                            <p:strVal val="#ppt_x"/>
-                                          </p:val>
-                                        </p:tav>
-                                      </p:tavLst>
-                                    </p:anim>
-                                    <p:anim calcmode="lin" valueType="num">
-                                      <p:cBhvr>
-                                        <p:cTn id="34" dur="1000" fill="hold"/>
-                                        <p:tgtEl>
-                                          <p:spTgt spid="6">
-                                            <p:txEl>
-                                              <p:pRg st="2" end="2"/>
-                                            </p:txEl>
-                                          </p:spTgt>
-                                        </p:tgtEl>
-                                        <p:attrNameLst>
-                                          <p:attrName>ppt_y</p:attrName>
-                                        </p:attrNameLst>
-                                      </p:cBhvr>
-                                      <p:tavLst>
-                                        <p:tav tm="0">
-                                          <p:val>
-                                            <p:strVal val="#ppt_y+.1"/>
-                                          </p:val>
-                                        </p:tav>
-                                        <p:tav tm="100000">
-                                          <p:val>
-                                            <p:strVal val="#ppt_y"/>
-                                          </p:val>
-                                        </p:tav>
-                                      </p:tavLst>
-                                    </p:anim>
-                                  </p:childTnLst>
-                                </p:cTn>
-                              </p:par>
-                            </p:childTnLst>
-                          </p:cTn>
-                        </p:par>
-                      </p:childTnLst>
-                    </p:cTn>
-                  </p:par>
-                  <p:par>
-                    <p:cTn id="35" fill="hold">
-                      <p:stCondLst>
-                        <p:cond delay="indefinite"/>
-                      </p:stCondLst>
-                      <p:childTnLst>
-                        <p:par>
-                          <p:cTn id="36" fill="hold">
-                            <p:stCondLst>
-                              <p:cond delay="0"/>
-                            </p:stCondLst>
-                            <p:childTnLst>
-                              <p:par>
-                                <p:cTn id="37" presetID="42" presetClass="entr" presetSubtype="0" fill="hold" grpId="0" nodeType="clickEffect">
-                                  <p:stCondLst>
-                                    <p:cond delay="0"/>
-                                  </p:stCondLst>
-                                  <p:childTnLst>
-                                    <p:set>
-                                      <p:cBhvr>
-                                        <p:cTn id="38" dur="1" fill="hold">
-                                          <p:stCondLst>
-                                            <p:cond delay="0"/>
-                                          </p:stCondLst>
-                                        </p:cTn>
-                                        <p:tgtEl>
-                                          <p:spTgt spid="6">
-                                            <p:txEl>
-                                              <p:pRg st="3" end="3"/>
-                                            </p:txEl>
-                                          </p:spTgt>
-                                        </p:tgtEl>
-                                        <p:attrNameLst>
-                                          <p:attrName>style.visibility</p:attrName>
-                                        </p:attrNameLst>
-                                      </p:cBhvr>
-                                      <p:to>
-                                        <p:strVal val="visible"/>
-                                      </p:to>
-                                    </p:set>
-                                    <p:animEffect transition="in" filter="fade">
-                                      <p:cBhvr>
-                                        <p:cTn id="39" dur="1000"/>
-                                        <p:tgtEl>
-                                          <p:spTgt spid="6">
-                                            <p:txEl>
-                                              <p:pRg st="3" end="3"/>
-                                            </p:txEl>
-                                          </p:spTgt>
-                                        </p:tgtEl>
-                                      </p:cBhvr>
-                                    </p:animEffect>
-                                    <p:anim calcmode="lin" valueType="num">
-                                      <p:cBhvr>
-                                        <p:cTn id="40" dur="1000" fill="hold"/>
-                                        <p:tgtEl>
-                                          <p:spTgt spid="6">
-                                            <p:txEl>
-                                              <p:pRg st="3" end="3"/>
-                                            </p:txEl>
-                                          </p:spTgt>
-                                        </p:tgtEl>
-                                        <p:attrNameLst>
-                                          <p:attrName>ppt_x</p:attrName>
-                                        </p:attrNameLst>
-                                      </p:cBhvr>
-                                      <p:tavLst>
-                                        <p:tav tm="0">
-                                          <p:val>
-                                            <p:strVal val="#ppt_x"/>
-                                          </p:val>
-                                        </p:tav>
-                                        <p:tav tm="100000">
-                                          <p:val>
-                                            <p:strVal val="#ppt_x"/>
-                                          </p:val>
-                                        </p:tav>
-                                      </p:tavLst>
-                                    </p:anim>
-                                    <p:anim calcmode="lin" valueType="num">
-                                      <p:cBhvr>
-                                        <p:cTn id="41" dur="1000" fill="hold"/>
-                                        <p:tgtEl>
-                                          <p:spTgt spid="6">
-                                            <p:txEl>
-                                              <p:pRg st="3" end="3"/>
-                                            </p:txEl>
-                                          </p:spTgt>
-                                        </p:tgtEl>
-                                        <p:attrNameLst>
-                                          <p:attrName>ppt_y</p:attrName>
-                                        </p:attrNameLst>
-                                      </p:cBhvr>
-                                      <p:tavLst>
-                                        <p:tav tm="0">
-                                          <p:val>
-                                            <p:strVal val="#ppt_y+.1"/>
-                                          </p:val>
-                                        </p:tav>
-                                        <p:tav tm="100000">
-                                          <p:val>
-                                            <p:strVal val="#ppt_y"/>
-                                          </p:val>
-                                        </p:tav>
-                                      </p:tavLst>
-                                    </p:anim>
-                                  </p:childTnLst>
-                                </p:cTn>
-                              </p:par>
-                            </p:childTnLst>
-                          </p:cTn>
-                        </p:par>
-                      </p:childTnLst>
-                    </p:cTn>
-                  </p:par>
-                </p:childTnLst>
-              </p:cTn>
-              <p:prevCondLst>
-                <p:cond evt="onPrev" delay="0">
-                  <p:tgtEl>
-                    <p:sldTgt/>
-                  </p:tgtEl>
-                </p:cond>
-              </p:prevCondLst>
-              <p:nextCondLst>
-                <p:cond evt="onNext" delay="0">
-                  <p:tgtEl>
-                    <p:sldTgt/>
-                  </p:tgtEl>
-                </p:cond>
-              </p:nextCondLst>
-            </p:seq>
-          </p:childTnLst>
-        </p:cTn>
-      </p:par>
-    </p:tnLst>
-    <p:bldLst>
-      <p:bldP spid="2" grpId="0"/>
-      <p:bldP spid="6" grpId="0" build="p"/>
-    </p:bldLst>
-  </p:timing>
 </p:sld>
 </file>
 
